--- a/Terahertz Metrology/Ch6/Terahertz Metrology_Ch6.pptx
+++ b/Terahertz Metrology/Ch6/Terahertz Metrology_Ch6.pptx
@@ -5,7 +5,7 @@
     <p:sldMasterId id="2147483660" r:id="rId1"/>
   </p:sldMasterIdLst>
   <p:notesMasterIdLst>
-    <p:notesMasterId r:id="rId9"/>
+    <p:notesMasterId r:id="rId18"/>
   </p:notesMasterIdLst>
   <p:sldIdLst>
     <p:sldId id="258" r:id="rId2"/>
@@ -14,7 +14,16 @@
     <p:sldId id="276" r:id="rId5"/>
     <p:sldId id="277" r:id="rId6"/>
     <p:sldId id="278" r:id="rId7"/>
-    <p:sldId id="275" r:id="rId8"/>
+    <p:sldId id="279" r:id="rId8"/>
+    <p:sldId id="280" r:id="rId9"/>
+    <p:sldId id="281" r:id="rId10"/>
+    <p:sldId id="282" r:id="rId11"/>
+    <p:sldId id="283" r:id="rId12"/>
+    <p:sldId id="284" r:id="rId13"/>
+    <p:sldId id="285" r:id="rId14"/>
+    <p:sldId id="286" r:id="rId15"/>
+    <p:sldId id="287" r:id="rId16"/>
+    <p:sldId id="275" r:id="rId17"/>
   </p:sldIdLst>
   <p:sldSz cx="9144000" cy="6858000" type="screen4x3"/>
   <p:notesSz cx="6735763" cy="9866313"/>
@@ -203,7 +212,7 @@
           <a:p>
             <a:fld id="{A9D6DECA-6E4E-4D09-9277-E151A2E3F74C}" type="datetimeFigureOut">
               <a:rPr lang="ko-KR" altLang="en-US" smtClean="0"/>
-              <a:t>2018-04-05</a:t>
+              <a:t>2018-04-06</a:t>
             </a:fld>
             <a:endParaRPr lang="ko-KR" altLang="en-US"/>
           </a:p>
@@ -555,6 +564,594 @@
 </p:notes>
 </file>
 
+<file path=ppt/notesSlides/notesSlide10.xml><?xml version="1.0" encoding="utf-8"?>
+<p:notes xmlns:a="http://schemas.openxmlformats.org/drawingml/2006/main" xmlns:r="http://schemas.openxmlformats.org/officeDocument/2006/relationships" xmlns:p="http://schemas.openxmlformats.org/presentationml/2006/main">
+  <p:cSld>
+    <p:spTree>
+      <p:nvGrpSpPr>
+        <p:cNvPr id="1" name=""/>
+        <p:cNvGrpSpPr/>
+        <p:nvPr/>
+      </p:nvGrpSpPr>
+      <p:grpSpPr>
+        <a:xfrm>
+          <a:off x="0" y="0"/>
+          <a:ext cx="0" cy="0"/>
+          <a:chOff x="0" y="0"/>
+          <a:chExt cx="0" cy="0"/>
+        </a:xfrm>
+      </p:grpSpPr>
+      <p:sp>
+        <p:nvSpPr>
+          <p:cNvPr id="2" name="슬라이드 이미지 개체 틀 1"/>
+          <p:cNvSpPr>
+            <a:spLocks noGrp="1" noRot="1" noChangeAspect="1"/>
+          </p:cNvSpPr>
+          <p:nvPr>
+            <p:ph type="sldImg"/>
+          </p:nvPr>
+        </p:nvSpPr>
+        <p:spPr/>
+      </p:sp>
+      <p:sp>
+        <p:nvSpPr>
+          <p:cNvPr id="3" name="슬라이드 노트 개체 틀 2"/>
+          <p:cNvSpPr>
+            <a:spLocks noGrp="1"/>
+          </p:cNvSpPr>
+          <p:nvPr>
+            <p:ph type="body" idx="1"/>
+          </p:nvPr>
+        </p:nvSpPr>
+        <p:spPr/>
+        <p:txBody>
+          <a:bodyPr/>
+          <a:lstStyle/>
+          <a:p>
+            <a:endParaRPr lang="ko-KR" altLang="en-US"/>
+          </a:p>
+        </p:txBody>
+      </p:sp>
+      <p:sp>
+        <p:nvSpPr>
+          <p:cNvPr id="4" name="슬라이드 번호 개체 틀 3"/>
+          <p:cNvSpPr>
+            <a:spLocks noGrp="1"/>
+          </p:cNvSpPr>
+          <p:nvPr>
+            <p:ph type="sldNum" sz="quarter" idx="10"/>
+          </p:nvPr>
+        </p:nvSpPr>
+        <p:spPr/>
+        <p:txBody>
+          <a:bodyPr/>
+          <a:lstStyle/>
+          <a:p>
+            <a:fld id="{6D0ABE42-EEBB-47F0-BC6E-2BB25FA03CFE}" type="slidenum">
+              <a:rPr lang="ko-KR" altLang="en-US" smtClean="0"/>
+              <a:t>10</a:t>
+            </a:fld>
+            <a:endParaRPr lang="ko-KR" altLang="en-US"/>
+          </a:p>
+        </p:txBody>
+      </p:sp>
+    </p:spTree>
+    <p:extLst>
+      <p:ext uri="{BB962C8B-B14F-4D97-AF65-F5344CB8AC3E}">
+        <p14:creationId xmlns:p14="http://schemas.microsoft.com/office/powerpoint/2010/main" val="3270008719"/>
+      </p:ext>
+    </p:extLst>
+  </p:cSld>
+  <p:clrMapOvr>
+    <a:masterClrMapping/>
+  </p:clrMapOvr>
+</p:notes>
+</file>
+
+<file path=ppt/notesSlides/notesSlide11.xml><?xml version="1.0" encoding="utf-8"?>
+<p:notes xmlns:a="http://schemas.openxmlformats.org/drawingml/2006/main" xmlns:r="http://schemas.openxmlformats.org/officeDocument/2006/relationships" xmlns:p="http://schemas.openxmlformats.org/presentationml/2006/main">
+  <p:cSld>
+    <p:spTree>
+      <p:nvGrpSpPr>
+        <p:cNvPr id="1" name=""/>
+        <p:cNvGrpSpPr/>
+        <p:nvPr/>
+      </p:nvGrpSpPr>
+      <p:grpSpPr>
+        <a:xfrm>
+          <a:off x="0" y="0"/>
+          <a:ext cx="0" cy="0"/>
+          <a:chOff x="0" y="0"/>
+          <a:chExt cx="0" cy="0"/>
+        </a:xfrm>
+      </p:grpSpPr>
+      <p:sp>
+        <p:nvSpPr>
+          <p:cNvPr id="2" name="슬라이드 이미지 개체 틀 1"/>
+          <p:cNvSpPr>
+            <a:spLocks noGrp="1" noRot="1" noChangeAspect="1"/>
+          </p:cNvSpPr>
+          <p:nvPr>
+            <p:ph type="sldImg"/>
+          </p:nvPr>
+        </p:nvSpPr>
+        <p:spPr/>
+      </p:sp>
+      <p:sp>
+        <p:nvSpPr>
+          <p:cNvPr id="3" name="슬라이드 노트 개체 틀 2"/>
+          <p:cNvSpPr>
+            <a:spLocks noGrp="1"/>
+          </p:cNvSpPr>
+          <p:nvPr>
+            <p:ph type="body" idx="1"/>
+          </p:nvPr>
+        </p:nvSpPr>
+        <p:spPr/>
+        <p:txBody>
+          <a:bodyPr/>
+          <a:lstStyle/>
+          <a:p>
+            <a:endParaRPr lang="ko-KR" altLang="en-US"/>
+          </a:p>
+        </p:txBody>
+      </p:sp>
+      <p:sp>
+        <p:nvSpPr>
+          <p:cNvPr id="4" name="슬라이드 번호 개체 틀 3"/>
+          <p:cNvSpPr>
+            <a:spLocks noGrp="1"/>
+          </p:cNvSpPr>
+          <p:nvPr>
+            <p:ph type="sldNum" sz="quarter" idx="10"/>
+          </p:nvPr>
+        </p:nvSpPr>
+        <p:spPr/>
+        <p:txBody>
+          <a:bodyPr/>
+          <a:lstStyle/>
+          <a:p>
+            <a:fld id="{6D0ABE42-EEBB-47F0-BC6E-2BB25FA03CFE}" type="slidenum">
+              <a:rPr lang="ko-KR" altLang="en-US" smtClean="0"/>
+              <a:t>11</a:t>
+            </a:fld>
+            <a:endParaRPr lang="ko-KR" altLang="en-US"/>
+          </a:p>
+        </p:txBody>
+      </p:sp>
+    </p:spTree>
+    <p:extLst>
+      <p:ext uri="{BB962C8B-B14F-4D97-AF65-F5344CB8AC3E}">
+        <p14:creationId xmlns:p14="http://schemas.microsoft.com/office/powerpoint/2010/main" val="3720633084"/>
+      </p:ext>
+    </p:extLst>
+  </p:cSld>
+  <p:clrMapOvr>
+    <a:masterClrMapping/>
+  </p:clrMapOvr>
+</p:notes>
+</file>
+
+<file path=ppt/notesSlides/notesSlide12.xml><?xml version="1.0" encoding="utf-8"?>
+<p:notes xmlns:a="http://schemas.openxmlformats.org/drawingml/2006/main" xmlns:r="http://schemas.openxmlformats.org/officeDocument/2006/relationships" xmlns:p="http://schemas.openxmlformats.org/presentationml/2006/main">
+  <p:cSld>
+    <p:spTree>
+      <p:nvGrpSpPr>
+        <p:cNvPr id="1" name=""/>
+        <p:cNvGrpSpPr/>
+        <p:nvPr/>
+      </p:nvGrpSpPr>
+      <p:grpSpPr>
+        <a:xfrm>
+          <a:off x="0" y="0"/>
+          <a:ext cx="0" cy="0"/>
+          <a:chOff x="0" y="0"/>
+          <a:chExt cx="0" cy="0"/>
+        </a:xfrm>
+      </p:grpSpPr>
+      <p:sp>
+        <p:nvSpPr>
+          <p:cNvPr id="2" name="슬라이드 이미지 개체 틀 1"/>
+          <p:cNvSpPr>
+            <a:spLocks noGrp="1" noRot="1" noChangeAspect="1"/>
+          </p:cNvSpPr>
+          <p:nvPr>
+            <p:ph type="sldImg"/>
+          </p:nvPr>
+        </p:nvSpPr>
+        <p:spPr/>
+      </p:sp>
+      <p:sp>
+        <p:nvSpPr>
+          <p:cNvPr id="3" name="슬라이드 노트 개체 틀 2"/>
+          <p:cNvSpPr>
+            <a:spLocks noGrp="1"/>
+          </p:cNvSpPr>
+          <p:nvPr>
+            <p:ph type="body" idx="1"/>
+          </p:nvPr>
+        </p:nvSpPr>
+        <p:spPr/>
+        <p:txBody>
+          <a:bodyPr/>
+          <a:lstStyle/>
+          <a:p>
+            <a:endParaRPr lang="ko-KR" altLang="en-US"/>
+          </a:p>
+        </p:txBody>
+      </p:sp>
+      <p:sp>
+        <p:nvSpPr>
+          <p:cNvPr id="4" name="슬라이드 번호 개체 틀 3"/>
+          <p:cNvSpPr>
+            <a:spLocks noGrp="1"/>
+          </p:cNvSpPr>
+          <p:nvPr>
+            <p:ph type="sldNum" sz="quarter" idx="10"/>
+          </p:nvPr>
+        </p:nvSpPr>
+        <p:spPr/>
+        <p:txBody>
+          <a:bodyPr/>
+          <a:lstStyle/>
+          <a:p>
+            <a:fld id="{6D0ABE42-EEBB-47F0-BC6E-2BB25FA03CFE}" type="slidenum">
+              <a:rPr lang="ko-KR" altLang="en-US" smtClean="0"/>
+              <a:t>12</a:t>
+            </a:fld>
+            <a:endParaRPr lang="ko-KR" altLang="en-US"/>
+          </a:p>
+        </p:txBody>
+      </p:sp>
+    </p:spTree>
+    <p:extLst>
+      <p:ext uri="{BB962C8B-B14F-4D97-AF65-F5344CB8AC3E}">
+        <p14:creationId xmlns:p14="http://schemas.microsoft.com/office/powerpoint/2010/main" val="3469586814"/>
+      </p:ext>
+    </p:extLst>
+  </p:cSld>
+  <p:clrMapOvr>
+    <a:masterClrMapping/>
+  </p:clrMapOvr>
+</p:notes>
+</file>
+
+<file path=ppt/notesSlides/notesSlide13.xml><?xml version="1.0" encoding="utf-8"?>
+<p:notes xmlns:a="http://schemas.openxmlformats.org/drawingml/2006/main" xmlns:r="http://schemas.openxmlformats.org/officeDocument/2006/relationships" xmlns:p="http://schemas.openxmlformats.org/presentationml/2006/main">
+  <p:cSld>
+    <p:spTree>
+      <p:nvGrpSpPr>
+        <p:cNvPr id="1" name=""/>
+        <p:cNvGrpSpPr/>
+        <p:nvPr/>
+      </p:nvGrpSpPr>
+      <p:grpSpPr>
+        <a:xfrm>
+          <a:off x="0" y="0"/>
+          <a:ext cx="0" cy="0"/>
+          <a:chOff x="0" y="0"/>
+          <a:chExt cx="0" cy="0"/>
+        </a:xfrm>
+      </p:grpSpPr>
+      <p:sp>
+        <p:nvSpPr>
+          <p:cNvPr id="2" name="슬라이드 이미지 개체 틀 1"/>
+          <p:cNvSpPr>
+            <a:spLocks noGrp="1" noRot="1" noChangeAspect="1"/>
+          </p:cNvSpPr>
+          <p:nvPr>
+            <p:ph type="sldImg"/>
+          </p:nvPr>
+        </p:nvSpPr>
+        <p:spPr/>
+      </p:sp>
+      <p:sp>
+        <p:nvSpPr>
+          <p:cNvPr id="3" name="슬라이드 노트 개체 틀 2"/>
+          <p:cNvSpPr>
+            <a:spLocks noGrp="1"/>
+          </p:cNvSpPr>
+          <p:nvPr>
+            <p:ph type="body" idx="1"/>
+          </p:nvPr>
+        </p:nvSpPr>
+        <p:spPr/>
+        <p:txBody>
+          <a:bodyPr/>
+          <a:lstStyle/>
+          <a:p>
+            <a:endParaRPr lang="ko-KR" altLang="en-US"/>
+          </a:p>
+        </p:txBody>
+      </p:sp>
+      <p:sp>
+        <p:nvSpPr>
+          <p:cNvPr id="4" name="슬라이드 번호 개체 틀 3"/>
+          <p:cNvSpPr>
+            <a:spLocks noGrp="1"/>
+          </p:cNvSpPr>
+          <p:nvPr>
+            <p:ph type="sldNum" sz="quarter" idx="10"/>
+          </p:nvPr>
+        </p:nvSpPr>
+        <p:spPr/>
+        <p:txBody>
+          <a:bodyPr/>
+          <a:lstStyle/>
+          <a:p>
+            <a:fld id="{6D0ABE42-EEBB-47F0-BC6E-2BB25FA03CFE}" type="slidenum">
+              <a:rPr lang="ko-KR" altLang="en-US" smtClean="0"/>
+              <a:t>13</a:t>
+            </a:fld>
+            <a:endParaRPr lang="ko-KR" altLang="en-US"/>
+          </a:p>
+        </p:txBody>
+      </p:sp>
+    </p:spTree>
+    <p:extLst>
+      <p:ext uri="{BB962C8B-B14F-4D97-AF65-F5344CB8AC3E}">
+        <p14:creationId xmlns:p14="http://schemas.microsoft.com/office/powerpoint/2010/main" val="1313164571"/>
+      </p:ext>
+    </p:extLst>
+  </p:cSld>
+  <p:clrMapOvr>
+    <a:masterClrMapping/>
+  </p:clrMapOvr>
+</p:notes>
+</file>
+
+<file path=ppt/notesSlides/notesSlide14.xml><?xml version="1.0" encoding="utf-8"?>
+<p:notes xmlns:a="http://schemas.openxmlformats.org/drawingml/2006/main" xmlns:r="http://schemas.openxmlformats.org/officeDocument/2006/relationships" xmlns:p="http://schemas.openxmlformats.org/presentationml/2006/main">
+  <p:cSld>
+    <p:spTree>
+      <p:nvGrpSpPr>
+        <p:cNvPr id="1" name=""/>
+        <p:cNvGrpSpPr/>
+        <p:nvPr/>
+      </p:nvGrpSpPr>
+      <p:grpSpPr>
+        <a:xfrm>
+          <a:off x="0" y="0"/>
+          <a:ext cx="0" cy="0"/>
+          <a:chOff x="0" y="0"/>
+          <a:chExt cx="0" cy="0"/>
+        </a:xfrm>
+      </p:grpSpPr>
+      <p:sp>
+        <p:nvSpPr>
+          <p:cNvPr id="2" name="슬라이드 이미지 개체 틀 1"/>
+          <p:cNvSpPr>
+            <a:spLocks noGrp="1" noRot="1" noChangeAspect="1"/>
+          </p:cNvSpPr>
+          <p:nvPr>
+            <p:ph type="sldImg"/>
+          </p:nvPr>
+        </p:nvSpPr>
+        <p:spPr/>
+      </p:sp>
+      <p:sp>
+        <p:nvSpPr>
+          <p:cNvPr id="3" name="슬라이드 노트 개체 틀 2"/>
+          <p:cNvSpPr>
+            <a:spLocks noGrp="1"/>
+          </p:cNvSpPr>
+          <p:nvPr>
+            <p:ph type="body" idx="1"/>
+          </p:nvPr>
+        </p:nvSpPr>
+        <p:spPr/>
+        <p:txBody>
+          <a:bodyPr/>
+          <a:lstStyle/>
+          <a:p>
+            <a:endParaRPr lang="ko-KR" altLang="en-US"/>
+          </a:p>
+        </p:txBody>
+      </p:sp>
+      <p:sp>
+        <p:nvSpPr>
+          <p:cNvPr id="4" name="슬라이드 번호 개체 틀 3"/>
+          <p:cNvSpPr>
+            <a:spLocks noGrp="1"/>
+          </p:cNvSpPr>
+          <p:nvPr>
+            <p:ph type="sldNum" sz="quarter" idx="10"/>
+          </p:nvPr>
+        </p:nvSpPr>
+        <p:spPr/>
+        <p:txBody>
+          <a:bodyPr/>
+          <a:lstStyle/>
+          <a:p>
+            <a:fld id="{6D0ABE42-EEBB-47F0-BC6E-2BB25FA03CFE}" type="slidenum">
+              <a:rPr lang="ko-KR" altLang="en-US" smtClean="0"/>
+              <a:t>14</a:t>
+            </a:fld>
+            <a:endParaRPr lang="ko-KR" altLang="en-US"/>
+          </a:p>
+        </p:txBody>
+      </p:sp>
+    </p:spTree>
+    <p:extLst>
+      <p:ext uri="{BB962C8B-B14F-4D97-AF65-F5344CB8AC3E}">
+        <p14:creationId xmlns:p14="http://schemas.microsoft.com/office/powerpoint/2010/main" val="13874112"/>
+      </p:ext>
+    </p:extLst>
+  </p:cSld>
+  <p:clrMapOvr>
+    <a:masterClrMapping/>
+  </p:clrMapOvr>
+</p:notes>
+</file>
+
+<file path=ppt/notesSlides/notesSlide15.xml><?xml version="1.0" encoding="utf-8"?>
+<p:notes xmlns:a="http://schemas.openxmlformats.org/drawingml/2006/main" xmlns:r="http://schemas.openxmlformats.org/officeDocument/2006/relationships" xmlns:p="http://schemas.openxmlformats.org/presentationml/2006/main">
+  <p:cSld>
+    <p:spTree>
+      <p:nvGrpSpPr>
+        <p:cNvPr id="1" name=""/>
+        <p:cNvGrpSpPr/>
+        <p:nvPr/>
+      </p:nvGrpSpPr>
+      <p:grpSpPr>
+        <a:xfrm>
+          <a:off x="0" y="0"/>
+          <a:ext cx="0" cy="0"/>
+          <a:chOff x="0" y="0"/>
+          <a:chExt cx="0" cy="0"/>
+        </a:xfrm>
+      </p:grpSpPr>
+      <p:sp>
+        <p:nvSpPr>
+          <p:cNvPr id="2" name="슬라이드 이미지 개체 틀 1"/>
+          <p:cNvSpPr>
+            <a:spLocks noGrp="1" noRot="1" noChangeAspect="1"/>
+          </p:cNvSpPr>
+          <p:nvPr>
+            <p:ph type="sldImg"/>
+          </p:nvPr>
+        </p:nvSpPr>
+        <p:spPr/>
+      </p:sp>
+      <p:sp>
+        <p:nvSpPr>
+          <p:cNvPr id="3" name="슬라이드 노트 개체 틀 2"/>
+          <p:cNvSpPr>
+            <a:spLocks noGrp="1"/>
+          </p:cNvSpPr>
+          <p:nvPr>
+            <p:ph type="body" idx="1"/>
+          </p:nvPr>
+        </p:nvSpPr>
+        <p:spPr/>
+        <p:txBody>
+          <a:bodyPr/>
+          <a:lstStyle/>
+          <a:p>
+            <a:endParaRPr lang="ko-KR" altLang="en-US"/>
+          </a:p>
+        </p:txBody>
+      </p:sp>
+      <p:sp>
+        <p:nvSpPr>
+          <p:cNvPr id="4" name="슬라이드 번호 개체 틀 3"/>
+          <p:cNvSpPr>
+            <a:spLocks noGrp="1"/>
+          </p:cNvSpPr>
+          <p:nvPr>
+            <p:ph type="sldNum" sz="quarter" idx="10"/>
+          </p:nvPr>
+        </p:nvSpPr>
+        <p:spPr/>
+        <p:txBody>
+          <a:bodyPr/>
+          <a:lstStyle/>
+          <a:p>
+            <a:fld id="{6D0ABE42-EEBB-47F0-BC6E-2BB25FA03CFE}" type="slidenum">
+              <a:rPr lang="ko-KR" altLang="en-US" smtClean="0"/>
+              <a:t>15</a:t>
+            </a:fld>
+            <a:endParaRPr lang="ko-KR" altLang="en-US"/>
+          </a:p>
+        </p:txBody>
+      </p:sp>
+    </p:spTree>
+    <p:extLst>
+      <p:ext uri="{BB962C8B-B14F-4D97-AF65-F5344CB8AC3E}">
+        <p14:creationId xmlns:p14="http://schemas.microsoft.com/office/powerpoint/2010/main" val="2991191560"/>
+      </p:ext>
+    </p:extLst>
+  </p:cSld>
+  <p:clrMapOvr>
+    <a:masterClrMapping/>
+  </p:clrMapOvr>
+</p:notes>
+</file>
+
+<file path=ppt/notesSlides/notesSlide16.xml><?xml version="1.0" encoding="utf-8"?>
+<p:notes xmlns:a="http://schemas.openxmlformats.org/drawingml/2006/main" xmlns:r="http://schemas.openxmlformats.org/officeDocument/2006/relationships" xmlns:p="http://schemas.openxmlformats.org/presentationml/2006/main">
+  <p:cSld>
+    <p:spTree>
+      <p:nvGrpSpPr>
+        <p:cNvPr id="1" name=""/>
+        <p:cNvGrpSpPr/>
+        <p:nvPr/>
+      </p:nvGrpSpPr>
+      <p:grpSpPr>
+        <a:xfrm>
+          <a:off x="0" y="0"/>
+          <a:ext cx="0" cy="0"/>
+          <a:chOff x="0" y="0"/>
+          <a:chExt cx="0" cy="0"/>
+        </a:xfrm>
+      </p:grpSpPr>
+      <p:sp>
+        <p:nvSpPr>
+          <p:cNvPr id="2" name="슬라이드 이미지 개체 틀 1"/>
+          <p:cNvSpPr>
+            <a:spLocks noGrp="1" noRot="1" noChangeAspect="1"/>
+          </p:cNvSpPr>
+          <p:nvPr>
+            <p:ph type="sldImg"/>
+          </p:nvPr>
+        </p:nvSpPr>
+        <p:spPr/>
+      </p:sp>
+      <p:sp>
+        <p:nvSpPr>
+          <p:cNvPr id="3" name="슬라이드 노트 개체 틀 2"/>
+          <p:cNvSpPr>
+            <a:spLocks noGrp="1"/>
+          </p:cNvSpPr>
+          <p:nvPr>
+            <p:ph type="body" idx="1"/>
+          </p:nvPr>
+        </p:nvSpPr>
+        <p:spPr/>
+        <p:txBody>
+          <a:bodyPr/>
+          <a:lstStyle/>
+          <a:p>
+            <a:endParaRPr lang="ko-KR" altLang="en-US"/>
+          </a:p>
+        </p:txBody>
+      </p:sp>
+      <p:sp>
+        <p:nvSpPr>
+          <p:cNvPr id="4" name="슬라이드 번호 개체 틀 3"/>
+          <p:cNvSpPr>
+            <a:spLocks noGrp="1"/>
+          </p:cNvSpPr>
+          <p:nvPr>
+            <p:ph type="sldNum" sz="quarter" idx="10"/>
+          </p:nvPr>
+        </p:nvSpPr>
+        <p:spPr/>
+        <p:txBody>
+          <a:bodyPr/>
+          <a:lstStyle/>
+          <a:p>
+            <a:fld id="{6D0ABE42-EEBB-47F0-BC6E-2BB25FA03CFE}" type="slidenum">
+              <a:rPr lang="ko-KR" altLang="en-US" smtClean="0"/>
+              <a:t>16</a:t>
+            </a:fld>
+            <a:endParaRPr lang="ko-KR" altLang="en-US"/>
+          </a:p>
+        </p:txBody>
+      </p:sp>
+    </p:spTree>
+    <p:extLst>
+      <p:ext uri="{BB962C8B-B14F-4D97-AF65-F5344CB8AC3E}">
+        <p14:creationId xmlns:p14="http://schemas.microsoft.com/office/powerpoint/2010/main" val="1671263539"/>
+      </p:ext>
+    </p:extLst>
+  </p:cSld>
+  <p:clrMapOvr>
+    <a:masterClrMapping/>
+  </p:clrMapOvr>
+</p:notes>
+</file>
+
 <file path=ppt/notesSlides/notesSlide2.xml><?xml version="1.0" encoding="utf-8"?>
 <p:notes xmlns:a="http://schemas.openxmlformats.org/drawingml/2006/main" xmlns:r="http://schemas.openxmlformats.org/officeDocument/2006/relationships" xmlns:p="http://schemas.openxmlformats.org/presentationml/2006/main">
   <p:cSld>
@@ -1049,7 +1646,175 @@
     </p:spTree>
     <p:extLst>
       <p:ext uri="{BB962C8B-B14F-4D97-AF65-F5344CB8AC3E}">
-        <p14:creationId xmlns:p14="http://schemas.microsoft.com/office/powerpoint/2010/main" val="1671263539"/>
+        <p14:creationId xmlns:p14="http://schemas.microsoft.com/office/powerpoint/2010/main" val="1174594613"/>
+      </p:ext>
+    </p:extLst>
+  </p:cSld>
+  <p:clrMapOvr>
+    <a:masterClrMapping/>
+  </p:clrMapOvr>
+</p:notes>
+</file>
+
+<file path=ppt/notesSlides/notesSlide8.xml><?xml version="1.0" encoding="utf-8"?>
+<p:notes xmlns:a="http://schemas.openxmlformats.org/drawingml/2006/main" xmlns:r="http://schemas.openxmlformats.org/officeDocument/2006/relationships" xmlns:p="http://schemas.openxmlformats.org/presentationml/2006/main">
+  <p:cSld>
+    <p:spTree>
+      <p:nvGrpSpPr>
+        <p:cNvPr id="1" name=""/>
+        <p:cNvGrpSpPr/>
+        <p:nvPr/>
+      </p:nvGrpSpPr>
+      <p:grpSpPr>
+        <a:xfrm>
+          <a:off x="0" y="0"/>
+          <a:ext cx="0" cy="0"/>
+          <a:chOff x="0" y="0"/>
+          <a:chExt cx="0" cy="0"/>
+        </a:xfrm>
+      </p:grpSpPr>
+      <p:sp>
+        <p:nvSpPr>
+          <p:cNvPr id="2" name="슬라이드 이미지 개체 틀 1"/>
+          <p:cNvSpPr>
+            <a:spLocks noGrp="1" noRot="1" noChangeAspect="1"/>
+          </p:cNvSpPr>
+          <p:nvPr>
+            <p:ph type="sldImg"/>
+          </p:nvPr>
+        </p:nvSpPr>
+        <p:spPr/>
+      </p:sp>
+      <p:sp>
+        <p:nvSpPr>
+          <p:cNvPr id="3" name="슬라이드 노트 개체 틀 2"/>
+          <p:cNvSpPr>
+            <a:spLocks noGrp="1"/>
+          </p:cNvSpPr>
+          <p:nvPr>
+            <p:ph type="body" idx="1"/>
+          </p:nvPr>
+        </p:nvSpPr>
+        <p:spPr/>
+        <p:txBody>
+          <a:bodyPr/>
+          <a:lstStyle/>
+          <a:p>
+            <a:endParaRPr lang="ko-KR" altLang="en-US"/>
+          </a:p>
+        </p:txBody>
+      </p:sp>
+      <p:sp>
+        <p:nvSpPr>
+          <p:cNvPr id="4" name="슬라이드 번호 개체 틀 3"/>
+          <p:cNvSpPr>
+            <a:spLocks noGrp="1"/>
+          </p:cNvSpPr>
+          <p:nvPr>
+            <p:ph type="sldNum" sz="quarter" idx="10"/>
+          </p:nvPr>
+        </p:nvSpPr>
+        <p:spPr/>
+        <p:txBody>
+          <a:bodyPr/>
+          <a:lstStyle/>
+          <a:p>
+            <a:fld id="{6D0ABE42-EEBB-47F0-BC6E-2BB25FA03CFE}" type="slidenum">
+              <a:rPr lang="ko-KR" altLang="en-US" smtClean="0"/>
+              <a:t>8</a:t>
+            </a:fld>
+            <a:endParaRPr lang="ko-KR" altLang="en-US"/>
+          </a:p>
+        </p:txBody>
+      </p:sp>
+    </p:spTree>
+    <p:extLst>
+      <p:ext uri="{BB962C8B-B14F-4D97-AF65-F5344CB8AC3E}">
+        <p14:creationId xmlns:p14="http://schemas.microsoft.com/office/powerpoint/2010/main" val="3663953004"/>
+      </p:ext>
+    </p:extLst>
+  </p:cSld>
+  <p:clrMapOvr>
+    <a:masterClrMapping/>
+  </p:clrMapOvr>
+</p:notes>
+</file>
+
+<file path=ppt/notesSlides/notesSlide9.xml><?xml version="1.0" encoding="utf-8"?>
+<p:notes xmlns:a="http://schemas.openxmlformats.org/drawingml/2006/main" xmlns:r="http://schemas.openxmlformats.org/officeDocument/2006/relationships" xmlns:p="http://schemas.openxmlformats.org/presentationml/2006/main">
+  <p:cSld>
+    <p:spTree>
+      <p:nvGrpSpPr>
+        <p:cNvPr id="1" name=""/>
+        <p:cNvGrpSpPr/>
+        <p:nvPr/>
+      </p:nvGrpSpPr>
+      <p:grpSpPr>
+        <a:xfrm>
+          <a:off x="0" y="0"/>
+          <a:ext cx="0" cy="0"/>
+          <a:chOff x="0" y="0"/>
+          <a:chExt cx="0" cy="0"/>
+        </a:xfrm>
+      </p:grpSpPr>
+      <p:sp>
+        <p:nvSpPr>
+          <p:cNvPr id="2" name="슬라이드 이미지 개체 틀 1"/>
+          <p:cNvSpPr>
+            <a:spLocks noGrp="1" noRot="1" noChangeAspect="1"/>
+          </p:cNvSpPr>
+          <p:nvPr>
+            <p:ph type="sldImg"/>
+          </p:nvPr>
+        </p:nvSpPr>
+        <p:spPr/>
+      </p:sp>
+      <p:sp>
+        <p:nvSpPr>
+          <p:cNvPr id="3" name="슬라이드 노트 개체 틀 2"/>
+          <p:cNvSpPr>
+            <a:spLocks noGrp="1"/>
+          </p:cNvSpPr>
+          <p:nvPr>
+            <p:ph type="body" idx="1"/>
+          </p:nvPr>
+        </p:nvSpPr>
+        <p:spPr/>
+        <p:txBody>
+          <a:bodyPr/>
+          <a:lstStyle/>
+          <a:p>
+            <a:endParaRPr lang="ko-KR" altLang="en-US"/>
+          </a:p>
+        </p:txBody>
+      </p:sp>
+      <p:sp>
+        <p:nvSpPr>
+          <p:cNvPr id="4" name="슬라이드 번호 개체 틀 3"/>
+          <p:cNvSpPr>
+            <a:spLocks noGrp="1"/>
+          </p:cNvSpPr>
+          <p:nvPr>
+            <p:ph type="sldNum" sz="quarter" idx="10"/>
+          </p:nvPr>
+        </p:nvSpPr>
+        <p:spPr/>
+        <p:txBody>
+          <a:bodyPr/>
+          <a:lstStyle/>
+          <a:p>
+            <a:fld id="{6D0ABE42-EEBB-47F0-BC6E-2BB25FA03CFE}" type="slidenum">
+              <a:rPr lang="ko-KR" altLang="en-US" smtClean="0"/>
+              <a:t>9</a:t>
+            </a:fld>
+            <a:endParaRPr lang="ko-KR" altLang="en-US"/>
+          </a:p>
+        </p:txBody>
+      </p:sp>
+    </p:spTree>
+    <p:extLst>
+      <p:ext uri="{BB962C8B-B14F-4D97-AF65-F5344CB8AC3E}">
+        <p14:creationId xmlns:p14="http://schemas.microsoft.com/office/powerpoint/2010/main" val="1259300534"/>
       </p:ext>
     </p:extLst>
   </p:cSld>
@@ -1190,7 +1955,7 @@
           <a:p>
             <a:fld id="{78E89258-A40F-4400-BA1A-638141289729}" type="datetime1">
               <a:rPr lang="ko-KR" altLang="en-US" smtClean="0"/>
-              <a:t>2018-04-05</a:t>
+              <a:t>2018-04-06</a:t>
             </a:fld>
             <a:endParaRPr lang="ko-KR" altLang="en-US"/>
           </a:p>
@@ -1367,7 +2132,7 @@
           <a:p>
             <a:fld id="{CD116CEF-802E-43F7-8932-78519DF2A264}" type="datetime1">
               <a:rPr lang="ko-KR" altLang="en-US" smtClean="0"/>
-              <a:t>2018-04-05</a:t>
+              <a:t>2018-04-06</a:t>
             </a:fld>
             <a:endParaRPr lang="ko-KR" altLang="en-US"/>
           </a:p>
@@ -1547,7 +2312,7 @@
           <a:p>
             <a:fld id="{EFD9D7C3-1982-427D-BFA7-1AF9687AAB0F}" type="datetime1">
               <a:rPr lang="ko-KR" altLang="en-US" smtClean="0"/>
-              <a:t>2018-04-05</a:t>
+              <a:t>2018-04-06</a:t>
             </a:fld>
             <a:endParaRPr lang="ko-KR" altLang="en-US"/>
           </a:p>
@@ -1717,7 +2482,7 @@
           <a:p>
             <a:fld id="{EDD93E7F-B437-40E5-8ACB-B79696783EFA}" type="datetime1">
               <a:rPr lang="ko-KR" altLang="en-US" smtClean="0"/>
-              <a:t>2018-04-05</a:t>
+              <a:t>2018-04-06</a:t>
             </a:fld>
             <a:endParaRPr lang="ko-KR" altLang="en-US"/>
           </a:p>
@@ -1961,7 +2726,7 @@
           <a:p>
             <a:fld id="{DB249950-0BD4-4F6E-BE3F-CB53B7E2FD06}" type="datetime1">
               <a:rPr lang="ko-KR" altLang="en-US" smtClean="0"/>
-              <a:t>2018-04-05</a:t>
+              <a:t>2018-04-06</a:t>
             </a:fld>
             <a:endParaRPr lang="ko-KR" altLang="en-US"/>
           </a:p>
@@ -2193,7 +2958,7 @@
           <a:p>
             <a:fld id="{7B016D7E-32C0-4DB3-B6B3-0506A62840FB}" type="datetime1">
               <a:rPr lang="ko-KR" altLang="en-US" smtClean="0"/>
-              <a:t>2018-04-05</a:t>
+              <a:t>2018-04-06</a:t>
             </a:fld>
             <a:endParaRPr lang="ko-KR" altLang="en-US"/>
           </a:p>
@@ -2560,7 +3325,7 @@
           <a:p>
             <a:fld id="{B246672D-B3FD-4B2E-92C0-4A80DA670927}" type="datetime1">
               <a:rPr lang="ko-KR" altLang="en-US" smtClean="0"/>
-              <a:t>2018-04-05</a:t>
+              <a:t>2018-04-06</a:t>
             </a:fld>
             <a:endParaRPr lang="ko-KR" altLang="en-US"/>
           </a:p>
@@ -2678,7 +3443,7 @@
           <a:p>
             <a:fld id="{9B9B7D2E-B202-4D7A-9519-0C490A04EB9C}" type="datetime1">
               <a:rPr lang="ko-KR" altLang="en-US" smtClean="0"/>
-              <a:t>2018-04-05</a:t>
+              <a:t>2018-04-06</a:t>
             </a:fld>
             <a:endParaRPr lang="ko-KR" altLang="en-US"/>
           </a:p>
@@ -2773,7 +3538,7 @@
           <a:p>
             <a:fld id="{12FB9327-987E-47D6-AE2D-63CED8A79494}" type="datetime1">
               <a:rPr lang="ko-KR" altLang="en-US" smtClean="0"/>
-              <a:t>2018-04-05</a:t>
+              <a:t>2018-04-06</a:t>
             </a:fld>
             <a:endParaRPr lang="ko-KR" altLang="en-US"/>
           </a:p>
@@ -3050,7 +3815,7 @@
           <a:p>
             <a:fld id="{D8D87011-7294-4632-A156-4F695AB9E41C}" type="datetime1">
               <a:rPr lang="ko-KR" altLang="en-US" smtClean="0"/>
-              <a:t>2018-04-05</a:t>
+              <a:t>2018-04-06</a:t>
             </a:fld>
             <a:endParaRPr lang="ko-KR" altLang="en-US"/>
           </a:p>
@@ -3307,7 +4072,7 @@
           <a:p>
             <a:fld id="{1BDC7FDB-72DE-4D65-AF4F-510496DAF70F}" type="datetime1">
               <a:rPr lang="ko-KR" altLang="en-US" smtClean="0"/>
-              <a:t>2018-04-05</a:t>
+              <a:t>2018-04-06</a:t>
             </a:fld>
             <a:endParaRPr lang="ko-KR" altLang="en-US"/>
           </a:p>
@@ -3520,7 +4285,7 @@
           <a:p>
             <a:fld id="{9A286DBF-DB43-470A-A903-26374CB6EF47}" type="datetime1">
               <a:rPr lang="ko-KR" altLang="en-US" smtClean="0"/>
-              <a:t>2018-04-05</a:t>
+              <a:t>2018-04-06</a:t>
             </a:fld>
             <a:endParaRPr lang="ko-KR" altLang="en-US"/>
           </a:p>
@@ -4119,7 +4884,7 @@
           <a:p>
             <a:fld id="{32C03489-23FC-4021-B9AB-958EFB3C0FE7}" type="datetime1">
               <a:rPr lang="ko-KR" altLang="en-US" smtClean="0"/>
-              <a:t>2018-04-05</a:t>
+              <a:t>2018-04-06</a:t>
             </a:fld>
             <a:endParaRPr lang="ko-KR" altLang="en-US"/>
           </a:p>
@@ -4152,6 +4917,1425 @@
     <p:extLst>
       <p:ext uri="{BB962C8B-B14F-4D97-AF65-F5344CB8AC3E}">
         <p14:creationId xmlns:p14="http://schemas.microsoft.com/office/powerpoint/2010/main" val="22502826"/>
+      </p:ext>
+    </p:extLst>
+  </p:cSld>
+  <p:clrMapOvr>
+    <a:masterClrMapping/>
+  </p:clrMapOvr>
+  <p:timing>
+    <p:tnLst>
+      <p:par>
+        <p:cTn id="1" dur="indefinite" restart="never" nodeType="tmRoot"/>
+      </p:par>
+    </p:tnLst>
+  </p:timing>
+</p:sld>
+</file>
+
+<file path=ppt/slides/slide10.xml><?xml version="1.0" encoding="utf-8"?>
+<p:sld xmlns:a="http://schemas.openxmlformats.org/drawingml/2006/main" xmlns:r="http://schemas.openxmlformats.org/officeDocument/2006/relationships" xmlns:p="http://schemas.openxmlformats.org/presentationml/2006/main">
+  <p:cSld>
+    <p:spTree>
+      <p:nvGrpSpPr>
+        <p:cNvPr id="1" name=""/>
+        <p:cNvGrpSpPr/>
+        <p:nvPr/>
+      </p:nvGrpSpPr>
+      <p:grpSpPr>
+        <a:xfrm>
+          <a:off x="0" y="0"/>
+          <a:ext cx="0" cy="0"/>
+          <a:chOff x="0" y="0"/>
+          <a:chExt cx="0" cy="0"/>
+        </a:xfrm>
+      </p:grpSpPr>
+      <p:sp>
+        <p:nvSpPr>
+          <p:cNvPr id="6199" name="Rectangle 55"/>
+          <p:cNvSpPr>
+            <a:spLocks noChangeArrowheads="1"/>
+          </p:cNvSpPr>
+          <p:nvPr/>
+        </p:nvSpPr>
+        <p:spPr bwMode="auto">
+          <a:xfrm>
+            <a:off x="0" y="0"/>
+            <a:ext cx="9144000" cy="692150"/>
+          </a:xfrm>
+          <a:prstGeom prst="rect">
+            <a:avLst/>
+          </a:prstGeom>
+          <a:solidFill>
+            <a:srgbClr val="3333FF"/>
+          </a:solidFill>
+          <a:ln>
+            <a:noFill/>
+          </a:ln>
+          <a:effectLst/>
+          <a:extLst>
+            <a:ext uri="{91240B29-F687-4F45-9708-019B960494DF}">
+              <a14:hiddenLine xmlns:a14="http://schemas.microsoft.com/office/drawing/2010/main" w="9525">
+                <a:solidFill>
+                  <a:schemeClr val="tx1"/>
+                </a:solidFill>
+                <a:miter lim="800000"/>
+                <a:headEnd/>
+                <a:tailEnd/>
+              </a14:hiddenLine>
+            </a:ext>
+            <a:ext uri="{AF507438-7753-43E0-B8FC-AC1667EBCBE1}">
+              <a14:hiddenEffects xmlns:a14="http://schemas.microsoft.com/office/drawing/2010/main">
+                <a:effectLst>
+                  <a:outerShdw dist="35921" dir="2700000" algn="ctr" rotWithShape="0">
+                    <a:schemeClr val="bg2"/>
+                  </a:outerShdw>
+                </a:effectLst>
+              </a14:hiddenEffects>
+            </a:ext>
+          </a:extLst>
+        </p:spPr>
+        <p:txBody>
+          <a:bodyPr wrap="none" anchor="ctr"/>
+          <a:lstStyle/>
+          <a:p>
+            <a:pPr algn="ctr"/>
+            <a:r>
+              <a:rPr lang="en-US" altLang="ko-KR" sz="2800" dirty="0" smtClean="0">
+                <a:solidFill>
+                  <a:schemeClr val="bg1"/>
+                </a:solidFill>
+                <a:latin typeface="Arial" panose="020B0604020202020204" pitchFamily="34" charset="0"/>
+              </a:rPr>
+              <a:t>2.4 Etalons</a:t>
+            </a:r>
+            <a:endParaRPr lang="en-US" altLang="ko-KR" sz="2800" dirty="0" smtClean="0">
+              <a:solidFill>
+                <a:schemeClr val="bg1"/>
+              </a:solidFill>
+              <a:latin typeface="Arial" panose="020B0604020202020204" pitchFamily="34" charset="0"/>
+            </a:endParaRPr>
+          </a:p>
+        </p:txBody>
+      </p:sp>
+      <p:sp>
+        <p:nvSpPr>
+          <p:cNvPr id="2" name="날짜 개체 틀 1"/>
+          <p:cNvSpPr>
+            <a:spLocks noGrp="1"/>
+          </p:cNvSpPr>
+          <p:nvPr>
+            <p:ph type="dt" sz="half" idx="10"/>
+          </p:nvPr>
+        </p:nvSpPr>
+        <p:spPr/>
+        <p:txBody>
+          <a:bodyPr/>
+          <a:lstStyle/>
+          <a:p>
+            <a:fld id="{53646E5C-8775-44A9-9523-40B6CCA06789}" type="datetime1">
+              <a:rPr lang="ko-KR" altLang="en-US" smtClean="0"/>
+              <a:t>2018-04-06</a:t>
+            </a:fld>
+            <a:endParaRPr lang="ko-KR" altLang="en-US"/>
+          </a:p>
+        </p:txBody>
+      </p:sp>
+      <p:sp>
+        <p:nvSpPr>
+          <p:cNvPr id="15" name="슬라이드 번호 개체 틀 14"/>
+          <p:cNvSpPr>
+            <a:spLocks noGrp="1"/>
+          </p:cNvSpPr>
+          <p:nvPr>
+            <p:ph type="sldNum" sz="quarter" idx="12"/>
+          </p:nvPr>
+        </p:nvSpPr>
+        <p:spPr/>
+        <p:txBody>
+          <a:bodyPr/>
+          <a:lstStyle/>
+          <a:p>
+            <a:fld id="{8765F8EB-1186-4395-8E70-F957669279DD}" type="slidenum">
+              <a:rPr lang="ko-KR" altLang="en-US" smtClean="0"/>
+              <a:t>10</a:t>
+            </a:fld>
+            <a:endParaRPr lang="ko-KR" altLang="en-US"/>
+          </a:p>
+        </p:txBody>
+      </p:sp>
+      <p:sp>
+        <p:nvSpPr>
+          <p:cNvPr id="18" name="TextBox 17"/>
+          <p:cNvSpPr txBox="1"/>
+          <p:nvPr/>
+        </p:nvSpPr>
+        <p:spPr>
+          <a:xfrm>
+            <a:off x="720969" y="914202"/>
+            <a:ext cx="7794381" cy="1015663"/>
+          </a:xfrm>
+          <a:prstGeom prst="rect">
+            <a:avLst/>
+          </a:prstGeom>
+          <a:noFill/>
+        </p:spPr>
+        <p:txBody>
+          <a:bodyPr wrap="square" rtlCol="0">
+            <a:spAutoFit/>
+          </a:bodyPr>
+          <a:lstStyle/>
+          <a:p>
+            <a:r>
+              <a:rPr lang="en-US" altLang="ko-KR" sz="2000" dirty="0" smtClean="0"/>
+              <a:t>The simplest method of checking the frequency scale of a terahertz spectrometer is to record the frequencies of the peaks and troughs in the transmission spectrum of the etalon and to compare them.</a:t>
+            </a:r>
+            <a:endParaRPr lang="en-US" altLang="ko-KR" sz="2000" dirty="0" smtClean="0"/>
+          </a:p>
+        </p:txBody>
+      </p:sp>
+      <p:pic>
+        <p:nvPicPr>
+          <p:cNvPr id="3" name="그림 2"/>
+          <p:cNvPicPr>
+            <a:picLocks noChangeAspect="1"/>
+          </p:cNvPicPr>
+          <p:nvPr/>
+        </p:nvPicPr>
+        <p:blipFill>
+          <a:blip r:embed="rId3"/>
+          <a:stretch>
+            <a:fillRect/>
+          </a:stretch>
+        </p:blipFill>
+        <p:spPr>
+          <a:xfrm>
+            <a:off x="2613107" y="2255180"/>
+            <a:ext cx="3917786" cy="2967450"/>
+          </a:xfrm>
+          <a:prstGeom prst="rect">
+            <a:avLst/>
+          </a:prstGeom>
+        </p:spPr>
+      </p:pic>
+    </p:spTree>
+    <p:extLst>
+      <p:ext uri="{BB962C8B-B14F-4D97-AF65-F5344CB8AC3E}">
+        <p14:creationId xmlns:p14="http://schemas.microsoft.com/office/powerpoint/2010/main" val="29740135"/>
+      </p:ext>
+    </p:extLst>
+  </p:cSld>
+  <p:clrMapOvr>
+    <a:masterClrMapping/>
+  </p:clrMapOvr>
+  <p:timing>
+    <p:tnLst>
+      <p:par>
+        <p:cTn id="1" dur="indefinite" restart="never" nodeType="tmRoot"/>
+      </p:par>
+    </p:tnLst>
+  </p:timing>
+</p:sld>
+</file>
+
+<file path=ppt/slides/slide11.xml><?xml version="1.0" encoding="utf-8"?>
+<p:sld xmlns:a="http://schemas.openxmlformats.org/drawingml/2006/main" xmlns:r="http://schemas.openxmlformats.org/officeDocument/2006/relationships" xmlns:p="http://schemas.openxmlformats.org/presentationml/2006/main">
+  <p:cSld>
+    <p:spTree>
+      <p:nvGrpSpPr>
+        <p:cNvPr id="1" name=""/>
+        <p:cNvGrpSpPr/>
+        <p:nvPr/>
+      </p:nvGrpSpPr>
+      <p:grpSpPr>
+        <a:xfrm>
+          <a:off x="0" y="0"/>
+          <a:ext cx="0" cy="0"/>
+          <a:chOff x="0" y="0"/>
+          <a:chExt cx="0" cy="0"/>
+        </a:xfrm>
+      </p:grpSpPr>
+      <p:sp>
+        <p:nvSpPr>
+          <p:cNvPr id="6199" name="Rectangle 55"/>
+          <p:cNvSpPr>
+            <a:spLocks noChangeArrowheads="1"/>
+          </p:cNvSpPr>
+          <p:nvPr/>
+        </p:nvSpPr>
+        <p:spPr bwMode="auto">
+          <a:xfrm>
+            <a:off x="0" y="0"/>
+            <a:ext cx="9144000" cy="692150"/>
+          </a:xfrm>
+          <a:prstGeom prst="rect">
+            <a:avLst/>
+          </a:prstGeom>
+          <a:solidFill>
+            <a:srgbClr val="3333FF"/>
+          </a:solidFill>
+          <a:ln>
+            <a:noFill/>
+          </a:ln>
+          <a:effectLst/>
+          <a:extLst>
+            <a:ext uri="{91240B29-F687-4F45-9708-019B960494DF}">
+              <a14:hiddenLine xmlns:a14="http://schemas.microsoft.com/office/drawing/2010/main" w="9525">
+                <a:solidFill>
+                  <a:schemeClr val="tx1"/>
+                </a:solidFill>
+                <a:miter lim="800000"/>
+                <a:headEnd/>
+                <a:tailEnd/>
+              </a14:hiddenLine>
+            </a:ext>
+            <a:ext uri="{AF507438-7753-43E0-B8FC-AC1667EBCBE1}">
+              <a14:hiddenEffects xmlns:a14="http://schemas.microsoft.com/office/drawing/2010/main">
+                <a:effectLst>
+                  <a:outerShdw dist="35921" dir="2700000" algn="ctr" rotWithShape="0">
+                    <a:schemeClr val="bg2"/>
+                  </a:outerShdw>
+                </a:effectLst>
+              </a14:hiddenEffects>
+            </a:ext>
+          </a:extLst>
+        </p:spPr>
+        <p:txBody>
+          <a:bodyPr wrap="none" anchor="ctr"/>
+          <a:lstStyle/>
+          <a:p>
+            <a:pPr algn="ctr"/>
+            <a:r>
+              <a:rPr lang="en-US" altLang="ko-KR" sz="2800" dirty="0" smtClean="0">
+                <a:solidFill>
+                  <a:schemeClr val="bg1"/>
+                </a:solidFill>
+                <a:latin typeface="Arial" panose="020B0604020202020204" pitchFamily="34" charset="0"/>
+              </a:rPr>
+              <a:t>2.5 Summary of Frequency Calibration Standards</a:t>
+            </a:r>
+            <a:endParaRPr lang="en-US" altLang="ko-KR" sz="2800" dirty="0" smtClean="0">
+              <a:solidFill>
+                <a:schemeClr val="bg1"/>
+              </a:solidFill>
+              <a:latin typeface="Arial" panose="020B0604020202020204" pitchFamily="34" charset="0"/>
+            </a:endParaRPr>
+          </a:p>
+        </p:txBody>
+      </p:sp>
+      <p:sp>
+        <p:nvSpPr>
+          <p:cNvPr id="2" name="날짜 개체 틀 1"/>
+          <p:cNvSpPr>
+            <a:spLocks noGrp="1"/>
+          </p:cNvSpPr>
+          <p:nvPr>
+            <p:ph type="dt" sz="half" idx="10"/>
+          </p:nvPr>
+        </p:nvSpPr>
+        <p:spPr/>
+        <p:txBody>
+          <a:bodyPr/>
+          <a:lstStyle/>
+          <a:p>
+            <a:fld id="{53646E5C-8775-44A9-9523-40B6CCA06789}" type="datetime1">
+              <a:rPr lang="ko-KR" altLang="en-US" smtClean="0"/>
+              <a:t>2018-04-06</a:t>
+            </a:fld>
+            <a:endParaRPr lang="ko-KR" altLang="en-US"/>
+          </a:p>
+        </p:txBody>
+      </p:sp>
+      <p:sp>
+        <p:nvSpPr>
+          <p:cNvPr id="15" name="슬라이드 번호 개체 틀 14"/>
+          <p:cNvSpPr>
+            <a:spLocks noGrp="1"/>
+          </p:cNvSpPr>
+          <p:nvPr>
+            <p:ph type="sldNum" sz="quarter" idx="12"/>
+          </p:nvPr>
+        </p:nvSpPr>
+        <p:spPr/>
+        <p:txBody>
+          <a:bodyPr/>
+          <a:lstStyle/>
+          <a:p>
+            <a:fld id="{8765F8EB-1186-4395-8E70-F957669279DD}" type="slidenum">
+              <a:rPr lang="ko-KR" altLang="en-US" smtClean="0"/>
+              <a:t>11</a:t>
+            </a:fld>
+            <a:endParaRPr lang="ko-KR" altLang="en-US"/>
+          </a:p>
+        </p:txBody>
+      </p:sp>
+      <p:pic>
+        <p:nvPicPr>
+          <p:cNvPr id="3" name="그림 2"/>
+          <p:cNvPicPr>
+            <a:picLocks noChangeAspect="1"/>
+          </p:cNvPicPr>
+          <p:nvPr/>
+        </p:nvPicPr>
+        <p:blipFill>
+          <a:blip r:embed="rId3"/>
+          <a:stretch>
+            <a:fillRect/>
+          </a:stretch>
+        </p:blipFill>
+        <p:spPr>
+          <a:xfrm rot="5400000">
+            <a:off x="3485418" y="-518177"/>
+            <a:ext cx="2173165" cy="7894354"/>
+          </a:xfrm>
+          <a:prstGeom prst="rect">
+            <a:avLst/>
+          </a:prstGeom>
+        </p:spPr>
+      </p:pic>
+    </p:spTree>
+    <p:extLst>
+      <p:ext uri="{BB962C8B-B14F-4D97-AF65-F5344CB8AC3E}">
+        <p14:creationId xmlns:p14="http://schemas.microsoft.com/office/powerpoint/2010/main" val="624669911"/>
+      </p:ext>
+    </p:extLst>
+  </p:cSld>
+  <p:clrMapOvr>
+    <a:masterClrMapping/>
+  </p:clrMapOvr>
+  <p:timing>
+    <p:tnLst>
+      <p:par>
+        <p:cTn id="1" dur="indefinite" restart="never" nodeType="tmRoot"/>
+      </p:par>
+    </p:tnLst>
+  </p:timing>
+</p:sld>
+</file>
+
+<file path=ppt/slides/slide12.xml><?xml version="1.0" encoding="utf-8"?>
+<p:sld xmlns:a="http://schemas.openxmlformats.org/drawingml/2006/main" xmlns:r="http://schemas.openxmlformats.org/officeDocument/2006/relationships" xmlns:p="http://schemas.openxmlformats.org/presentationml/2006/main">
+  <p:cSld>
+    <p:spTree>
+      <p:nvGrpSpPr>
+        <p:cNvPr id="1" name=""/>
+        <p:cNvGrpSpPr/>
+        <p:nvPr/>
+      </p:nvGrpSpPr>
+      <p:grpSpPr>
+        <a:xfrm>
+          <a:off x="0" y="0"/>
+          <a:ext cx="0" cy="0"/>
+          <a:chOff x="0" y="0"/>
+          <a:chExt cx="0" cy="0"/>
+        </a:xfrm>
+      </p:grpSpPr>
+      <p:sp>
+        <p:nvSpPr>
+          <p:cNvPr id="6199" name="Rectangle 55"/>
+          <p:cNvSpPr>
+            <a:spLocks noChangeArrowheads="1"/>
+          </p:cNvSpPr>
+          <p:nvPr/>
+        </p:nvSpPr>
+        <p:spPr bwMode="auto">
+          <a:xfrm>
+            <a:off x="0" y="0"/>
+            <a:ext cx="9144000" cy="692150"/>
+          </a:xfrm>
+          <a:prstGeom prst="rect">
+            <a:avLst/>
+          </a:prstGeom>
+          <a:solidFill>
+            <a:srgbClr val="3333FF"/>
+          </a:solidFill>
+          <a:ln>
+            <a:noFill/>
+          </a:ln>
+          <a:effectLst/>
+          <a:extLst>
+            <a:ext uri="{91240B29-F687-4F45-9708-019B960494DF}">
+              <a14:hiddenLine xmlns:a14="http://schemas.microsoft.com/office/drawing/2010/main" w="9525">
+                <a:solidFill>
+                  <a:schemeClr val="tx1"/>
+                </a:solidFill>
+                <a:miter lim="800000"/>
+                <a:headEnd/>
+                <a:tailEnd/>
+              </a14:hiddenLine>
+            </a:ext>
+            <a:ext uri="{AF507438-7753-43E0-B8FC-AC1667EBCBE1}">
+              <a14:hiddenEffects xmlns:a14="http://schemas.microsoft.com/office/drawing/2010/main">
+                <a:effectLst>
+                  <a:outerShdw dist="35921" dir="2700000" algn="ctr" rotWithShape="0">
+                    <a:schemeClr val="bg2"/>
+                  </a:outerShdw>
+                </a:effectLst>
+              </a14:hiddenEffects>
+            </a:ext>
+          </a:extLst>
+        </p:spPr>
+        <p:txBody>
+          <a:bodyPr wrap="none" anchor="ctr"/>
+          <a:lstStyle/>
+          <a:p>
+            <a:pPr algn="ctr"/>
+            <a:endParaRPr lang="en-US" altLang="ko-KR" sz="2800" dirty="0">
+              <a:solidFill>
+                <a:schemeClr val="bg1"/>
+              </a:solidFill>
+              <a:latin typeface="Arial" panose="020B0604020202020204" pitchFamily="34" charset="0"/>
+            </a:endParaRPr>
+          </a:p>
+        </p:txBody>
+      </p:sp>
+      <p:sp>
+        <p:nvSpPr>
+          <p:cNvPr id="2" name="직사각형 1"/>
+          <p:cNvSpPr/>
+          <p:nvPr/>
+        </p:nvSpPr>
+        <p:spPr>
+          <a:xfrm>
+            <a:off x="1286256" y="2004529"/>
+            <a:ext cx="6571488" cy="2848942"/>
+          </a:xfrm>
+          <a:prstGeom prst="rect">
+            <a:avLst/>
+          </a:prstGeom>
+          <a:noFill/>
+          <a:ln w="38100">
+            <a:solidFill>
+              <a:srgbClr val="3333FF"/>
+            </a:solidFill>
+          </a:ln>
+        </p:spPr>
+        <p:style>
+          <a:lnRef idx="2">
+            <a:schemeClr val="accent1">
+              <a:shade val="50000"/>
+            </a:schemeClr>
+          </a:lnRef>
+          <a:fillRef idx="1">
+            <a:schemeClr val="accent1"/>
+          </a:fillRef>
+          <a:effectRef idx="0">
+            <a:schemeClr val="accent1"/>
+          </a:effectRef>
+          <a:fontRef idx="minor">
+            <a:schemeClr val="lt1"/>
+          </a:fontRef>
+        </p:style>
+        <p:txBody>
+          <a:bodyPr rtlCol="0" anchor="ctr"/>
+          <a:lstStyle/>
+          <a:p>
+            <a:pPr algn="ctr"/>
+            <a:r>
+              <a:rPr lang="en-US" altLang="ko-KR" sz="3600" dirty="0" smtClean="0">
+                <a:solidFill>
+                  <a:srgbClr val="3333FF"/>
+                </a:solidFill>
+                <a:latin typeface="Arial" panose="020B0604020202020204" pitchFamily="34" charset="0"/>
+              </a:rPr>
+              <a:t>Amplitude Linear Calibration</a:t>
+            </a:r>
+            <a:endParaRPr lang="ko-KR" altLang="en-US" sz="3600" dirty="0"/>
+          </a:p>
+        </p:txBody>
+      </p:sp>
+      <p:sp>
+        <p:nvSpPr>
+          <p:cNvPr id="3" name="날짜 개체 틀 2"/>
+          <p:cNvSpPr>
+            <a:spLocks noGrp="1"/>
+          </p:cNvSpPr>
+          <p:nvPr>
+            <p:ph type="dt" sz="half" idx="10"/>
+          </p:nvPr>
+        </p:nvSpPr>
+        <p:spPr/>
+        <p:txBody>
+          <a:bodyPr/>
+          <a:lstStyle/>
+          <a:p>
+            <a:fld id="{F85A177F-6FD3-496B-8A9C-B332CA04E863}" type="datetime1">
+              <a:rPr lang="ko-KR" altLang="en-US" smtClean="0"/>
+              <a:t>2018-04-06</a:t>
+            </a:fld>
+            <a:endParaRPr lang="ko-KR" altLang="en-US"/>
+          </a:p>
+        </p:txBody>
+      </p:sp>
+      <p:sp>
+        <p:nvSpPr>
+          <p:cNvPr id="4" name="슬라이드 번호 개체 틀 3"/>
+          <p:cNvSpPr>
+            <a:spLocks noGrp="1"/>
+          </p:cNvSpPr>
+          <p:nvPr>
+            <p:ph type="sldNum" sz="quarter" idx="12"/>
+          </p:nvPr>
+        </p:nvSpPr>
+        <p:spPr/>
+        <p:txBody>
+          <a:bodyPr/>
+          <a:lstStyle/>
+          <a:p>
+            <a:fld id="{8765F8EB-1186-4395-8E70-F957669279DD}" type="slidenum">
+              <a:rPr lang="ko-KR" altLang="en-US" smtClean="0"/>
+              <a:t>12</a:t>
+            </a:fld>
+            <a:endParaRPr lang="ko-KR" altLang="en-US"/>
+          </a:p>
+        </p:txBody>
+      </p:sp>
+    </p:spTree>
+    <p:extLst>
+      <p:ext uri="{BB962C8B-B14F-4D97-AF65-F5344CB8AC3E}">
+        <p14:creationId xmlns:p14="http://schemas.microsoft.com/office/powerpoint/2010/main" val="4102993979"/>
+      </p:ext>
+    </p:extLst>
+  </p:cSld>
+  <p:clrMapOvr>
+    <a:masterClrMapping/>
+  </p:clrMapOvr>
+  <p:timing>
+    <p:tnLst>
+      <p:par>
+        <p:cTn id="1" dur="indefinite" restart="never" nodeType="tmRoot"/>
+      </p:par>
+    </p:tnLst>
+  </p:timing>
+</p:sld>
+</file>
+
+<file path=ppt/slides/slide13.xml><?xml version="1.0" encoding="utf-8"?>
+<p:sld xmlns:a="http://schemas.openxmlformats.org/drawingml/2006/main" xmlns:r="http://schemas.openxmlformats.org/officeDocument/2006/relationships" xmlns:p="http://schemas.openxmlformats.org/presentationml/2006/main">
+  <p:cSld>
+    <p:spTree>
+      <p:nvGrpSpPr>
+        <p:cNvPr id="1" name=""/>
+        <p:cNvGrpSpPr/>
+        <p:nvPr/>
+      </p:nvGrpSpPr>
+      <p:grpSpPr>
+        <a:xfrm>
+          <a:off x="0" y="0"/>
+          <a:ext cx="0" cy="0"/>
+          <a:chOff x="0" y="0"/>
+          <a:chExt cx="0" cy="0"/>
+        </a:xfrm>
+      </p:grpSpPr>
+      <p:sp>
+        <p:nvSpPr>
+          <p:cNvPr id="6199" name="Rectangle 55"/>
+          <p:cNvSpPr>
+            <a:spLocks noChangeArrowheads="1"/>
+          </p:cNvSpPr>
+          <p:nvPr/>
+        </p:nvSpPr>
+        <p:spPr bwMode="auto">
+          <a:xfrm>
+            <a:off x="0" y="0"/>
+            <a:ext cx="9144000" cy="692150"/>
+          </a:xfrm>
+          <a:prstGeom prst="rect">
+            <a:avLst/>
+          </a:prstGeom>
+          <a:solidFill>
+            <a:srgbClr val="3333FF"/>
+          </a:solidFill>
+          <a:ln>
+            <a:noFill/>
+          </a:ln>
+          <a:effectLst/>
+          <a:extLst>
+            <a:ext uri="{91240B29-F687-4F45-9708-019B960494DF}">
+              <a14:hiddenLine xmlns:a14="http://schemas.microsoft.com/office/drawing/2010/main" w="9525">
+                <a:solidFill>
+                  <a:schemeClr val="tx1"/>
+                </a:solidFill>
+                <a:miter lim="800000"/>
+                <a:headEnd/>
+                <a:tailEnd/>
+              </a14:hiddenLine>
+            </a:ext>
+            <a:ext uri="{AF507438-7753-43E0-B8FC-AC1667EBCBE1}">
+              <a14:hiddenEffects xmlns:a14="http://schemas.microsoft.com/office/drawing/2010/main">
+                <a:effectLst>
+                  <a:outerShdw dist="35921" dir="2700000" algn="ctr" rotWithShape="0">
+                    <a:schemeClr val="bg2"/>
+                  </a:outerShdw>
+                </a:effectLst>
+              </a14:hiddenEffects>
+            </a:ext>
+          </a:extLst>
+        </p:spPr>
+        <p:txBody>
+          <a:bodyPr wrap="none" anchor="ctr"/>
+          <a:lstStyle/>
+          <a:p>
+            <a:pPr algn="ctr"/>
+            <a:r>
+              <a:rPr lang="en-US" altLang="ko-KR" sz="2800" dirty="0" smtClean="0">
+                <a:solidFill>
+                  <a:schemeClr val="bg1"/>
+                </a:solidFill>
+                <a:latin typeface="Arial" panose="020B0604020202020204" pitchFamily="34" charset="0"/>
+              </a:rPr>
+              <a:t>3. Amplitude Linearity Calibration</a:t>
+            </a:r>
+            <a:endParaRPr lang="en-US" altLang="ko-KR" sz="2800" dirty="0" smtClean="0">
+              <a:solidFill>
+                <a:schemeClr val="bg1"/>
+              </a:solidFill>
+              <a:latin typeface="Arial" panose="020B0604020202020204" pitchFamily="34" charset="0"/>
+            </a:endParaRPr>
+          </a:p>
+        </p:txBody>
+      </p:sp>
+      <p:sp>
+        <p:nvSpPr>
+          <p:cNvPr id="2" name="날짜 개체 틀 1"/>
+          <p:cNvSpPr>
+            <a:spLocks noGrp="1"/>
+          </p:cNvSpPr>
+          <p:nvPr>
+            <p:ph type="dt" sz="half" idx="10"/>
+          </p:nvPr>
+        </p:nvSpPr>
+        <p:spPr/>
+        <p:txBody>
+          <a:bodyPr/>
+          <a:lstStyle/>
+          <a:p>
+            <a:fld id="{53646E5C-8775-44A9-9523-40B6CCA06789}" type="datetime1">
+              <a:rPr lang="ko-KR" altLang="en-US" smtClean="0"/>
+              <a:t>2018-04-06</a:t>
+            </a:fld>
+            <a:endParaRPr lang="ko-KR" altLang="en-US"/>
+          </a:p>
+        </p:txBody>
+      </p:sp>
+      <p:sp>
+        <p:nvSpPr>
+          <p:cNvPr id="15" name="슬라이드 번호 개체 틀 14"/>
+          <p:cNvSpPr>
+            <a:spLocks noGrp="1"/>
+          </p:cNvSpPr>
+          <p:nvPr>
+            <p:ph type="sldNum" sz="quarter" idx="12"/>
+          </p:nvPr>
+        </p:nvSpPr>
+        <p:spPr/>
+        <p:txBody>
+          <a:bodyPr/>
+          <a:lstStyle/>
+          <a:p>
+            <a:fld id="{8765F8EB-1186-4395-8E70-F957669279DD}" type="slidenum">
+              <a:rPr lang="ko-KR" altLang="en-US" smtClean="0"/>
+              <a:t>13</a:t>
+            </a:fld>
+            <a:endParaRPr lang="ko-KR" altLang="en-US"/>
+          </a:p>
+        </p:txBody>
+      </p:sp>
+      <p:sp>
+        <p:nvSpPr>
+          <p:cNvPr id="18" name="TextBox 17"/>
+          <p:cNvSpPr txBox="1"/>
+          <p:nvPr/>
+        </p:nvSpPr>
+        <p:spPr>
+          <a:xfrm>
+            <a:off x="720969" y="914202"/>
+            <a:ext cx="7794381" cy="707886"/>
+          </a:xfrm>
+          <a:prstGeom prst="rect">
+            <a:avLst/>
+          </a:prstGeom>
+          <a:noFill/>
+        </p:spPr>
+        <p:txBody>
+          <a:bodyPr wrap="square" rtlCol="0">
+            <a:spAutoFit/>
+          </a:bodyPr>
+          <a:lstStyle/>
+          <a:p>
+            <a:r>
+              <a:rPr lang="en-US" altLang="ko-KR" sz="2000" dirty="0" smtClean="0"/>
+              <a:t>For the purpose of frequency calibration, a solid material must have strong and narrow absorption lines.</a:t>
+            </a:r>
+            <a:endParaRPr lang="en-US" altLang="ko-KR" sz="2000" dirty="0" smtClean="0"/>
+          </a:p>
+        </p:txBody>
+      </p:sp>
+    </p:spTree>
+    <p:extLst>
+      <p:ext uri="{BB962C8B-B14F-4D97-AF65-F5344CB8AC3E}">
+        <p14:creationId xmlns:p14="http://schemas.microsoft.com/office/powerpoint/2010/main" val="2048375388"/>
+      </p:ext>
+    </p:extLst>
+  </p:cSld>
+  <p:clrMapOvr>
+    <a:masterClrMapping/>
+  </p:clrMapOvr>
+  <p:timing>
+    <p:tnLst>
+      <p:par>
+        <p:cTn id="1" dur="indefinite" restart="never" nodeType="tmRoot"/>
+      </p:par>
+    </p:tnLst>
+  </p:timing>
+</p:sld>
+</file>
+
+<file path=ppt/slides/slide14.xml><?xml version="1.0" encoding="utf-8"?>
+<p:sld xmlns:a="http://schemas.openxmlformats.org/drawingml/2006/main" xmlns:r="http://schemas.openxmlformats.org/officeDocument/2006/relationships" xmlns:p="http://schemas.openxmlformats.org/presentationml/2006/main">
+  <p:cSld>
+    <p:spTree>
+      <p:nvGrpSpPr>
+        <p:cNvPr id="1" name=""/>
+        <p:cNvGrpSpPr/>
+        <p:nvPr/>
+      </p:nvGrpSpPr>
+      <p:grpSpPr>
+        <a:xfrm>
+          <a:off x="0" y="0"/>
+          <a:ext cx="0" cy="0"/>
+          <a:chOff x="0" y="0"/>
+          <a:chExt cx="0" cy="0"/>
+        </a:xfrm>
+      </p:grpSpPr>
+      <p:sp>
+        <p:nvSpPr>
+          <p:cNvPr id="6199" name="Rectangle 55"/>
+          <p:cNvSpPr>
+            <a:spLocks noChangeArrowheads="1"/>
+          </p:cNvSpPr>
+          <p:nvPr/>
+        </p:nvSpPr>
+        <p:spPr bwMode="auto">
+          <a:xfrm>
+            <a:off x="0" y="0"/>
+            <a:ext cx="9144000" cy="692150"/>
+          </a:xfrm>
+          <a:prstGeom prst="rect">
+            <a:avLst/>
+          </a:prstGeom>
+          <a:solidFill>
+            <a:srgbClr val="3333FF"/>
+          </a:solidFill>
+          <a:ln>
+            <a:noFill/>
+          </a:ln>
+          <a:effectLst/>
+          <a:extLst>
+            <a:ext uri="{91240B29-F687-4F45-9708-019B960494DF}">
+              <a14:hiddenLine xmlns:a14="http://schemas.microsoft.com/office/drawing/2010/main" w="9525">
+                <a:solidFill>
+                  <a:schemeClr val="tx1"/>
+                </a:solidFill>
+                <a:miter lim="800000"/>
+                <a:headEnd/>
+                <a:tailEnd/>
+              </a14:hiddenLine>
+            </a:ext>
+            <a:ext uri="{AF507438-7753-43E0-B8FC-AC1667EBCBE1}">
+              <a14:hiddenEffects xmlns:a14="http://schemas.microsoft.com/office/drawing/2010/main">
+                <a:effectLst>
+                  <a:outerShdw dist="35921" dir="2700000" algn="ctr" rotWithShape="0">
+                    <a:schemeClr val="bg2"/>
+                  </a:outerShdw>
+                </a:effectLst>
+              </a14:hiddenEffects>
+            </a:ext>
+          </a:extLst>
+        </p:spPr>
+        <p:txBody>
+          <a:bodyPr wrap="none" anchor="ctr"/>
+          <a:lstStyle/>
+          <a:p>
+            <a:pPr algn="ctr"/>
+            <a:endParaRPr lang="en-US" altLang="ko-KR" sz="2800" dirty="0">
+              <a:solidFill>
+                <a:schemeClr val="bg1"/>
+              </a:solidFill>
+              <a:latin typeface="Arial" panose="020B0604020202020204" pitchFamily="34" charset="0"/>
+            </a:endParaRPr>
+          </a:p>
+        </p:txBody>
+      </p:sp>
+      <p:sp>
+        <p:nvSpPr>
+          <p:cNvPr id="2" name="직사각형 1"/>
+          <p:cNvSpPr/>
+          <p:nvPr/>
+        </p:nvSpPr>
+        <p:spPr>
+          <a:xfrm>
+            <a:off x="1286256" y="2004529"/>
+            <a:ext cx="6571488" cy="2848942"/>
+          </a:xfrm>
+          <a:prstGeom prst="rect">
+            <a:avLst/>
+          </a:prstGeom>
+          <a:noFill/>
+          <a:ln w="38100">
+            <a:solidFill>
+              <a:srgbClr val="3333FF"/>
+            </a:solidFill>
+          </a:ln>
+        </p:spPr>
+        <p:style>
+          <a:lnRef idx="2">
+            <a:schemeClr val="accent1">
+              <a:shade val="50000"/>
+            </a:schemeClr>
+          </a:lnRef>
+          <a:fillRef idx="1">
+            <a:schemeClr val="accent1"/>
+          </a:fillRef>
+          <a:effectRef idx="0">
+            <a:schemeClr val="accent1"/>
+          </a:effectRef>
+          <a:fontRef idx="minor">
+            <a:schemeClr val="lt1"/>
+          </a:fontRef>
+        </p:style>
+        <p:txBody>
+          <a:bodyPr rtlCol="0" anchor="ctr"/>
+          <a:lstStyle/>
+          <a:p>
+            <a:pPr algn="ctr"/>
+            <a:r>
+              <a:rPr lang="en-US" altLang="ko-KR" sz="3600" dirty="0" smtClean="0">
+                <a:solidFill>
+                  <a:srgbClr val="3333FF"/>
+                </a:solidFill>
+                <a:latin typeface="Arial" panose="020B0604020202020204" pitchFamily="34" charset="0"/>
+              </a:rPr>
+              <a:t>Reflection Standards</a:t>
+            </a:r>
+            <a:endParaRPr lang="ko-KR" altLang="en-US" sz="3600" dirty="0"/>
+          </a:p>
+        </p:txBody>
+      </p:sp>
+      <p:sp>
+        <p:nvSpPr>
+          <p:cNvPr id="3" name="날짜 개체 틀 2"/>
+          <p:cNvSpPr>
+            <a:spLocks noGrp="1"/>
+          </p:cNvSpPr>
+          <p:nvPr>
+            <p:ph type="dt" sz="half" idx="10"/>
+          </p:nvPr>
+        </p:nvSpPr>
+        <p:spPr/>
+        <p:txBody>
+          <a:bodyPr/>
+          <a:lstStyle/>
+          <a:p>
+            <a:fld id="{F85A177F-6FD3-496B-8A9C-B332CA04E863}" type="datetime1">
+              <a:rPr lang="ko-KR" altLang="en-US" smtClean="0"/>
+              <a:t>2018-04-06</a:t>
+            </a:fld>
+            <a:endParaRPr lang="ko-KR" altLang="en-US"/>
+          </a:p>
+        </p:txBody>
+      </p:sp>
+      <p:sp>
+        <p:nvSpPr>
+          <p:cNvPr id="4" name="슬라이드 번호 개체 틀 3"/>
+          <p:cNvSpPr>
+            <a:spLocks noGrp="1"/>
+          </p:cNvSpPr>
+          <p:nvPr>
+            <p:ph type="sldNum" sz="quarter" idx="12"/>
+          </p:nvPr>
+        </p:nvSpPr>
+        <p:spPr/>
+        <p:txBody>
+          <a:bodyPr/>
+          <a:lstStyle/>
+          <a:p>
+            <a:fld id="{8765F8EB-1186-4395-8E70-F957669279DD}" type="slidenum">
+              <a:rPr lang="ko-KR" altLang="en-US" smtClean="0"/>
+              <a:t>14</a:t>
+            </a:fld>
+            <a:endParaRPr lang="ko-KR" altLang="en-US"/>
+          </a:p>
+        </p:txBody>
+      </p:sp>
+    </p:spTree>
+    <p:extLst>
+      <p:ext uri="{BB962C8B-B14F-4D97-AF65-F5344CB8AC3E}">
+        <p14:creationId xmlns:p14="http://schemas.microsoft.com/office/powerpoint/2010/main" val="1308665809"/>
+      </p:ext>
+    </p:extLst>
+  </p:cSld>
+  <p:clrMapOvr>
+    <a:masterClrMapping/>
+  </p:clrMapOvr>
+  <p:timing>
+    <p:tnLst>
+      <p:par>
+        <p:cTn id="1" dur="indefinite" restart="never" nodeType="tmRoot"/>
+      </p:par>
+    </p:tnLst>
+  </p:timing>
+</p:sld>
+</file>
+
+<file path=ppt/slides/slide15.xml><?xml version="1.0" encoding="utf-8"?>
+<p:sld xmlns:a="http://schemas.openxmlformats.org/drawingml/2006/main" xmlns:r="http://schemas.openxmlformats.org/officeDocument/2006/relationships" xmlns:p="http://schemas.openxmlformats.org/presentationml/2006/main">
+  <p:cSld>
+    <p:spTree>
+      <p:nvGrpSpPr>
+        <p:cNvPr id="1" name=""/>
+        <p:cNvGrpSpPr/>
+        <p:nvPr/>
+      </p:nvGrpSpPr>
+      <p:grpSpPr>
+        <a:xfrm>
+          <a:off x="0" y="0"/>
+          <a:ext cx="0" cy="0"/>
+          <a:chOff x="0" y="0"/>
+          <a:chExt cx="0" cy="0"/>
+        </a:xfrm>
+      </p:grpSpPr>
+      <p:sp>
+        <p:nvSpPr>
+          <p:cNvPr id="6199" name="Rectangle 55"/>
+          <p:cNvSpPr>
+            <a:spLocks noChangeArrowheads="1"/>
+          </p:cNvSpPr>
+          <p:nvPr/>
+        </p:nvSpPr>
+        <p:spPr bwMode="auto">
+          <a:xfrm>
+            <a:off x="0" y="0"/>
+            <a:ext cx="9144000" cy="692150"/>
+          </a:xfrm>
+          <a:prstGeom prst="rect">
+            <a:avLst/>
+          </a:prstGeom>
+          <a:solidFill>
+            <a:srgbClr val="3333FF"/>
+          </a:solidFill>
+          <a:ln>
+            <a:noFill/>
+          </a:ln>
+          <a:effectLst/>
+          <a:extLst>
+            <a:ext uri="{91240B29-F687-4F45-9708-019B960494DF}">
+              <a14:hiddenLine xmlns:a14="http://schemas.microsoft.com/office/drawing/2010/main" w="9525">
+                <a:solidFill>
+                  <a:schemeClr val="tx1"/>
+                </a:solidFill>
+                <a:miter lim="800000"/>
+                <a:headEnd/>
+                <a:tailEnd/>
+              </a14:hiddenLine>
+            </a:ext>
+            <a:ext uri="{AF507438-7753-43E0-B8FC-AC1667EBCBE1}">
+              <a14:hiddenEffects xmlns:a14="http://schemas.microsoft.com/office/drawing/2010/main">
+                <a:effectLst>
+                  <a:outerShdw dist="35921" dir="2700000" algn="ctr" rotWithShape="0">
+                    <a:schemeClr val="bg2"/>
+                  </a:outerShdw>
+                </a:effectLst>
+              </a14:hiddenEffects>
+            </a:ext>
+          </a:extLst>
+        </p:spPr>
+        <p:txBody>
+          <a:bodyPr wrap="none" anchor="ctr"/>
+          <a:lstStyle/>
+          <a:p>
+            <a:pPr algn="ctr"/>
+            <a:r>
+              <a:rPr lang="en-US" altLang="ko-KR" sz="2800" dirty="0">
+                <a:solidFill>
+                  <a:schemeClr val="bg1"/>
+                </a:solidFill>
+                <a:latin typeface="Arial" panose="020B0604020202020204" pitchFamily="34" charset="0"/>
+              </a:rPr>
+              <a:t>4</a:t>
+            </a:r>
+            <a:r>
+              <a:rPr lang="en-US" altLang="ko-KR" sz="2800" dirty="0" smtClean="0">
+                <a:solidFill>
+                  <a:schemeClr val="bg1"/>
+                </a:solidFill>
+                <a:latin typeface="Arial" panose="020B0604020202020204" pitchFamily="34" charset="0"/>
+              </a:rPr>
+              <a:t>. Reflection Standards</a:t>
+            </a:r>
+            <a:endParaRPr lang="en-US" altLang="ko-KR" sz="2800" dirty="0" smtClean="0">
+              <a:solidFill>
+                <a:schemeClr val="bg1"/>
+              </a:solidFill>
+              <a:latin typeface="Arial" panose="020B0604020202020204" pitchFamily="34" charset="0"/>
+            </a:endParaRPr>
+          </a:p>
+        </p:txBody>
+      </p:sp>
+      <p:sp>
+        <p:nvSpPr>
+          <p:cNvPr id="2" name="날짜 개체 틀 1"/>
+          <p:cNvSpPr>
+            <a:spLocks noGrp="1"/>
+          </p:cNvSpPr>
+          <p:nvPr>
+            <p:ph type="dt" sz="half" idx="10"/>
+          </p:nvPr>
+        </p:nvSpPr>
+        <p:spPr/>
+        <p:txBody>
+          <a:bodyPr/>
+          <a:lstStyle/>
+          <a:p>
+            <a:fld id="{53646E5C-8775-44A9-9523-40B6CCA06789}" type="datetime1">
+              <a:rPr lang="ko-KR" altLang="en-US" smtClean="0"/>
+              <a:t>2018-04-06</a:t>
+            </a:fld>
+            <a:endParaRPr lang="ko-KR" altLang="en-US"/>
+          </a:p>
+        </p:txBody>
+      </p:sp>
+      <p:sp>
+        <p:nvSpPr>
+          <p:cNvPr id="15" name="슬라이드 번호 개체 틀 14"/>
+          <p:cNvSpPr>
+            <a:spLocks noGrp="1"/>
+          </p:cNvSpPr>
+          <p:nvPr>
+            <p:ph type="sldNum" sz="quarter" idx="12"/>
+          </p:nvPr>
+        </p:nvSpPr>
+        <p:spPr/>
+        <p:txBody>
+          <a:bodyPr/>
+          <a:lstStyle/>
+          <a:p>
+            <a:fld id="{8765F8EB-1186-4395-8E70-F957669279DD}" type="slidenum">
+              <a:rPr lang="ko-KR" altLang="en-US" smtClean="0"/>
+              <a:t>15</a:t>
+            </a:fld>
+            <a:endParaRPr lang="ko-KR" altLang="en-US"/>
+          </a:p>
+        </p:txBody>
+      </p:sp>
+      <p:sp>
+        <p:nvSpPr>
+          <p:cNvPr id="18" name="TextBox 17"/>
+          <p:cNvSpPr txBox="1"/>
+          <p:nvPr/>
+        </p:nvSpPr>
+        <p:spPr>
+          <a:xfrm>
+            <a:off x="720969" y="914202"/>
+            <a:ext cx="7794381" cy="707886"/>
+          </a:xfrm>
+          <a:prstGeom prst="rect">
+            <a:avLst/>
+          </a:prstGeom>
+          <a:noFill/>
+        </p:spPr>
+        <p:txBody>
+          <a:bodyPr wrap="square" rtlCol="0">
+            <a:spAutoFit/>
+          </a:bodyPr>
+          <a:lstStyle/>
+          <a:p>
+            <a:r>
+              <a:rPr lang="en-US" altLang="ko-KR" sz="2000" dirty="0" smtClean="0"/>
+              <a:t>For the purpose of frequency calibration, a solid material must have strong and narrow absorption lines.</a:t>
+            </a:r>
+            <a:endParaRPr lang="en-US" altLang="ko-KR" sz="2000" dirty="0" smtClean="0"/>
+          </a:p>
+        </p:txBody>
+      </p:sp>
+    </p:spTree>
+    <p:extLst>
+      <p:ext uri="{BB962C8B-B14F-4D97-AF65-F5344CB8AC3E}">
+        <p14:creationId xmlns:p14="http://schemas.microsoft.com/office/powerpoint/2010/main" val="2056348740"/>
+      </p:ext>
+    </p:extLst>
+  </p:cSld>
+  <p:clrMapOvr>
+    <a:masterClrMapping/>
+  </p:clrMapOvr>
+  <p:timing>
+    <p:tnLst>
+      <p:par>
+        <p:cTn id="1" dur="indefinite" restart="never" nodeType="tmRoot"/>
+      </p:par>
+    </p:tnLst>
+  </p:timing>
+</p:sld>
+</file>
+
+<file path=ppt/slides/slide16.xml><?xml version="1.0" encoding="utf-8"?>
+<p:sld xmlns:a="http://schemas.openxmlformats.org/drawingml/2006/main" xmlns:r="http://schemas.openxmlformats.org/officeDocument/2006/relationships" xmlns:p="http://schemas.openxmlformats.org/presentationml/2006/main">
+  <p:cSld>
+    <p:spTree>
+      <p:nvGrpSpPr>
+        <p:cNvPr id="1" name=""/>
+        <p:cNvGrpSpPr/>
+        <p:nvPr/>
+      </p:nvGrpSpPr>
+      <p:grpSpPr>
+        <a:xfrm>
+          <a:off x="0" y="0"/>
+          <a:ext cx="0" cy="0"/>
+          <a:chOff x="0" y="0"/>
+          <a:chExt cx="0" cy="0"/>
+        </a:xfrm>
+      </p:grpSpPr>
+      <p:sp>
+        <p:nvSpPr>
+          <p:cNvPr id="6199" name="Rectangle 55"/>
+          <p:cNvSpPr>
+            <a:spLocks noChangeArrowheads="1"/>
+          </p:cNvSpPr>
+          <p:nvPr/>
+        </p:nvSpPr>
+        <p:spPr bwMode="auto">
+          <a:xfrm>
+            <a:off x="0" y="0"/>
+            <a:ext cx="9144000" cy="692150"/>
+          </a:xfrm>
+          <a:prstGeom prst="rect">
+            <a:avLst/>
+          </a:prstGeom>
+          <a:solidFill>
+            <a:srgbClr val="3333FF"/>
+          </a:solidFill>
+          <a:ln>
+            <a:noFill/>
+          </a:ln>
+          <a:effectLst/>
+          <a:extLst>
+            <a:ext uri="{91240B29-F687-4F45-9708-019B960494DF}">
+              <a14:hiddenLine xmlns:a14="http://schemas.microsoft.com/office/drawing/2010/main" w="9525">
+                <a:solidFill>
+                  <a:schemeClr val="tx1"/>
+                </a:solidFill>
+                <a:miter lim="800000"/>
+                <a:headEnd/>
+                <a:tailEnd/>
+              </a14:hiddenLine>
+            </a:ext>
+            <a:ext uri="{AF507438-7753-43E0-B8FC-AC1667EBCBE1}">
+              <a14:hiddenEffects xmlns:a14="http://schemas.microsoft.com/office/drawing/2010/main">
+                <a:effectLst>
+                  <a:outerShdw dist="35921" dir="2700000" algn="ctr" rotWithShape="0">
+                    <a:schemeClr val="bg2"/>
+                  </a:outerShdw>
+                </a:effectLst>
+              </a14:hiddenEffects>
+            </a:ext>
+          </a:extLst>
+        </p:spPr>
+        <p:txBody>
+          <a:bodyPr wrap="none" anchor="ctr"/>
+          <a:lstStyle/>
+          <a:p>
+            <a:pPr algn="ctr"/>
+            <a:r>
+              <a:rPr lang="en-US" altLang="ko-KR" sz="2800" dirty="0" smtClean="0">
+                <a:solidFill>
+                  <a:schemeClr val="bg1"/>
+                </a:solidFill>
+                <a:latin typeface="Arial" panose="020B0604020202020204" pitchFamily="34" charset="0"/>
+              </a:rPr>
+              <a:t>References</a:t>
+            </a:r>
+            <a:endParaRPr lang="en-US" altLang="ko-KR" sz="2800" dirty="0">
+              <a:solidFill>
+                <a:schemeClr val="bg1"/>
+              </a:solidFill>
+              <a:latin typeface="Arial" panose="020B0604020202020204" pitchFamily="34" charset="0"/>
+            </a:endParaRPr>
+          </a:p>
+        </p:txBody>
+      </p:sp>
+      <p:sp>
+        <p:nvSpPr>
+          <p:cNvPr id="2" name="TextBox 1"/>
+          <p:cNvSpPr txBox="1"/>
+          <p:nvPr/>
+        </p:nvSpPr>
+        <p:spPr>
+          <a:xfrm>
+            <a:off x="268165" y="1362807"/>
+            <a:ext cx="8607669" cy="1477328"/>
+          </a:xfrm>
+          <a:prstGeom prst="rect">
+            <a:avLst/>
+          </a:prstGeom>
+          <a:noFill/>
+        </p:spPr>
+        <p:txBody>
+          <a:bodyPr wrap="square" rtlCol="0">
+            <a:spAutoFit/>
+          </a:bodyPr>
+          <a:lstStyle/>
+          <a:p>
+            <a:pPr marL="285750" indent="-285750">
+              <a:buFont typeface="Arial" panose="020B0604020202020204" pitchFamily="34" charset="0"/>
+              <a:buChar char="•"/>
+            </a:pPr>
+            <a:r>
+              <a:rPr lang="en-US" altLang="ko-KR" dirty="0" err="1" smtClean="0">
+                <a:latin typeface="Times New Roman" panose="02020603050405020304" pitchFamily="18" charset="0"/>
+                <a:cs typeface="Times New Roman" panose="02020603050405020304" pitchFamily="18" charset="0"/>
+              </a:rPr>
+              <a:t>Aenchbacher</a:t>
+            </a:r>
+            <a:r>
+              <a:rPr lang="en-US" altLang="ko-KR" dirty="0" smtClean="0">
+                <a:latin typeface="Times New Roman" panose="02020603050405020304" pitchFamily="18" charset="0"/>
+                <a:cs typeface="Times New Roman" panose="02020603050405020304" pitchFamily="18" charset="0"/>
+              </a:rPr>
+              <a:t>, W., M. </a:t>
+            </a:r>
+            <a:r>
+              <a:rPr lang="en-US" altLang="ko-KR" dirty="0" err="1" smtClean="0">
+                <a:latin typeface="Times New Roman" panose="02020603050405020304" pitchFamily="18" charset="0"/>
+                <a:cs typeface="Times New Roman" panose="02020603050405020304" pitchFamily="18" charset="0"/>
+              </a:rPr>
+              <a:t>Naftaly</a:t>
+            </a:r>
+            <a:r>
+              <a:rPr lang="en-US" altLang="ko-KR" dirty="0" smtClean="0">
+                <a:latin typeface="Times New Roman" panose="02020603050405020304" pitchFamily="18" charset="0"/>
+                <a:cs typeface="Times New Roman" panose="02020603050405020304" pitchFamily="18" charset="0"/>
+              </a:rPr>
+              <a:t>, and R. Dudley, “Line Strengths and Self-Broadening of Pure Rotational Lines of Carbon Monoxide Measured by Terahertz Time-Domain Spectroscopy,” </a:t>
+            </a:r>
+            <a:r>
+              <a:rPr lang="en-US" altLang="ko-KR" i="1" dirty="0" smtClean="0">
+                <a:latin typeface="Times New Roman" panose="02020603050405020304" pitchFamily="18" charset="0"/>
+                <a:cs typeface="Times New Roman" panose="02020603050405020304" pitchFamily="18" charset="0"/>
+              </a:rPr>
+              <a:t>Applied Optics</a:t>
+            </a:r>
+            <a:r>
+              <a:rPr lang="en-US" altLang="ko-KR" dirty="0" smtClean="0">
+                <a:latin typeface="Times New Roman" panose="02020603050405020304" pitchFamily="18" charset="0"/>
+                <a:cs typeface="Times New Roman" panose="02020603050405020304" pitchFamily="18" charset="0"/>
+              </a:rPr>
+              <a:t>, Vol. 49, No. 13, 2010, pp. 2490-2496.</a:t>
+            </a:r>
+          </a:p>
+          <a:p>
+            <a:pPr marL="285750" indent="-285750">
+              <a:buFont typeface="Arial" panose="020B0604020202020204" pitchFamily="34" charset="0"/>
+              <a:buChar char="•"/>
+            </a:pPr>
+            <a:r>
+              <a:rPr lang="en-US" altLang="ko-KR" dirty="0" smtClean="0">
+                <a:latin typeface="Times New Roman" panose="02020603050405020304" pitchFamily="18" charset="0"/>
+                <a:cs typeface="Times New Roman" panose="02020603050405020304" pitchFamily="18" charset="0"/>
+              </a:rPr>
+              <a:t>Molloy, J. F., et al., “Dispersion Properties of </a:t>
+            </a:r>
+            <a:r>
+              <a:rPr lang="en-US" altLang="ko-KR" dirty="0" err="1" smtClean="0">
+                <a:latin typeface="Times New Roman" panose="02020603050405020304" pitchFamily="18" charset="0"/>
+                <a:cs typeface="Times New Roman" panose="02020603050405020304" pitchFamily="18" charset="0"/>
+              </a:rPr>
+              <a:t>GaS</a:t>
+            </a:r>
+            <a:r>
+              <a:rPr lang="en-US" altLang="ko-KR" dirty="0" smtClean="0">
+                <a:latin typeface="Times New Roman" panose="02020603050405020304" pitchFamily="18" charset="0"/>
+                <a:cs typeface="Times New Roman" panose="02020603050405020304" pitchFamily="18" charset="0"/>
+              </a:rPr>
+              <a:t> Studied by THz-TDS,” </a:t>
+            </a:r>
+            <a:r>
+              <a:rPr lang="en-US" altLang="ko-KR" i="1" dirty="0" err="1" smtClean="0">
+                <a:latin typeface="Times New Roman" panose="02020603050405020304" pitchFamily="18" charset="0"/>
+                <a:cs typeface="Times New Roman" panose="02020603050405020304" pitchFamily="18" charset="0"/>
+              </a:rPr>
+              <a:t>Cryst</a:t>
+            </a:r>
+            <a:r>
+              <a:rPr lang="en-US" altLang="ko-KR" i="1" dirty="0" smtClean="0">
+                <a:latin typeface="Times New Roman" panose="02020603050405020304" pitchFamily="18" charset="0"/>
+                <a:cs typeface="Times New Roman" panose="02020603050405020304" pitchFamily="18" charset="0"/>
+              </a:rPr>
+              <a:t>. Eng. Comm.</a:t>
+            </a:r>
+            <a:r>
+              <a:rPr lang="en-US" altLang="ko-KR" dirty="0" smtClean="0">
+                <a:latin typeface="Times New Roman" panose="02020603050405020304" pitchFamily="18" charset="0"/>
+                <a:cs typeface="Times New Roman" panose="02020603050405020304" pitchFamily="18" charset="0"/>
+              </a:rPr>
+              <a:t>, Vol. 16, 2014, pp. 1995-2000.</a:t>
+            </a:r>
+            <a:endParaRPr lang="en-US" altLang="ko-KR" dirty="0" smtClean="0">
+              <a:latin typeface="Times New Roman" panose="02020603050405020304" pitchFamily="18" charset="0"/>
+              <a:cs typeface="Times New Roman" panose="02020603050405020304" pitchFamily="18" charset="0"/>
+            </a:endParaRPr>
+          </a:p>
+        </p:txBody>
+      </p:sp>
+      <p:sp>
+        <p:nvSpPr>
+          <p:cNvPr id="3" name="날짜 개체 틀 2"/>
+          <p:cNvSpPr>
+            <a:spLocks noGrp="1"/>
+          </p:cNvSpPr>
+          <p:nvPr>
+            <p:ph type="dt" sz="half" idx="10"/>
+          </p:nvPr>
+        </p:nvSpPr>
+        <p:spPr/>
+        <p:txBody>
+          <a:bodyPr/>
+          <a:lstStyle/>
+          <a:p>
+            <a:fld id="{6509A91F-0059-474E-BAEC-65E67593FE25}" type="datetime1">
+              <a:rPr lang="ko-KR" altLang="en-US" smtClean="0"/>
+              <a:t>2018-04-06</a:t>
+            </a:fld>
+            <a:endParaRPr lang="ko-KR" altLang="en-US"/>
+          </a:p>
+        </p:txBody>
+      </p:sp>
+      <p:sp>
+        <p:nvSpPr>
+          <p:cNvPr id="4" name="슬라이드 번호 개체 틀 3"/>
+          <p:cNvSpPr>
+            <a:spLocks noGrp="1"/>
+          </p:cNvSpPr>
+          <p:nvPr>
+            <p:ph type="sldNum" sz="quarter" idx="12"/>
+          </p:nvPr>
+        </p:nvSpPr>
+        <p:spPr/>
+        <p:txBody>
+          <a:bodyPr/>
+          <a:lstStyle/>
+          <a:p>
+            <a:fld id="{8765F8EB-1186-4395-8E70-F957669279DD}" type="slidenum">
+              <a:rPr lang="ko-KR" altLang="en-US" smtClean="0"/>
+              <a:t>16</a:t>
+            </a:fld>
+            <a:endParaRPr lang="ko-KR" altLang="en-US"/>
+          </a:p>
+        </p:txBody>
+      </p:sp>
+    </p:spTree>
+    <p:extLst>
+      <p:ext uri="{BB962C8B-B14F-4D97-AF65-F5344CB8AC3E}">
+        <p14:creationId xmlns:p14="http://schemas.microsoft.com/office/powerpoint/2010/main" val="3518239763"/>
       </p:ext>
     </p:extLst>
   </p:cSld>
@@ -4334,12 +6518,6 @@
               </a:rPr>
               <a:t>Reflection Standards</a:t>
             </a:r>
-            <a:endParaRPr lang="en-US" altLang="ko-KR" sz="1600" dirty="0" smtClean="0">
-              <a:solidFill>
-                <a:srgbClr val="3333FF"/>
-              </a:solidFill>
-              <a:latin typeface="Arial" panose="020B0604020202020204" pitchFamily="34" charset="0"/>
-            </a:endParaRPr>
           </a:p>
         </p:txBody>
       </p:sp>
@@ -4428,7 +6606,7 @@
           <a:p>
             <a:fld id="{D71C2118-E1AA-468B-9259-8864ED518988}" type="datetime1">
               <a:rPr lang="ko-KR" altLang="en-US" smtClean="0"/>
-              <a:t>2018-04-05</a:t>
+              <a:t>2018-04-06</a:t>
             </a:fld>
             <a:endParaRPr lang="ko-KR" altLang="en-US"/>
           </a:p>
@@ -4637,7 +6815,7 @@
           <a:p>
             <a:fld id="{F85A177F-6FD3-496B-8A9C-B332CA04E863}" type="datetime1">
               <a:rPr lang="ko-KR" altLang="en-US" smtClean="0"/>
-              <a:t>2018-04-05</a:t>
+              <a:t>2018-04-06</a:t>
             </a:fld>
             <a:endParaRPr lang="ko-KR" altLang="en-US"/>
           </a:p>
@@ -4762,12 +6940,6 @@
               </a:rPr>
               <a:t>1. Why Calibrate Terahertz Spectrometer</a:t>
             </a:r>
-            <a:endParaRPr lang="en-US" altLang="ko-KR" sz="2800" dirty="0" smtClean="0">
-              <a:solidFill>
-                <a:schemeClr val="bg1"/>
-              </a:solidFill>
-              <a:latin typeface="Arial" panose="020B0604020202020204" pitchFamily="34" charset="0"/>
-            </a:endParaRPr>
           </a:p>
         </p:txBody>
       </p:sp>
@@ -4788,7 +6960,7 @@
           <a:p>
             <a:fld id="{53646E5C-8775-44A9-9523-40B6CCA06789}" type="datetime1">
               <a:rPr lang="ko-KR" altLang="en-US" smtClean="0"/>
-              <a:t>2018-04-05</a:t>
+              <a:t>2018-04-06</a:t>
             </a:fld>
             <a:endParaRPr lang="ko-KR" altLang="en-US"/>
           </a:p>
@@ -4895,7 +7067,6 @@
               <a:rPr lang="en-US" altLang="ko-KR" sz="2000" dirty="0" smtClean="0"/>
               <a:t>Calibrating the frequency scale also ensures the correctness of the phase.</a:t>
             </a:r>
-            <a:endParaRPr lang="en-US" altLang="ko-KR" sz="2000" dirty="0" smtClean="0"/>
           </a:p>
         </p:txBody>
       </p:sp>
@@ -5067,7 +7238,7 @@
           <a:p>
             <a:fld id="{F85A177F-6FD3-496B-8A9C-B332CA04E863}" type="datetime1">
               <a:rPr lang="ko-KR" altLang="en-US" smtClean="0"/>
-              <a:t>2018-04-05</a:t>
+              <a:t>2018-04-06</a:t>
             </a:fld>
             <a:endParaRPr lang="ko-KR" altLang="en-US"/>
           </a:p>
@@ -5192,12 +7363,6 @@
               </a:rPr>
               <a:t>2.1 Gases</a:t>
             </a:r>
-            <a:endParaRPr lang="en-US" altLang="ko-KR" sz="2800" dirty="0" smtClean="0">
-              <a:solidFill>
-                <a:schemeClr val="bg1"/>
-              </a:solidFill>
-              <a:latin typeface="Arial" panose="020B0604020202020204" pitchFamily="34" charset="0"/>
-            </a:endParaRPr>
           </a:p>
         </p:txBody>
       </p:sp>
@@ -5218,7 +7383,7 @@
           <a:p>
             <a:fld id="{53646E5C-8775-44A9-9523-40B6CCA06789}" type="datetime1">
               <a:rPr lang="ko-KR" altLang="en-US" smtClean="0"/>
-              <a:t>2018-04-05</a:t>
+              <a:t>2018-04-06</a:t>
             </a:fld>
             <a:endParaRPr lang="ko-KR" altLang="en-US"/>
           </a:p>
@@ -5256,7 +7421,7 @@
         <p:spPr>
           <a:xfrm>
             <a:off x="720969" y="914202"/>
-            <a:ext cx="7794381" cy="3477875"/>
+            <a:ext cx="7794381" cy="707886"/>
           </a:xfrm>
           <a:prstGeom prst="rect">
             <a:avLst/>
@@ -5271,61 +7436,221 @@
           <a:p>
             <a:r>
               <a:rPr lang="en-US" altLang="ko-KR" sz="2000" dirty="0" smtClean="0"/>
-              <a:t>Calibration is a procedure for verifying instrumental performances, accuracy and precision.</a:t>
-            </a:r>
-          </a:p>
-          <a:p>
-            <a:endParaRPr lang="en-US" altLang="ko-KR" sz="2000" dirty="0"/>
-          </a:p>
-          <a:p>
-            <a:r>
-              <a:rPr lang="en-US" altLang="ko-KR" sz="2000" dirty="0" smtClean="0"/>
-              <a:t>Disadvantage</a:t>
-            </a:r>
-          </a:p>
-          <a:p>
-            <a:pPr marL="342900" indent="-342900">
-              <a:buFont typeface="Arial" panose="020B0604020202020204" pitchFamily="34" charset="0"/>
-              <a:buChar char="•"/>
-            </a:pPr>
-            <a:r>
-              <a:rPr lang="en-US" altLang="ko-KR" sz="2000" dirty="0" smtClean="0"/>
-              <a:t>The bandwidth is large.</a:t>
-            </a:r>
-          </a:p>
-          <a:p>
-            <a:pPr marL="342900" indent="-342900">
-              <a:buFont typeface="Arial" panose="020B0604020202020204" pitchFamily="34" charset="0"/>
-              <a:buChar char="•"/>
-            </a:pPr>
-            <a:r>
-              <a:rPr lang="en-US" altLang="ko-KR" sz="2000" dirty="0" smtClean="0"/>
-              <a:t>In the terahertz band, few solid materials have narrow resonance absorption lines, and those lines are too few.</a:t>
-            </a:r>
-          </a:p>
-          <a:p>
-            <a:pPr marL="342900" indent="-342900">
-              <a:buFont typeface="Arial" panose="020B0604020202020204" pitchFamily="34" charset="0"/>
-              <a:buChar char="•"/>
-            </a:pPr>
-            <a:endParaRPr lang="en-US" altLang="ko-KR" sz="2000" dirty="0"/>
-          </a:p>
-          <a:p>
-            <a:r>
-              <a:rPr lang="en-US" altLang="ko-KR" sz="2000" dirty="0" smtClean="0"/>
-              <a:t>Advantage</a:t>
-            </a:r>
-          </a:p>
-          <a:p>
-            <a:pPr marL="342900" indent="-342900">
-              <a:buFont typeface="Arial" panose="020B0604020202020204" pitchFamily="34" charset="0"/>
-              <a:buChar char="•"/>
-            </a:pPr>
-            <a:r>
-              <a:rPr lang="en-US" altLang="ko-KR" sz="2000" dirty="0" smtClean="0"/>
-              <a:t>Calibrating the frequency scale also ensures the correctness of the phase.</a:t>
+              <a:t>The most commonly used means of frequency verification in the terahertz band is atmospheric water vapor.</a:t>
             </a:r>
             <a:endParaRPr lang="en-US" altLang="ko-KR" sz="2000" dirty="0" smtClean="0"/>
+          </a:p>
+        </p:txBody>
+      </p:sp>
+      <p:pic>
+        <p:nvPicPr>
+          <p:cNvPr id="3" name="그림 2"/>
+          <p:cNvPicPr>
+            <a:picLocks noChangeAspect="1"/>
+          </p:cNvPicPr>
+          <p:nvPr/>
+        </p:nvPicPr>
+        <p:blipFill>
+          <a:blip r:embed="rId3"/>
+          <a:stretch>
+            <a:fillRect/>
+          </a:stretch>
+        </p:blipFill>
+        <p:spPr>
+          <a:xfrm>
+            <a:off x="2284518" y="1538876"/>
+            <a:ext cx="4574963" cy="3551870"/>
+          </a:xfrm>
+          <a:prstGeom prst="rect">
+            <a:avLst/>
+          </a:prstGeom>
+        </p:spPr>
+      </p:pic>
+      <p:sp>
+        <p:nvSpPr>
+          <p:cNvPr id="4" name="TextBox 3"/>
+          <p:cNvSpPr txBox="1"/>
+          <p:nvPr/>
+        </p:nvSpPr>
+        <p:spPr>
+          <a:xfrm>
+            <a:off x="3213589" y="3408834"/>
+            <a:ext cx="457200" cy="230832"/>
+          </a:xfrm>
+          <a:prstGeom prst="rect">
+            <a:avLst/>
+          </a:prstGeom>
+          <a:noFill/>
+        </p:spPr>
+        <p:txBody>
+          <a:bodyPr wrap="square" rtlCol="0">
+            <a:spAutoFit/>
+          </a:bodyPr>
+          <a:lstStyle/>
+          <a:p>
+            <a:r>
+              <a:rPr lang="en-US" altLang="ko-KR" sz="900" dirty="0" smtClean="0"/>
+              <a:t>0.557</a:t>
+            </a:r>
+            <a:endParaRPr lang="ko-KR" altLang="en-US" sz="900" dirty="0"/>
+          </a:p>
+        </p:txBody>
+      </p:sp>
+      <p:sp>
+        <p:nvSpPr>
+          <p:cNvPr id="8" name="TextBox 7"/>
+          <p:cNvSpPr txBox="1"/>
+          <p:nvPr/>
+        </p:nvSpPr>
+        <p:spPr>
+          <a:xfrm>
+            <a:off x="3442189" y="3873803"/>
+            <a:ext cx="461595" cy="230832"/>
+          </a:xfrm>
+          <a:prstGeom prst="rect">
+            <a:avLst/>
+          </a:prstGeom>
+          <a:noFill/>
+        </p:spPr>
+        <p:txBody>
+          <a:bodyPr wrap="square" rtlCol="0">
+            <a:spAutoFit/>
+          </a:bodyPr>
+          <a:lstStyle/>
+          <a:p>
+            <a:r>
+              <a:rPr lang="en-US" altLang="ko-KR" sz="900" dirty="0" smtClean="0"/>
+              <a:t>0.752</a:t>
+            </a:r>
+            <a:endParaRPr lang="ko-KR" altLang="en-US" sz="900" dirty="0"/>
+          </a:p>
+        </p:txBody>
+      </p:sp>
+      <p:sp>
+        <p:nvSpPr>
+          <p:cNvPr id="9" name="TextBox 8"/>
+          <p:cNvSpPr txBox="1"/>
+          <p:nvPr/>
+        </p:nvSpPr>
+        <p:spPr>
+          <a:xfrm>
+            <a:off x="3779228" y="1971885"/>
+            <a:ext cx="457200" cy="230832"/>
+          </a:xfrm>
+          <a:prstGeom prst="rect">
+            <a:avLst/>
+          </a:prstGeom>
+          <a:noFill/>
+        </p:spPr>
+        <p:txBody>
+          <a:bodyPr wrap="square" rtlCol="0">
+            <a:spAutoFit/>
+          </a:bodyPr>
+          <a:lstStyle/>
+          <a:p>
+            <a:r>
+              <a:rPr lang="en-US" altLang="ko-KR" sz="900" dirty="0" smtClean="0"/>
+              <a:t>1.097</a:t>
+            </a:r>
+            <a:endParaRPr lang="ko-KR" altLang="en-US" sz="900" dirty="0"/>
+          </a:p>
+        </p:txBody>
+      </p:sp>
+      <p:sp>
+        <p:nvSpPr>
+          <p:cNvPr id="10" name="TextBox 9"/>
+          <p:cNvSpPr txBox="1"/>
+          <p:nvPr/>
+        </p:nvSpPr>
+        <p:spPr>
+          <a:xfrm>
+            <a:off x="3881804" y="1818107"/>
+            <a:ext cx="457200" cy="230832"/>
+          </a:xfrm>
+          <a:prstGeom prst="rect">
+            <a:avLst/>
+          </a:prstGeom>
+          <a:noFill/>
+        </p:spPr>
+        <p:txBody>
+          <a:bodyPr wrap="square" rtlCol="0">
+            <a:spAutoFit/>
+          </a:bodyPr>
+          <a:lstStyle/>
+          <a:p>
+            <a:r>
+              <a:rPr lang="en-US" altLang="ko-KR" sz="900" dirty="0" smtClean="0"/>
+              <a:t>1.113</a:t>
+            </a:r>
+            <a:endParaRPr lang="ko-KR" altLang="en-US" sz="900" dirty="0"/>
+          </a:p>
+        </p:txBody>
+      </p:sp>
+      <p:sp>
+        <p:nvSpPr>
+          <p:cNvPr id="11" name="TextBox 10"/>
+          <p:cNvSpPr txBox="1"/>
+          <p:nvPr/>
+        </p:nvSpPr>
+        <p:spPr>
+          <a:xfrm>
+            <a:off x="4160959" y="2139474"/>
+            <a:ext cx="457200" cy="230832"/>
+          </a:xfrm>
+          <a:prstGeom prst="rect">
+            <a:avLst/>
+          </a:prstGeom>
+          <a:noFill/>
+        </p:spPr>
+        <p:txBody>
+          <a:bodyPr wrap="square" rtlCol="0">
+            <a:spAutoFit/>
+          </a:bodyPr>
+          <a:lstStyle/>
+          <a:p>
+            <a:r>
+              <a:rPr lang="en-US" altLang="ko-KR" sz="900" dirty="0" smtClean="0"/>
+              <a:t>1.410</a:t>
+            </a:r>
+            <a:endParaRPr lang="ko-KR" altLang="en-US" sz="900" dirty="0"/>
+          </a:p>
+        </p:txBody>
+      </p:sp>
+      <p:sp>
+        <p:nvSpPr>
+          <p:cNvPr id="12" name="TextBox 11"/>
+          <p:cNvSpPr txBox="1"/>
+          <p:nvPr/>
+        </p:nvSpPr>
+        <p:spPr>
+          <a:xfrm>
+            <a:off x="5105383" y="2065564"/>
+            <a:ext cx="1669835" cy="230832"/>
+          </a:xfrm>
+          <a:prstGeom prst="rect">
+            <a:avLst/>
+          </a:prstGeom>
+          <a:noFill/>
+        </p:spPr>
+        <p:txBody>
+          <a:bodyPr wrap="square" rtlCol="0">
+            <a:spAutoFit/>
+          </a:bodyPr>
+          <a:lstStyle/>
+          <a:p>
+            <a:r>
+              <a:rPr lang="en-US" altLang="ko-KR" sz="900" dirty="0" smtClean="0">
+                <a:solidFill>
+                  <a:srgbClr val="FF0000"/>
+                </a:solidFill>
+              </a:rPr>
+              <a:t>f &gt; 2THz , no usable single lines</a:t>
+            </a:r>
+            <a:endParaRPr lang="ko-KR" altLang="en-US" sz="900" dirty="0">
+              <a:solidFill>
+                <a:srgbClr val="FF0000"/>
+              </a:solidFill>
+            </a:endParaRPr>
           </a:p>
         </p:txBody>
       </p:sp>
@@ -5423,27 +7748,67 @@
                 </a:solidFill>
                 <a:latin typeface="Arial" panose="020B0604020202020204" pitchFamily="34" charset="0"/>
               </a:rPr>
-              <a:t>References</a:t>
-            </a:r>
-            <a:endParaRPr lang="en-US" altLang="ko-KR" sz="2800" dirty="0">
-              <a:solidFill>
-                <a:schemeClr val="bg1"/>
-              </a:solidFill>
-              <a:latin typeface="Arial" panose="020B0604020202020204" pitchFamily="34" charset="0"/>
-            </a:endParaRPr>
-          </a:p>
-        </p:txBody>
-      </p:sp>
-      <p:sp>
-        <p:nvSpPr>
-          <p:cNvPr id="2" name="TextBox 1"/>
+              <a:t>2.1 Gases</a:t>
+            </a:r>
+          </a:p>
+        </p:txBody>
+      </p:sp>
+      <p:sp>
+        <p:nvSpPr>
+          <p:cNvPr id="2" name="날짜 개체 틀 1"/>
+          <p:cNvSpPr>
+            <a:spLocks noGrp="1"/>
+          </p:cNvSpPr>
+          <p:nvPr>
+            <p:ph type="dt" sz="half" idx="10"/>
+          </p:nvPr>
+        </p:nvSpPr>
+        <p:spPr/>
+        <p:txBody>
+          <a:bodyPr/>
+          <a:lstStyle/>
+          <a:p>
+            <a:fld id="{53646E5C-8775-44A9-9523-40B6CCA06789}" type="datetime1">
+              <a:rPr lang="ko-KR" altLang="en-US" smtClean="0"/>
+              <a:t>2018-04-06</a:t>
+            </a:fld>
+            <a:endParaRPr lang="ko-KR" altLang="en-US"/>
+          </a:p>
+        </p:txBody>
+      </p:sp>
+      <p:sp>
+        <p:nvSpPr>
+          <p:cNvPr id="15" name="슬라이드 번호 개체 틀 14"/>
+          <p:cNvSpPr>
+            <a:spLocks noGrp="1"/>
+          </p:cNvSpPr>
+          <p:nvPr>
+            <p:ph type="sldNum" sz="quarter" idx="12"/>
+          </p:nvPr>
+        </p:nvSpPr>
+        <p:spPr/>
+        <p:txBody>
+          <a:bodyPr/>
+          <a:lstStyle/>
+          <a:p>
+            <a:fld id="{8765F8EB-1186-4395-8E70-F957669279DD}" type="slidenum">
+              <a:rPr lang="ko-KR" altLang="en-US" smtClean="0"/>
+              <a:t>7</a:t>
+            </a:fld>
+            <a:endParaRPr lang="ko-KR" altLang="en-US"/>
+          </a:p>
+        </p:txBody>
+      </p:sp>
+      <p:sp>
+        <p:nvSpPr>
+          <p:cNvPr id="18" name="TextBox 17"/>
           <p:cNvSpPr txBox="1"/>
           <p:nvPr/>
         </p:nvSpPr>
         <p:spPr>
           <a:xfrm>
-            <a:off x="268165" y="1362807"/>
-            <a:ext cx="8607669" cy="2031325"/>
+            <a:off x="720969" y="914202"/>
+            <a:ext cx="7794381" cy="1015663"/>
           </a:xfrm>
           <a:prstGeom prst="rect">
             <a:avLst/>
@@ -5456,194 +7821,1090 @@
           </a:bodyPr>
           <a:lstStyle/>
           <a:p>
-            <a:pPr marL="285750" indent="-285750">
-              <a:buFont typeface="Arial" panose="020B0604020202020204" pitchFamily="34" charset="0"/>
-              <a:buChar char="•"/>
-            </a:pPr>
+            <a:r>
+              <a:rPr lang="en-US" altLang="ko-KR" sz="2000" dirty="0" smtClean="0"/>
+              <a:t>Linear gas molecules have pure rotational spectra consisting of a frequency comb of nearly equally spaced lines with a distinctive amplitude envelope.</a:t>
+            </a:r>
+            <a:endParaRPr lang="en-US" altLang="ko-KR" sz="2000" dirty="0" smtClean="0"/>
+          </a:p>
+        </p:txBody>
+      </p:sp>
+      <p:pic>
+        <p:nvPicPr>
+          <p:cNvPr id="5" name="그림 4"/>
+          <p:cNvPicPr>
+            <a:picLocks noChangeAspect="1"/>
+          </p:cNvPicPr>
+          <p:nvPr/>
+        </p:nvPicPr>
+        <p:blipFill>
+          <a:blip r:embed="rId3"/>
+          <a:stretch>
+            <a:fillRect/>
+          </a:stretch>
+        </p:blipFill>
+        <p:spPr>
+          <a:xfrm>
+            <a:off x="869792" y="4239007"/>
+            <a:ext cx="2274608" cy="1540651"/>
+          </a:xfrm>
+          <a:prstGeom prst="rect">
+            <a:avLst/>
+          </a:prstGeom>
+        </p:spPr>
+      </p:pic>
+      <p:pic>
+        <p:nvPicPr>
+          <p:cNvPr id="6" name="그림 5"/>
+          <p:cNvPicPr>
+            <a:picLocks noChangeAspect="1"/>
+          </p:cNvPicPr>
+          <p:nvPr/>
+        </p:nvPicPr>
+        <p:blipFill>
+          <a:blip r:embed="rId4"/>
+          <a:stretch>
+            <a:fillRect/>
+          </a:stretch>
+        </p:blipFill>
+        <p:spPr>
+          <a:xfrm>
+            <a:off x="4648492" y="2262169"/>
+            <a:ext cx="2520000" cy="1876245"/>
+          </a:xfrm>
+          <a:prstGeom prst="rect">
+            <a:avLst/>
+          </a:prstGeom>
+        </p:spPr>
+      </p:pic>
+      <p:sp>
+        <p:nvSpPr>
+          <p:cNvPr id="16" name="TextBox 15"/>
+          <p:cNvSpPr txBox="1"/>
+          <p:nvPr/>
+        </p:nvSpPr>
+        <p:spPr>
+          <a:xfrm>
+            <a:off x="720969" y="1929865"/>
+            <a:ext cx="2277208" cy="369332"/>
+          </a:xfrm>
+          <a:prstGeom prst="rect">
+            <a:avLst/>
+          </a:prstGeom>
+          <a:noFill/>
+        </p:spPr>
+        <p:txBody>
+          <a:bodyPr wrap="square" rtlCol="0">
+            <a:spAutoFit/>
+          </a:bodyPr>
+          <a:lstStyle/>
+          <a:p>
             <a:r>
               <a:rPr lang="en-US" altLang="ko-KR" dirty="0" smtClean="0">
+                <a:solidFill>
+                  <a:srgbClr val="3333FF"/>
+                </a:solidFill>
+              </a:rPr>
+              <a:t>CO absorption spectra</a:t>
+            </a:r>
+            <a:endParaRPr lang="ko-KR" altLang="en-US" dirty="0">
+              <a:solidFill>
+                <a:srgbClr val="3333FF"/>
+              </a:solidFill>
+            </a:endParaRPr>
+          </a:p>
+        </p:txBody>
+      </p:sp>
+      <p:sp>
+        <p:nvSpPr>
+          <p:cNvPr id="17" name="TextBox 16"/>
+          <p:cNvSpPr txBox="1"/>
+          <p:nvPr/>
+        </p:nvSpPr>
+        <p:spPr>
+          <a:xfrm>
+            <a:off x="268165" y="6078224"/>
+            <a:ext cx="8607669" cy="415498"/>
+          </a:xfrm>
+          <a:prstGeom prst="rect">
+            <a:avLst/>
+          </a:prstGeom>
+          <a:noFill/>
+        </p:spPr>
+        <p:txBody>
+          <a:bodyPr wrap="square" rtlCol="0">
+            <a:spAutoFit/>
+          </a:bodyPr>
+          <a:lstStyle/>
+          <a:p>
+            <a:r>
+              <a:rPr lang="en-US" altLang="ko-KR" sz="1050" dirty="0" err="1">
                 <a:latin typeface="Times New Roman" panose="02020603050405020304" pitchFamily="18" charset="0"/>
                 <a:cs typeface="Times New Roman" panose="02020603050405020304" pitchFamily="18" charset="0"/>
               </a:rPr>
-              <a:t>Martin, D. H., and E. </a:t>
-            </a:r>
-            <a:r>
-              <a:rPr lang="en-US" altLang="ko-KR" dirty="0" err="1" smtClean="0">
+              <a:t>Aenchbacher</a:t>
+            </a:r>
+            <a:r>
+              <a:rPr lang="en-US" altLang="ko-KR" sz="1050" dirty="0">
                 <a:latin typeface="Times New Roman" panose="02020603050405020304" pitchFamily="18" charset="0"/>
                 <a:cs typeface="Times New Roman" panose="02020603050405020304" pitchFamily="18" charset="0"/>
               </a:rPr>
-              <a:t>Puplett</a:t>
-            </a:r>
-            <a:r>
-              <a:rPr lang="en-US" altLang="ko-KR" dirty="0" smtClean="0">
+              <a:t>, W., M. </a:t>
+            </a:r>
+            <a:r>
+              <a:rPr lang="en-US" altLang="ko-KR" sz="1050" dirty="0" err="1">
                 <a:latin typeface="Times New Roman" panose="02020603050405020304" pitchFamily="18" charset="0"/>
                 <a:cs typeface="Times New Roman" panose="02020603050405020304" pitchFamily="18" charset="0"/>
               </a:rPr>
-              <a:t>, “</a:t>
-            </a:r>
-            <a:r>
-              <a:rPr lang="en-US" altLang="ko-KR" dirty="0" err="1" smtClean="0">
+              <a:t>Naftaly</a:t>
+            </a:r>
+            <a:r>
+              <a:rPr lang="en-US" altLang="ko-KR" sz="1050" dirty="0">
                 <a:latin typeface="Times New Roman" panose="02020603050405020304" pitchFamily="18" charset="0"/>
                 <a:cs typeface="Times New Roman" panose="02020603050405020304" pitchFamily="18" charset="0"/>
               </a:rPr>
-              <a:t>Polarised</a:t>
-            </a:r>
-            <a:r>
-              <a:rPr lang="en-US" altLang="ko-KR" dirty="0" smtClean="0">
+              <a:t>, and R. Dudley, “Line Strengths and Self-Broadening of Pure Rotational Lines of Carbon Monoxide Measured by Terahertz Time-Domain Spectroscopy,” </a:t>
+            </a:r>
+            <a:r>
+              <a:rPr lang="en-US" altLang="ko-KR" sz="1050" i="1" dirty="0">
                 <a:latin typeface="Times New Roman" panose="02020603050405020304" pitchFamily="18" charset="0"/>
                 <a:cs typeface="Times New Roman" panose="02020603050405020304" pitchFamily="18" charset="0"/>
               </a:rPr>
-              <a:t> Interferometric Spectrometry for the </a:t>
-            </a:r>
-            <a:r>
-              <a:rPr lang="en-US" altLang="ko-KR" dirty="0" err="1" smtClean="0">
+              <a:t>Applied Optics</a:t>
+            </a:r>
+            <a:r>
+              <a:rPr lang="en-US" altLang="ko-KR" sz="1050" dirty="0">
                 <a:latin typeface="Times New Roman" panose="02020603050405020304" pitchFamily="18" charset="0"/>
                 <a:cs typeface="Times New Roman" panose="02020603050405020304" pitchFamily="18" charset="0"/>
               </a:rPr>
-              <a:t>Millimetre</a:t>
-            </a:r>
-            <a:r>
-              <a:rPr lang="en-US" altLang="ko-KR" dirty="0" smtClean="0">
+              <a:t>, Vol. 49, No. 13, </a:t>
+            </a:r>
+            <a:r>
+              <a:rPr lang="en-US" altLang="ko-KR" sz="1050" dirty="0" smtClean="0">
                 <a:latin typeface="Times New Roman" panose="02020603050405020304" pitchFamily="18" charset="0"/>
                 <a:cs typeface="Times New Roman" panose="02020603050405020304" pitchFamily="18" charset="0"/>
               </a:rPr>
-              <a:t> and </a:t>
-            </a:r>
-            <a:r>
-              <a:rPr lang="en-US" altLang="ko-KR" dirty="0" err="1" smtClean="0">
+              <a:t>2010</a:t>
+            </a:r>
+            <a:r>
+              <a:rPr lang="en-US" altLang="ko-KR" sz="1050" dirty="0">
                 <a:latin typeface="Times New Roman" panose="02020603050405020304" pitchFamily="18" charset="0"/>
                 <a:cs typeface="Times New Roman" panose="02020603050405020304" pitchFamily="18" charset="0"/>
               </a:rPr>
-              <a:t>Submillimetre</a:t>
-            </a:r>
-            <a:r>
-              <a:rPr lang="en-US" altLang="ko-KR" dirty="0" smtClean="0">
+              <a:t>.</a:t>
+            </a:r>
+          </a:p>
+        </p:txBody>
+      </p:sp>
+      <p:pic>
+        <p:nvPicPr>
+          <p:cNvPr id="7" name="그림 6"/>
+          <p:cNvPicPr>
+            <a:picLocks noChangeAspect="1"/>
+          </p:cNvPicPr>
+          <p:nvPr/>
+        </p:nvPicPr>
+        <p:blipFill>
+          <a:blip r:embed="rId5"/>
+          <a:stretch>
+            <a:fillRect/>
+          </a:stretch>
+        </p:blipFill>
+        <p:spPr>
+          <a:xfrm>
+            <a:off x="1884400" y="2282070"/>
+            <a:ext cx="2520000" cy="1855637"/>
+          </a:xfrm>
+          <a:prstGeom prst="rect">
+            <a:avLst/>
+          </a:prstGeom>
+        </p:spPr>
+      </p:pic>
+      <p:sp>
+        <p:nvSpPr>
+          <p:cNvPr id="19" name="TextBox 18"/>
+          <p:cNvSpPr txBox="1"/>
+          <p:nvPr/>
+        </p:nvSpPr>
+        <p:spPr>
+          <a:xfrm>
+            <a:off x="3631284" y="4489912"/>
+            <a:ext cx="3402562" cy="707886"/>
+          </a:xfrm>
+          <a:prstGeom prst="rect">
+            <a:avLst/>
+          </a:prstGeom>
+          <a:noFill/>
+        </p:spPr>
+        <p:txBody>
+          <a:bodyPr wrap="square" rtlCol="0">
+            <a:spAutoFit/>
+          </a:bodyPr>
+          <a:lstStyle/>
+          <a:p>
+            <a:r>
+              <a:rPr lang="en-US" altLang="ko-KR" sz="2000" dirty="0" smtClean="0">
+                <a:sym typeface="Wingdings" panose="05000000000000000000" pitchFamily="2" charset="2"/>
+              </a:rPr>
+              <a:t> Must be highly robust and have excellent gas seals.</a:t>
+            </a:r>
+            <a:endParaRPr lang="ko-KR" altLang="en-US" sz="2000" dirty="0"/>
+          </a:p>
+        </p:txBody>
+      </p:sp>
+    </p:spTree>
+    <p:extLst>
+      <p:ext uri="{BB962C8B-B14F-4D97-AF65-F5344CB8AC3E}">
+        <p14:creationId xmlns:p14="http://schemas.microsoft.com/office/powerpoint/2010/main" val="1783966454"/>
+      </p:ext>
+    </p:extLst>
+  </p:cSld>
+  <p:clrMapOvr>
+    <a:masterClrMapping/>
+  </p:clrMapOvr>
+  <p:timing>
+    <p:tnLst>
+      <p:par>
+        <p:cTn id="1" dur="indefinite" restart="never" nodeType="tmRoot"/>
+      </p:par>
+    </p:tnLst>
+  </p:timing>
+</p:sld>
+</file>
+
+<file path=ppt/slides/slide8.xml><?xml version="1.0" encoding="utf-8"?>
+<p:sld xmlns:a="http://schemas.openxmlformats.org/drawingml/2006/main" xmlns:r="http://schemas.openxmlformats.org/officeDocument/2006/relationships" xmlns:p="http://schemas.openxmlformats.org/presentationml/2006/main">
+  <p:cSld>
+    <p:spTree>
+      <p:nvGrpSpPr>
+        <p:cNvPr id="1" name=""/>
+        <p:cNvGrpSpPr/>
+        <p:nvPr/>
+      </p:nvGrpSpPr>
+      <p:grpSpPr>
+        <a:xfrm>
+          <a:off x="0" y="0"/>
+          <a:ext cx="0" cy="0"/>
+          <a:chOff x="0" y="0"/>
+          <a:chExt cx="0" cy="0"/>
+        </a:xfrm>
+      </p:grpSpPr>
+      <p:sp>
+        <p:nvSpPr>
+          <p:cNvPr id="6199" name="Rectangle 55"/>
+          <p:cNvSpPr>
+            <a:spLocks noChangeArrowheads="1"/>
+          </p:cNvSpPr>
+          <p:nvPr/>
+        </p:nvSpPr>
+        <p:spPr bwMode="auto">
+          <a:xfrm>
+            <a:off x="0" y="0"/>
+            <a:ext cx="9144000" cy="692150"/>
+          </a:xfrm>
+          <a:prstGeom prst="rect">
+            <a:avLst/>
+          </a:prstGeom>
+          <a:solidFill>
+            <a:srgbClr val="3333FF"/>
+          </a:solidFill>
+          <a:ln>
+            <a:noFill/>
+          </a:ln>
+          <a:effectLst/>
+          <a:extLst>
+            <a:ext uri="{91240B29-F687-4F45-9708-019B960494DF}">
+              <a14:hiddenLine xmlns:a14="http://schemas.microsoft.com/office/drawing/2010/main" w="9525">
+                <a:solidFill>
+                  <a:schemeClr val="tx1"/>
+                </a:solidFill>
+                <a:miter lim="800000"/>
+                <a:headEnd/>
+                <a:tailEnd/>
+              </a14:hiddenLine>
+            </a:ext>
+            <a:ext uri="{AF507438-7753-43E0-B8FC-AC1667EBCBE1}">
+              <a14:hiddenEffects xmlns:a14="http://schemas.microsoft.com/office/drawing/2010/main">
+                <a:effectLst>
+                  <a:outerShdw dist="35921" dir="2700000" algn="ctr" rotWithShape="0">
+                    <a:schemeClr val="bg2"/>
+                  </a:outerShdw>
+                </a:effectLst>
+              </a14:hiddenEffects>
+            </a:ext>
+          </a:extLst>
+        </p:spPr>
+        <p:txBody>
+          <a:bodyPr wrap="none" anchor="ctr"/>
+          <a:lstStyle/>
+          <a:p>
+            <a:pPr algn="ctr"/>
+            <a:r>
+              <a:rPr lang="en-US" altLang="ko-KR" sz="2800" dirty="0" smtClean="0">
+                <a:solidFill>
+                  <a:schemeClr val="bg1"/>
+                </a:solidFill>
+                <a:latin typeface="Arial" panose="020B0604020202020204" pitchFamily="34" charset="0"/>
+              </a:rPr>
+              <a:t>2.2 Solids</a:t>
+            </a:r>
+            <a:endParaRPr lang="en-US" altLang="ko-KR" sz="2800" dirty="0" smtClean="0">
+              <a:solidFill>
+                <a:schemeClr val="bg1"/>
+              </a:solidFill>
+              <a:latin typeface="Arial" panose="020B0604020202020204" pitchFamily="34" charset="0"/>
+            </a:endParaRPr>
+          </a:p>
+        </p:txBody>
+      </p:sp>
+      <p:sp>
+        <p:nvSpPr>
+          <p:cNvPr id="2" name="날짜 개체 틀 1"/>
+          <p:cNvSpPr>
+            <a:spLocks noGrp="1"/>
+          </p:cNvSpPr>
+          <p:nvPr>
+            <p:ph type="dt" sz="half" idx="10"/>
+          </p:nvPr>
+        </p:nvSpPr>
+        <p:spPr/>
+        <p:txBody>
+          <a:bodyPr/>
+          <a:lstStyle/>
+          <a:p>
+            <a:fld id="{53646E5C-8775-44A9-9523-40B6CCA06789}" type="datetime1">
+              <a:rPr lang="ko-KR" altLang="en-US" smtClean="0"/>
+              <a:t>2018-04-06</a:t>
+            </a:fld>
+            <a:endParaRPr lang="ko-KR" altLang="en-US"/>
+          </a:p>
+        </p:txBody>
+      </p:sp>
+      <p:sp>
+        <p:nvSpPr>
+          <p:cNvPr id="15" name="슬라이드 번호 개체 틀 14"/>
+          <p:cNvSpPr>
+            <a:spLocks noGrp="1"/>
+          </p:cNvSpPr>
+          <p:nvPr>
+            <p:ph type="sldNum" sz="quarter" idx="12"/>
+          </p:nvPr>
+        </p:nvSpPr>
+        <p:spPr/>
+        <p:txBody>
+          <a:bodyPr/>
+          <a:lstStyle/>
+          <a:p>
+            <a:fld id="{8765F8EB-1186-4395-8E70-F957669279DD}" type="slidenum">
+              <a:rPr lang="ko-KR" altLang="en-US" smtClean="0"/>
+              <a:t>8</a:t>
+            </a:fld>
+            <a:endParaRPr lang="ko-KR" altLang="en-US"/>
+          </a:p>
+        </p:txBody>
+      </p:sp>
+      <p:sp>
+        <p:nvSpPr>
+          <p:cNvPr id="18" name="TextBox 17"/>
+          <p:cNvSpPr txBox="1"/>
+          <p:nvPr/>
+        </p:nvSpPr>
+        <p:spPr>
+          <a:xfrm>
+            <a:off x="720969" y="914202"/>
+            <a:ext cx="7794381" cy="707886"/>
+          </a:xfrm>
+          <a:prstGeom prst="rect">
+            <a:avLst/>
+          </a:prstGeom>
+          <a:noFill/>
+        </p:spPr>
+        <p:txBody>
+          <a:bodyPr wrap="square" rtlCol="0">
+            <a:spAutoFit/>
+          </a:bodyPr>
+          <a:lstStyle/>
+          <a:p>
+            <a:r>
+              <a:rPr lang="en-US" altLang="ko-KR" sz="2000" dirty="0" smtClean="0"/>
+              <a:t>For the purpose of frequency calibration, a solid material must have strong and narrow absorption lines.</a:t>
+            </a:r>
+            <a:endParaRPr lang="en-US" altLang="ko-KR" sz="2000" dirty="0" smtClean="0"/>
+          </a:p>
+        </p:txBody>
+      </p:sp>
+      <p:pic>
+        <p:nvPicPr>
+          <p:cNvPr id="5" name="그림 4"/>
+          <p:cNvPicPr>
+            <a:picLocks noChangeAspect="1"/>
+          </p:cNvPicPr>
+          <p:nvPr/>
+        </p:nvPicPr>
+        <p:blipFill>
+          <a:blip r:embed="rId3"/>
+          <a:stretch>
+            <a:fillRect/>
+          </a:stretch>
+        </p:blipFill>
+        <p:spPr>
+          <a:xfrm>
+            <a:off x="3432856" y="1608446"/>
+            <a:ext cx="2370605" cy="1800000"/>
+          </a:xfrm>
+          <a:prstGeom prst="rect">
+            <a:avLst/>
+          </a:prstGeom>
+        </p:spPr>
+      </p:pic>
+      <p:sp>
+        <p:nvSpPr>
+          <p:cNvPr id="14" name="TextBox 13"/>
+          <p:cNvSpPr txBox="1"/>
+          <p:nvPr/>
+        </p:nvSpPr>
+        <p:spPr>
+          <a:xfrm>
+            <a:off x="720969" y="3326741"/>
+            <a:ext cx="7794381" cy="707886"/>
+          </a:xfrm>
+          <a:prstGeom prst="rect">
+            <a:avLst/>
+          </a:prstGeom>
+          <a:noFill/>
+        </p:spPr>
+        <p:txBody>
+          <a:bodyPr wrap="square" rtlCol="0">
+            <a:spAutoFit/>
+          </a:bodyPr>
+          <a:lstStyle/>
+          <a:p>
+            <a:r>
+              <a:rPr lang="en-US" altLang="ko-KR" sz="2000" dirty="0" smtClean="0"/>
+              <a:t>In contrast to single crystals, </a:t>
+            </a:r>
+            <a:r>
+              <a:rPr lang="en-US" altLang="ko-KR" sz="2000" dirty="0" err="1" smtClean="0"/>
+              <a:t>polycrysyalline</a:t>
+            </a:r>
+            <a:r>
+              <a:rPr lang="en-US" altLang="ko-KR" sz="2000" dirty="0" smtClean="0"/>
+              <a:t> materials have much broader and shallower peaks.</a:t>
+            </a:r>
+            <a:endParaRPr lang="en-US" altLang="ko-KR" sz="2000" dirty="0" smtClean="0"/>
+          </a:p>
+        </p:txBody>
+      </p:sp>
+      <p:pic>
+        <p:nvPicPr>
+          <p:cNvPr id="6" name="그림 5"/>
+          <p:cNvPicPr>
+            <a:picLocks noChangeAspect="1"/>
+          </p:cNvPicPr>
+          <p:nvPr/>
+        </p:nvPicPr>
+        <p:blipFill>
+          <a:blip r:embed="rId4"/>
+          <a:stretch>
+            <a:fillRect/>
+          </a:stretch>
+        </p:blipFill>
+        <p:spPr>
+          <a:xfrm>
+            <a:off x="3258974" y="3776872"/>
+            <a:ext cx="2718367" cy="1800000"/>
+          </a:xfrm>
+          <a:prstGeom prst="rect">
+            <a:avLst/>
+          </a:prstGeom>
+        </p:spPr>
+      </p:pic>
+      <p:sp>
+        <p:nvSpPr>
+          <p:cNvPr id="16" name="TextBox 15"/>
+          <p:cNvSpPr txBox="1"/>
+          <p:nvPr/>
+        </p:nvSpPr>
+        <p:spPr>
+          <a:xfrm>
+            <a:off x="268165" y="6078224"/>
+            <a:ext cx="8607669" cy="253916"/>
+          </a:xfrm>
+          <a:prstGeom prst="rect">
+            <a:avLst/>
+          </a:prstGeom>
+          <a:noFill/>
+        </p:spPr>
+        <p:txBody>
+          <a:bodyPr wrap="square" rtlCol="0">
+            <a:spAutoFit/>
+          </a:bodyPr>
+          <a:lstStyle/>
+          <a:p>
+            <a:r>
+              <a:rPr lang="en-US" altLang="ko-KR" sz="1050" dirty="0">
                 <a:latin typeface="Times New Roman" panose="02020603050405020304" pitchFamily="18" charset="0"/>
                 <a:cs typeface="Times New Roman" panose="02020603050405020304" pitchFamily="18" charset="0"/>
               </a:rPr>
-              <a:t> Spectrum,” </a:t>
-            </a:r>
-            <a:r>
-              <a:rPr lang="en-US" altLang="ko-KR" i="1" dirty="0" smtClean="0">
+              <a:t>Molloy, J. F., et al., “Dispersion Properties of </a:t>
+            </a:r>
+            <a:r>
+              <a:rPr lang="en-US" altLang="ko-KR" sz="1050" dirty="0" err="1">
                 <a:latin typeface="Times New Roman" panose="02020603050405020304" pitchFamily="18" charset="0"/>
                 <a:cs typeface="Times New Roman" panose="02020603050405020304" pitchFamily="18" charset="0"/>
               </a:rPr>
-              <a:t>App. Opt.</a:t>
-            </a:r>
-            <a:r>
-              <a:rPr lang="en-US" altLang="ko-KR" dirty="0" smtClean="0">
+              <a:t>GaS</a:t>
+            </a:r>
+            <a:r>
+              <a:rPr lang="en-US" altLang="ko-KR" sz="1050" dirty="0">
                 <a:latin typeface="Times New Roman" panose="02020603050405020304" pitchFamily="18" charset="0"/>
                 <a:cs typeface="Times New Roman" panose="02020603050405020304" pitchFamily="18" charset="0"/>
               </a:rPr>
-              <a:t>, Vol. 10, 1969, p. 105.</a:t>
-            </a:r>
-          </a:p>
-          <a:p>
-            <a:pPr marL="285750" indent="-285750">
-              <a:buFont typeface="Arial" panose="020B0604020202020204" pitchFamily="34" charset="0"/>
-              <a:buChar char="•"/>
-            </a:pPr>
-            <a:r>
-              <a:rPr lang="en-US" altLang="ko-KR" dirty="0" smtClean="0">
+              <a:t> Studied by THz-TDS,” </a:t>
+            </a:r>
+            <a:r>
+              <a:rPr lang="en-US" altLang="ko-KR" sz="1050" i="1" dirty="0" err="1">
                 <a:latin typeface="Times New Roman" panose="02020603050405020304" pitchFamily="18" charset="0"/>
                 <a:cs typeface="Times New Roman" panose="02020603050405020304" pitchFamily="18" charset="0"/>
               </a:rPr>
-              <a:t>Naylor, D. A., et al., “Astronomical Spectroscopy Using an Aliased Step-and-Integrate Fourier Transform Spectrometer,” </a:t>
-            </a:r>
-            <a:r>
-              <a:rPr lang="en-US" altLang="ko-KR" i="1" dirty="0" smtClean="0">
+              <a:t>Cryst</a:t>
+            </a:r>
+            <a:r>
+              <a:rPr lang="en-US" altLang="ko-KR" sz="1050" i="1" dirty="0">
                 <a:latin typeface="Times New Roman" panose="02020603050405020304" pitchFamily="18" charset="0"/>
                 <a:cs typeface="Times New Roman" panose="02020603050405020304" pitchFamily="18" charset="0"/>
               </a:rPr>
-              <a:t>Proceedings of the SPIE</a:t>
-            </a:r>
-            <a:r>
-              <a:rPr lang="en-US" altLang="ko-KR" dirty="0" smtClean="0">
+              <a:t>. Eng. Comm.</a:t>
+            </a:r>
+            <a:r>
+              <a:rPr lang="en-US" altLang="ko-KR" sz="1050" dirty="0">
                 <a:latin typeface="Times New Roman" panose="02020603050405020304" pitchFamily="18" charset="0"/>
                 <a:cs typeface="Times New Roman" panose="02020603050405020304" pitchFamily="18" charset="0"/>
               </a:rPr>
-              <a:t>, Vol. 5498, 2004, pp. 685-694.</a:t>
-            </a:r>
-          </a:p>
-          <a:p>
-            <a:pPr marL="285750" indent="-285750">
-              <a:buFont typeface="Arial" panose="020B0604020202020204" pitchFamily="34" charset="0"/>
-              <a:buChar char="•"/>
-            </a:pPr>
-            <a:r>
-              <a:rPr lang="en-US" altLang="ko-KR" dirty="0" smtClean="0">
+              <a:t>, Vol. 16, </a:t>
+            </a:r>
+            <a:r>
+              <a:rPr lang="en-US" altLang="ko-KR" sz="1050" dirty="0" smtClean="0">
                 <a:latin typeface="Times New Roman" panose="02020603050405020304" pitchFamily="18" charset="0"/>
                 <a:cs typeface="Times New Roman" panose="02020603050405020304" pitchFamily="18" charset="0"/>
               </a:rPr>
-              <a:t>Carli, B., et al., “Design of an Efficient Broadband Far-Infrared Fourier Transform Spectrometer,” </a:t>
-            </a:r>
-            <a:r>
-              <a:rPr lang="en-US" altLang="ko-KR" i="1" dirty="0" smtClean="0">
+              <a:t>2014</a:t>
+            </a:r>
+            <a:r>
+              <a:rPr lang="en-US" altLang="ko-KR" sz="1050" dirty="0">
                 <a:latin typeface="Times New Roman" panose="02020603050405020304" pitchFamily="18" charset="0"/>
                 <a:cs typeface="Times New Roman" panose="02020603050405020304" pitchFamily="18" charset="0"/>
               </a:rPr>
-              <a:t>App. Opt.</a:t>
-            </a:r>
-            <a:r>
-              <a:rPr lang="en-US" altLang="ko-KR" dirty="0" smtClean="0">
-                <a:latin typeface="Times New Roman" panose="02020603050405020304" pitchFamily="18" charset="0"/>
-                <a:cs typeface="Times New Roman" panose="02020603050405020304" pitchFamily="18" charset="0"/>
+              <a:t>.</a:t>
+            </a:r>
+          </a:p>
+        </p:txBody>
+      </p:sp>
+      <p:sp>
+        <p:nvSpPr>
+          <p:cNvPr id="17" name="TextBox 16"/>
+          <p:cNvSpPr txBox="1"/>
+          <p:nvPr/>
+        </p:nvSpPr>
+        <p:spPr>
+          <a:xfrm>
+            <a:off x="4493407" y="5319116"/>
+            <a:ext cx="654489" cy="230832"/>
+          </a:xfrm>
+          <a:prstGeom prst="rect">
+            <a:avLst/>
+          </a:prstGeom>
+          <a:noFill/>
+        </p:spPr>
+        <p:txBody>
+          <a:bodyPr wrap="square" rtlCol="0">
+            <a:spAutoFit/>
+          </a:bodyPr>
+          <a:lstStyle/>
+          <a:p>
+            <a:r>
+              <a:rPr lang="en-US" altLang="ko-KR" sz="900" dirty="0" smtClean="0"/>
+              <a:t>2.17THz</a:t>
+            </a:r>
+            <a:endParaRPr lang="ko-KR" altLang="en-US" sz="900" dirty="0"/>
+          </a:p>
+        </p:txBody>
+      </p:sp>
+      <p:sp>
+        <p:nvSpPr>
+          <p:cNvPr id="19" name="TextBox 18"/>
+          <p:cNvSpPr txBox="1"/>
+          <p:nvPr/>
+        </p:nvSpPr>
+        <p:spPr>
+          <a:xfrm>
+            <a:off x="720969" y="5601466"/>
+            <a:ext cx="7794381" cy="400110"/>
+          </a:xfrm>
+          <a:prstGeom prst="rect">
+            <a:avLst/>
+          </a:prstGeom>
+          <a:noFill/>
+        </p:spPr>
+        <p:txBody>
+          <a:bodyPr wrap="square" rtlCol="0">
+            <a:spAutoFit/>
+          </a:bodyPr>
+          <a:lstStyle/>
+          <a:p>
+            <a:r>
+              <a:rPr lang="en-US" altLang="ko-KR" sz="2000" dirty="0" smtClean="0">
+                <a:sym typeface="Wingdings" panose="05000000000000000000" pitchFamily="2" charset="2"/>
               </a:rPr>
-              <a:t>, Vol. 38, No. 18, 1999, pp. 3945-3950.</a:t>
-            </a:r>
-          </a:p>
-        </p:txBody>
-      </p:sp>
-      <p:sp>
-        <p:nvSpPr>
-          <p:cNvPr id="3" name="날짜 개체 틀 2"/>
-          <p:cNvSpPr>
-            <a:spLocks noGrp="1"/>
-          </p:cNvSpPr>
-          <p:nvPr>
-            <p:ph type="dt" sz="half" idx="10"/>
-          </p:nvPr>
-        </p:nvSpPr>
-        <p:spPr/>
-        <p:txBody>
-          <a:bodyPr/>
-          <a:lstStyle/>
-          <a:p>
-            <a:fld id="{6509A91F-0059-474E-BAEC-65E67593FE25}" type="datetime1">
-              <a:rPr lang="ko-KR" altLang="en-US" smtClean="0"/>
-              <a:t>2018-04-05</a:t>
-            </a:fld>
-            <a:endParaRPr lang="ko-KR" altLang="en-US"/>
-          </a:p>
-        </p:txBody>
-      </p:sp>
-      <p:sp>
-        <p:nvSpPr>
-          <p:cNvPr id="4" name="슬라이드 번호 개체 틀 3"/>
-          <p:cNvSpPr>
-            <a:spLocks noGrp="1"/>
-          </p:cNvSpPr>
-          <p:nvPr>
-            <p:ph type="sldNum" sz="quarter" idx="12"/>
-          </p:nvPr>
-        </p:nvSpPr>
-        <p:spPr/>
-        <p:txBody>
-          <a:bodyPr/>
-          <a:lstStyle/>
-          <a:p>
-            <a:fld id="{8765F8EB-1186-4395-8E70-F957669279DD}" type="slidenum">
-              <a:rPr lang="ko-KR" altLang="en-US" smtClean="0"/>
-              <a:t>7</a:t>
-            </a:fld>
-            <a:endParaRPr lang="ko-KR" altLang="en-US"/>
+              <a:t> </a:t>
+            </a:r>
+            <a:r>
+              <a:rPr lang="en-US" altLang="ko-KR" sz="2000" dirty="0" smtClean="0"/>
+              <a:t>Solid crystalline materials must be judged poorly suited to the purpose.</a:t>
+            </a:r>
+            <a:endParaRPr lang="en-US" altLang="ko-KR" sz="2000" dirty="0" smtClean="0"/>
           </a:p>
         </p:txBody>
       </p:sp>
     </p:spTree>
     <p:extLst>
       <p:ext uri="{BB962C8B-B14F-4D97-AF65-F5344CB8AC3E}">
-        <p14:creationId xmlns:p14="http://schemas.microsoft.com/office/powerpoint/2010/main" val="3518239763"/>
+        <p14:creationId xmlns:p14="http://schemas.microsoft.com/office/powerpoint/2010/main" val="900923045"/>
+      </p:ext>
+    </p:extLst>
+  </p:cSld>
+  <p:clrMapOvr>
+    <a:masterClrMapping/>
+  </p:clrMapOvr>
+  <p:timing>
+    <p:tnLst>
+      <p:par>
+        <p:cTn id="1" dur="indefinite" restart="never" nodeType="tmRoot"/>
+      </p:par>
+    </p:tnLst>
+  </p:timing>
+</p:sld>
+</file>
+
+<file path=ppt/slides/slide9.xml><?xml version="1.0" encoding="utf-8"?>
+<p:sld xmlns:a="http://schemas.openxmlformats.org/drawingml/2006/main" xmlns:r="http://schemas.openxmlformats.org/officeDocument/2006/relationships" xmlns:p="http://schemas.openxmlformats.org/presentationml/2006/main">
+  <p:cSld>
+    <p:spTree>
+      <p:nvGrpSpPr>
+        <p:cNvPr id="1" name=""/>
+        <p:cNvGrpSpPr/>
+        <p:nvPr/>
+      </p:nvGrpSpPr>
+      <p:grpSpPr>
+        <a:xfrm>
+          <a:off x="0" y="0"/>
+          <a:ext cx="0" cy="0"/>
+          <a:chOff x="0" y="0"/>
+          <a:chExt cx="0" cy="0"/>
+        </a:xfrm>
+      </p:grpSpPr>
+      <p:sp>
+        <p:nvSpPr>
+          <p:cNvPr id="6199" name="Rectangle 55"/>
+          <p:cNvSpPr>
+            <a:spLocks noChangeArrowheads="1"/>
+          </p:cNvSpPr>
+          <p:nvPr/>
+        </p:nvSpPr>
+        <p:spPr bwMode="auto">
+          <a:xfrm>
+            <a:off x="0" y="0"/>
+            <a:ext cx="9144000" cy="692150"/>
+          </a:xfrm>
+          <a:prstGeom prst="rect">
+            <a:avLst/>
+          </a:prstGeom>
+          <a:solidFill>
+            <a:srgbClr val="3333FF"/>
+          </a:solidFill>
+          <a:ln>
+            <a:noFill/>
+          </a:ln>
+          <a:effectLst/>
+          <a:extLst>
+            <a:ext uri="{91240B29-F687-4F45-9708-019B960494DF}">
+              <a14:hiddenLine xmlns:a14="http://schemas.microsoft.com/office/drawing/2010/main" w="9525">
+                <a:solidFill>
+                  <a:schemeClr val="tx1"/>
+                </a:solidFill>
+                <a:miter lim="800000"/>
+                <a:headEnd/>
+                <a:tailEnd/>
+              </a14:hiddenLine>
+            </a:ext>
+            <a:ext uri="{AF507438-7753-43E0-B8FC-AC1667EBCBE1}">
+              <a14:hiddenEffects xmlns:a14="http://schemas.microsoft.com/office/drawing/2010/main">
+                <a:effectLst>
+                  <a:outerShdw dist="35921" dir="2700000" algn="ctr" rotWithShape="0">
+                    <a:schemeClr val="bg2"/>
+                  </a:outerShdw>
+                </a:effectLst>
+              </a14:hiddenEffects>
+            </a:ext>
+          </a:extLst>
+        </p:spPr>
+        <p:txBody>
+          <a:bodyPr wrap="none" anchor="ctr"/>
+          <a:lstStyle/>
+          <a:p>
+            <a:pPr algn="ctr"/>
+            <a:r>
+              <a:rPr lang="en-US" altLang="ko-KR" sz="2800" dirty="0" smtClean="0">
+                <a:solidFill>
+                  <a:schemeClr val="bg1"/>
+                </a:solidFill>
+                <a:latin typeface="Arial" panose="020B0604020202020204" pitchFamily="34" charset="0"/>
+              </a:rPr>
+              <a:t>2.3 Resonant Mesh Filters</a:t>
+            </a:r>
+            <a:endParaRPr lang="en-US" altLang="ko-KR" sz="2800" dirty="0" smtClean="0">
+              <a:solidFill>
+                <a:schemeClr val="bg1"/>
+              </a:solidFill>
+              <a:latin typeface="Arial" panose="020B0604020202020204" pitchFamily="34" charset="0"/>
+            </a:endParaRPr>
+          </a:p>
+        </p:txBody>
+      </p:sp>
+      <p:sp>
+        <p:nvSpPr>
+          <p:cNvPr id="2" name="날짜 개체 틀 1"/>
+          <p:cNvSpPr>
+            <a:spLocks noGrp="1"/>
+          </p:cNvSpPr>
+          <p:nvPr>
+            <p:ph type="dt" sz="half" idx="10"/>
+          </p:nvPr>
+        </p:nvSpPr>
+        <p:spPr/>
+        <p:txBody>
+          <a:bodyPr/>
+          <a:lstStyle/>
+          <a:p>
+            <a:fld id="{53646E5C-8775-44A9-9523-40B6CCA06789}" type="datetime1">
+              <a:rPr lang="ko-KR" altLang="en-US" smtClean="0"/>
+              <a:t>2018-04-06</a:t>
+            </a:fld>
+            <a:endParaRPr lang="ko-KR" altLang="en-US"/>
+          </a:p>
+        </p:txBody>
+      </p:sp>
+      <p:sp>
+        <p:nvSpPr>
+          <p:cNvPr id="15" name="슬라이드 번호 개체 틀 14"/>
+          <p:cNvSpPr>
+            <a:spLocks noGrp="1"/>
+          </p:cNvSpPr>
+          <p:nvPr>
+            <p:ph type="sldNum" sz="quarter" idx="12"/>
+          </p:nvPr>
+        </p:nvSpPr>
+        <p:spPr/>
+        <p:txBody>
+          <a:bodyPr/>
+          <a:lstStyle/>
+          <a:p>
+            <a:fld id="{8765F8EB-1186-4395-8E70-F957669279DD}" type="slidenum">
+              <a:rPr lang="ko-KR" altLang="en-US" smtClean="0"/>
+              <a:t>9</a:t>
+            </a:fld>
+            <a:endParaRPr lang="ko-KR" altLang="en-US"/>
+          </a:p>
+        </p:txBody>
+      </p:sp>
+      <p:sp>
+        <p:nvSpPr>
+          <p:cNvPr id="18" name="TextBox 17"/>
+          <p:cNvSpPr txBox="1"/>
+          <p:nvPr/>
+        </p:nvSpPr>
+        <p:spPr>
+          <a:xfrm>
+            <a:off x="720969" y="914202"/>
+            <a:ext cx="7794381" cy="1015663"/>
+          </a:xfrm>
+          <a:prstGeom prst="rect">
+            <a:avLst/>
+          </a:prstGeom>
+          <a:noFill/>
+        </p:spPr>
+        <p:txBody>
+          <a:bodyPr wrap="square" rtlCol="0">
+            <a:spAutoFit/>
+          </a:bodyPr>
+          <a:lstStyle/>
+          <a:p>
+            <a:r>
+              <a:rPr lang="en-US" altLang="ko-KR" sz="2000" dirty="0" smtClean="0"/>
+              <a:t>An important advantage is </a:t>
+            </a:r>
+            <a:r>
+              <a:rPr lang="en-US" altLang="ko-KR" sz="2000" dirty="0" err="1" smtClean="0"/>
+              <a:t>tha</a:t>
+            </a:r>
+            <a:r>
+              <a:rPr lang="en-US" altLang="ko-KR" sz="2000" dirty="0" smtClean="0"/>
+              <a:t> </a:t>
+            </a:r>
+            <a:r>
+              <a:rPr lang="en-US" altLang="ko-KR" sz="2000" dirty="0" err="1" smtClean="0"/>
+              <a:t>tsuch</a:t>
+            </a:r>
+            <a:r>
+              <a:rPr lang="en-US" altLang="ko-KR" sz="2000" dirty="0" smtClean="0"/>
+              <a:t> filters are robust, stable, convenient to use, and can be fabricated as calibration sets offering a number of frequencies over the desired range.</a:t>
+            </a:r>
+            <a:endParaRPr lang="en-US" altLang="ko-KR" sz="2000" dirty="0" smtClean="0"/>
+          </a:p>
+        </p:txBody>
+      </p:sp>
+      <p:pic>
+        <p:nvPicPr>
+          <p:cNvPr id="3" name="그림 2"/>
+          <p:cNvPicPr>
+            <a:picLocks noChangeAspect="1"/>
+          </p:cNvPicPr>
+          <p:nvPr/>
+        </p:nvPicPr>
+        <p:blipFill>
+          <a:blip r:embed="rId3"/>
+          <a:stretch>
+            <a:fillRect/>
+          </a:stretch>
+        </p:blipFill>
+        <p:spPr>
+          <a:xfrm>
+            <a:off x="1147395" y="2088404"/>
+            <a:ext cx="3240000" cy="2158092"/>
+          </a:xfrm>
+          <a:prstGeom prst="rect">
+            <a:avLst/>
+          </a:prstGeom>
+        </p:spPr>
+      </p:pic>
+      <p:pic>
+        <p:nvPicPr>
+          <p:cNvPr id="4" name="그림 3"/>
+          <p:cNvPicPr>
+            <a:picLocks noChangeAspect="1"/>
+          </p:cNvPicPr>
+          <p:nvPr/>
+        </p:nvPicPr>
+        <p:blipFill>
+          <a:blip r:embed="rId4"/>
+          <a:stretch>
+            <a:fillRect/>
+          </a:stretch>
+        </p:blipFill>
+        <p:spPr>
+          <a:xfrm>
+            <a:off x="4943458" y="2088404"/>
+            <a:ext cx="2858143" cy="2160000"/>
+          </a:xfrm>
+          <a:prstGeom prst="rect">
+            <a:avLst/>
+          </a:prstGeom>
+        </p:spPr>
+      </p:pic>
+      <p:pic>
+        <p:nvPicPr>
+          <p:cNvPr id="5" name="그림 4"/>
+          <p:cNvPicPr>
+            <a:picLocks noChangeAspect="1"/>
+          </p:cNvPicPr>
+          <p:nvPr/>
+        </p:nvPicPr>
+        <p:blipFill>
+          <a:blip r:embed="rId5"/>
+          <a:stretch>
+            <a:fillRect/>
+          </a:stretch>
+        </p:blipFill>
+        <p:spPr>
+          <a:xfrm>
+            <a:off x="3344374" y="4764111"/>
+            <a:ext cx="1227626" cy="799531"/>
+          </a:xfrm>
+          <a:prstGeom prst="rect">
+            <a:avLst/>
+          </a:prstGeom>
+        </p:spPr>
+      </p:pic>
+      <mc:AlternateContent xmlns:mc="http://schemas.openxmlformats.org/markup-compatibility/2006">
+        <mc:Choice xmlns:a14="http://schemas.microsoft.com/office/drawing/2010/main" Requires="a14">
+          <p:sp>
+            <p:nvSpPr>
+              <p:cNvPr id="6" name="TextBox 5"/>
+              <p:cNvSpPr txBox="1"/>
+              <p:nvPr/>
+            </p:nvSpPr>
+            <p:spPr>
+              <a:xfrm>
+                <a:off x="4866509" y="5025376"/>
+                <a:ext cx="1050672" cy="276999"/>
+              </a:xfrm>
+              <a:prstGeom prst="rect">
+                <a:avLst/>
+              </a:prstGeom>
+              <a:noFill/>
+            </p:spPr>
+            <p:txBody>
+              <a:bodyPr wrap="none" lIns="0" tIns="0" rIns="0" bIns="0" rtlCol="0">
+                <a:spAutoFit/>
+              </a:bodyPr>
+              <a:lstStyle/>
+              <a:p>
+                <a14:m>
+                  <m:oMathPara xmlns:m="http://schemas.openxmlformats.org/officeDocument/2006/math">
+                    <m:oMathParaPr>
+                      <m:jc m:val="centerGroup"/>
+                    </m:oMathParaPr>
+                    <m:oMath xmlns:m="http://schemas.openxmlformats.org/officeDocument/2006/math">
+                      <m:sSub>
+                        <m:sSubPr>
+                          <m:ctrlPr>
+                            <a:rPr lang="en-US" altLang="ko-KR" b="0" i="1" smtClean="0">
+                              <a:latin typeface="Cambria Math" panose="02040503050406030204" pitchFamily="18" charset="0"/>
+                            </a:rPr>
+                          </m:ctrlPr>
+                        </m:sSubPr>
+                        <m:e>
+                          <m:r>
+                            <a:rPr lang="en-US" altLang="ko-KR" b="0" i="1" smtClean="0">
+                              <a:latin typeface="Cambria Math" panose="02040503050406030204" pitchFamily="18" charset="0"/>
+                            </a:rPr>
+                            <m:t>𝜈</m:t>
+                          </m:r>
+                        </m:e>
+                        <m:sub>
+                          <m:r>
+                            <a:rPr lang="en-US" altLang="ko-KR" b="0" i="1" smtClean="0">
+                              <a:latin typeface="Cambria Math" panose="02040503050406030204" pitchFamily="18" charset="0"/>
+                            </a:rPr>
+                            <m:t>𝑐</m:t>
+                          </m:r>
+                        </m:sub>
+                      </m:sSub>
+                      <m:r>
+                        <a:rPr lang="en-US" altLang="ko-KR" b="0" i="1" smtClean="0">
+                          <a:latin typeface="Cambria Math" panose="02040503050406030204" pitchFamily="18" charset="0"/>
+                        </a:rPr>
+                        <m:t>=</m:t>
+                      </m:r>
+                      <m:r>
+                        <a:rPr lang="en-US" altLang="ko-KR" b="0" i="1" smtClean="0">
+                          <a:latin typeface="Cambria Math" panose="02040503050406030204" pitchFamily="18" charset="0"/>
+                        </a:rPr>
+                        <m:t>𝑐</m:t>
+                      </m:r>
+                      <m:r>
+                        <a:rPr lang="en-US" altLang="ko-KR" b="0" i="1" smtClean="0">
+                          <a:latin typeface="Cambria Math" panose="02040503050406030204" pitchFamily="18" charset="0"/>
+                        </a:rPr>
+                        <m:t>/2</m:t>
+                      </m:r>
+                      <m:r>
+                        <a:rPr lang="en-US" altLang="ko-KR" b="0" i="1" smtClean="0">
+                          <a:latin typeface="Cambria Math" panose="02040503050406030204" pitchFamily="18" charset="0"/>
+                        </a:rPr>
+                        <m:t>𝑎</m:t>
+                      </m:r>
+                    </m:oMath>
+                  </m:oMathPara>
+                </a14:m>
+                <a:endParaRPr lang="ko-KR" altLang="en-US" dirty="0"/>
+              </a:p>
+            </p:txBody>
+          </p:sp>
+        </mc:Choice>
+        <mc:Fallback>
+          <p:sp>
+            <p:nvSpPr>
+              <p:cNvPr id="6" name="TextBox 5"/>
+              <p:cNvSpPr txBox="1">
+                <a:spLocks noRot="1" noChangeAspect="1" noMove="1" noResize="1" noEditPoints="1" noAdjustHandles="1" noChangeArrowheads="1" noChangeShapeType="1" noTextEdit="1"/>
+              </p:cNvSpPr>
+              <p:nvPr/>
+            </p:nvSpPr>
+            <p:spPr>
+              <a:xfrm>
+                <a:off x="4866509" y="5025376"/>
+                <a:ext cx="1050672" cy="276999"/>
+              </a:xfrm>
+              <a:prstGeom prst="rect">
+                <a:avLst/>
+              </a:prstGeom>
+              <a:blipFill rotWithShape="0">
+                <a:blip r:embed="rId6"/>
+                <a:stretch>
+                  <a:fillRect l="-2890" t="-2174" r="-4624" b="-32609"/>
+                </a:stretch>
+              </a:blipFill>
+            </p:spPr>
+            <p:txBody>
+              <a:bodyPr/>
+              <a:lstStyle/>
+              <a:p>
+                <a:r>
+                  <a:rPr lang="ko-KR" altLang="en-US">
+                    <a:noFill/>
+                  </a:rPr>
+                  <a:t> </a:t>
+                </a:r>
+              </a:p>
+            </p:txBody>
+          </p:sp>
+        </mc:Fallback>
+      </mc:AlternateContent>
+      <p:sp>
+        <p:nvSpPr>
+          <p:cNvPr id="7" name="TextBox 6"/>
+          <p:cNvSpPr txBox="1"/>
+          <p:nvPr/>
+        </p:nvSpPr>
+        <p:spPr>
+          <a:xfrm>
+            <a:off x="5583115" y="3444004"/>
+            <a:ext cx="527539" cy="230832"/>
+          </a:xfrm>
+          <a:prstGeom prst="rect">
+            <a:avLst/>
+          </a:prstGeom>
+          <a:solidFill>
+            <a:schemeClr val="tx1"/>
+          </a:solidFill>
+        </p:spPr>
+        <p:txBody>
+          <a:bodyPr wrap="square" rtlCol="0">
+            <a:spAutoFit/>
+          </a:bodyPr>
+          <a:lstStyle/>
+          <a:p>
+            <a:r>
+              <a:rPr lang="en-US" altLang="ko-KR" sz="900" dirty="0" smtClean="0">
+                <a:solidFill>
+                  <a:schemeClr val="bg1"/>
+                </a:solidFill>
+              </a:rPr>
+              <a:t>150µm</a:t>
+            </a:r>
+            <a:endParaRPr lang="ko-KR" altLang="en-US" sz="900" dirty="0">
+              <a:solidFill>
+                <a:schemeClr val="bg1"/>
+              </a:solidFill>
+            </a:endParaRPr>
+          </a:p>
+        </p:txBody>
+      </p:sp>
+    </p:spTree>
+    <p:extLst>
+      <p:ext uri="{BB962C8B-B14F-4D97-AF65-F5344CB8AC3E}">
+        <p14:creationId xmlns:p14="http://schemas.microsoft.com/office/powerpoint/2010/main" val="1684457255"/>
       </p:ext>
     </p:extLst>
   </p:cSld>

--- a/Terahertz Metrology/Ch6/Terahertz Metrology_Ch6.pptx
+++ b/Terahertz Metrology/Ch6/Terahertz Metrology_Ch6.pptx
@@ -5,7 +5,7 @@
     <p:sldMasterId id="2147483660" r:id="rId1"/>
   </p:sldMasterIdLst>
   <p:notesMasterIdLst>
-    <p:notesMasterId r:id="rId18"/>
+    <p:notesMasterId r:id="rId19"/>
   </p:notesMasterIdLst>
   <p:sldIdLst>
     <p:sldId id="258" r:id="rId2"/>
@@ -20,10 +20,11 @@
     <p:sldId id="282" r:id="rId11"/>
     <p:sldId id="283" r:id="rId12"/>
     <p:sldId id="284" r:id="rId13"/>
-    <p:sldId id="285" r:id="rId14"/>
-    <p:sldId id="286" r:id="rId15"/>
-    <p:sldId id="287" r:id="rId16"/>
-    <p:sldId id="275" r:id="rId17"/>
+    <p:sldId id="288" r:id="rId14"/>
+    <p:sldId id="285" r:id="rId15"/>
+    <p:sldId id="286" r:id="rId16"/>
+    <p:sldId id="287" r:id="rId17"/>
+    <p:sldId id="275" r:id="rId18"/>
   </p:sldIdLst>
   <p:sldSz cx="9144000" cy="6858000" type="screen4x3"/>
   <p:notesSz cx="6735763" cy="9866313"/>
@@ -212,7 +213,7 @@
           <a:p>
             <a:fld id="{A9D6DECA-6E4E-4D09-9277-E151A2E3F74C}" type="datetimeFigureOut">
               <a:rPr lang="ko-KR" altLang="en-US" smtClean="0"/>
-              <a:t>2018-04-06</a:t>
+              <a:t>2018-04-08</a:t>
             </a:fld>
             <a:endParaRPr lang="ko-KR" altLang="en-US"/>
           </a:p>
@@ -890,7 +891,7 @@
     </p:spTree>
     <p:extLst>
       <p:ext uri="{BB962C8B-B14F-4D97-AF65-F5344CB8AC3E}">
-        <p14:creationId xmlns:p14="http://schemas.microsoft.com/office/powerpoint/2010/main" val="1313164571"/>
+        <p14:creationId xmlns:p14="http://schemas.microsoft.com/office/powerpoint/2010/main" val="1677746730"/>
       </p:ext>
     </p:extLst>
   </p:cSld>
@@ -974,7 +975,7 @@
     </p:spTree>
     <p:extLst>
       <p:ext uri="{BB962C8B-B14F-4D97-AF65-F5344CB8AC3E}">
-        <p14:creationId xmlns:p14="http://schemas.microsoft.com/office/powerpoint/2010/main" val="13874112"/>
+        <p14:creationId xmlns:p14="http://schemas.microsoft.com/office/powerpoint/2010/main" val="1313164571"/>
       </p:ext>
     </p:extLst>
   </p:cSld>
@@ -1058,7 +1059,7 @@
     </p:spTree>
     <p:extLst>
       <p:ext uri="{BB962C8B-B14F-4D97-AF65-F5344CB8AC3E}">
-        <p14:creationId xmlns:p14="http://schemas.microsoft.com/office/powerpoint/2010/main" val="2991191560"/>
+        <p14:creationId xmlns:p14="http://schemas.microsoft.com/office/powerpoint/2010/main" val="13874112"/>
       </p:ext>
     </p:extLst>
   </p:cSld>
@@ -1134,6 +1135,90 @@
             <a:fld id="{6D0ABE42-EEBB-47F0-BC6E-2BB25FA03CFE}" type="slidenum">
               <a:rPr lang="ko-KR" altLang="en-US" smtClean="0"/>
               <a:t>16</a:t>
+            </a:fld>
+            <a:endParaRPr lang="ko-KR" altLang="en-US"/>
+          </a:p>
+        </p:txBody>
+      </p:sp>
+    </p:spTree>
+    <p:extLst>
+      <p:ext uri="{BB962C8B-B14F-4D97-AF65-F5344CB8AC3E}">
+        <p14:creationId xmlns:p14="http://schemas.microsoft.com/office/powerpoint/2010/main" val="2991191560"/>
+      </p:ext>
+    </p:extLst>
+  </p:cSld>
+  <p:clrMapOvr>
+    <a:masterClrMapping/>
+  </p:clrMapOvr>
+</p:notes>
+</file>
+
+<file path=ppt/notesSlides/notesSlide17.xml><?xml version="1.0" encoding="utf-8"?>
+<p:notes xmlns:a="http://schemas.openxmlformats.org/drawingml/2006/main" xmlns:r="http://schemas.openxmlformats.org/officeDocument/2006/relationships" xmlns:p="http://schemas.openxmlformats.org/presentationml/2006/main">
+  <p:cSld>
+    <p:spTree>
+      <p:nvGrpSpPr>
+        <p:cNvPr id="1" name=""/>
+        <p:cNvGrpSpPr/>
+        <p:nvPr/>
+      </p:nvGrpSpPr>
+      <p:grpSpPr>
+        <a:xfrm>
+          <a:off x="0" y="0"/>
+          <a:ext cx="0" cy="0"/>
+          <a:chOff x="0" y="0"/>
+          <a:chExt cx="0" cy="0"/>
+        </a:xfrm>
+      </p:grpSpPr>
+      <p:sp>
+        <p:nvSpPr>
+          <p:cNvPr id="2" name="슬라이드 이미지 개체 틀 1"/>
+          <p:cNvSpPr>
+            <a:spLocks noGrp="1" noRot="1" noChangeAspect="1"/>
+          </p:cNvSpPr>
+          <p:nvPr>
+            <p:ph type="sldImg"/>
+          </p:nvPr>
+        </p:nvSpPr>
+        <p:spPr/>
+      </p:sp>
+      <p:sp>
+        <p:nvSpPr>
+          <p:cNvPr id="3" name="슬라이드 노트 개체 틀 2"/>
+          <p:cNvSpPr>
+            <a:spLocks noGrp="1"/>
+          </p:cNvSpPr>
+          <p:nvPr>
+            <p:ph type="body" idx="1"/>
+          </p:nvPr>
+        </p:nvSpPr>
+        <p:spPr/>
+        <p:txBody>
+          <a:bodyPr/>
+          <a:lstStyle/>
+          <a:p>
+            <a:endParaRPr lang="ko-KR" altLang="en-US"/>
+          </a:p>
+        </p:txBody>
+      </p:sp>
+      <p:sp>
+        <p:nvSpPr>
+          <p:cNvPr id="4" name="슬라이드 번호 개체 틀 3"/>
+          <p:cNvSpPr>
+            <a:spLocks noGrp="1"/>
+          </p:cNvSpPr>
+          <p:nvPr>
+            <p:ph type="sldNum" sz="quarter" idx="10"/>
+          </p:nvPr>
+        </p:nvSpPr>
+        <p:spPr/>
+        <p:txBody>
+          <a:bodyPr/>
+          <a:lstStyle/>
+          <a:p>
+            <a:fld id="{6D0ABE42-EEBB-47F0-BC6E-2BB25FA03CFE}" type="slidenum">
+              <a:rPr lang="ko-KR" altLang="en-US" smtClean="0"/>
+              <a:t>17</a:t>
             </a:fld>
             <a:endParaRPr lang="ko-KR" altLang="en-US"/>
           </a:p>
@@ -1955,7 +2040,7 @@
           <a:p>
             <a:fld id="{78E89258-A40F-4400-BA1A-638141289729}" type="datetime1">
               <a:rPr lang="ko-KR" altLang="en-US" smtClean="0"/>
-              <a:t>2018-04-06</a:t>
+              <a:t>2018-04-08</a:t>
             </a:fld>
             <a:endParaRPr lang="ko-KR" altLang="en-US"/>
           </a:p>
@@ -2132,7 +2217,7 @@
           <a:p>
             <a:fld id="{CD116CEF-802E-43F7-8932-78519DF2A264}" type="datetime1">
               <a:rPr lang="ko-KR" altLang="en-US" smtClean="0"/>
-              <a:t>2018-04-06</a:t>
+              <a:t>2018-04-08</a:t>
             </a:fld>
             <a:endParaRPr lang="ko-KR" altLang="en-US"/>
           </a:p>
@@ -2312,7 +2397,7 @@
           <a:p>
             <a:fld id="{EFD9D7C3-1982-427D-BFA7-1AF9687AAB0F}" type="datetime1">
               <a:rPr lang="ko-KR" altLang="en-US" smtClean="0"/>
-              <a:t>2018-04-06</a:t>
+              <a:t>2018-04-08</a:t>
             </a:fld>
             <a:endParaRPr lang="ko-KR" altLang="en-US"/>
           </a:p>
@@ -2482,7 +2567,7 @@
           <a:p>
             <a:fld id="{EDD93E7F-B437-40E5-8ACB-B79696783EFA}" type="datetime1">
               <a:rPr lang="ko-KR" altLang="en-US" smtClean="0"/>
-              <a:t>2018-04-06</a:t>
+              <a:t>2018-04-08</a:t>
             </a:fld>
             <a:endParaRPr lang="ko-KR" altLang="en-US"/>
           </a:p>
@@ -2726,7 +2811,7 @@
           <a:p>
             <a:fld id="{DB249950-0BD4-4F6E-BE3F-CB53B7E2FD06}" type="datetime1">
               <a:rPr lang="ko-KR" altLang="en-US" smtClean="0"/>
-              <a:t>2018-04-06</a:t>
+              <a:t>2018-04-08</a:t>
             </a:fld>
             <a:endParaRPr lang="ko-KR" altLang="en-US"/>
           </a:p>
@@ -2958,7 +3043,7 @@
           <a:p>
             <a:fld id="{7B016D7E-32C0-4DB3-B6B3-0506A62840FB}" type="datetime1">
               <a:rPr lang="ko-KR" altLang="en-US" smtClean="0"/>
-              <a:t>2018-04-06</a:t>
+              <a:t>2018-04-08</a:t>
             </a:fld>
             <a:endParaRPr lang="ko-KR" altLang="en-US"/>
           </a:p>
@@ -3325,7 +3410,7 @@
           <a:p>
             <a:fld id="{B246672D-B3FD-4B2E-92C0-4A80DA670927}" type="datetime1">
               <a:rPr lang="ko-KR" altLang="en-US" smtClean="0"/>
-              <a:t>2018-04-06</a:t>
+              <a:t>2018-04-08</a:t>
             </a:fld>
             <a:endParaRPr lang="ko-KR" altLang="en-US"/>
           </a:p>
@@ -3443,7 +3528,7 @@
           <a:p>
             <a:fld id="{9B9B7D2E-B202-4D7A-9519-0C490A04EB9C}" type="datetime1">
               <a:rPr lang="ko-KR" altLang="en-US" smtClean="0"/>
-              <a:t>2018-04-06</a:t>
+              <a:t>2018-04-08</a:t>
             </a:fld>
             <a:endParaRPr lang="ko-KR" altLang="en-US"/>
           </a:p>
@@ -3538,7 +3623,7 @@
           <a:p>
             <a:fld id="{12FB9327-987E-47D6-AE2D-63CED8A79494}" type="datetime1">
               <a:rPr lang="ko-KR" altLang="en-US" smtClean="0"/>
-              <a:t>2018-04-06</a:t>
+              <a:t>2018-04-08</a:t>
             </a:fld>
             <a:endParaRPr lang="ko-KR" altLang="en-US"/>
           </a:p>
@@ -3815,7 +3900,7 @@
           <a:p>
             <a:fld id="{D8D87011-7294-4632-A156-4F695AB9E41C}" type="datetime1">
               <a:rPr lang="ko-KR" altLang="en-US" smtClean="0"/>
-              <a:t>2018-04-06</a:t>
+              <a:t>2018-04-08</a:t>
             </a:fld>
             <a:endParaRPr lang="ko-KR" altLang="en-US"/>
           </a:p>
@@ -4072,7 +4157,7 @@
           <a:p>
             <a:fld id="{1BDC7FDB-72DE-4D65-AF4F-510496DAF70F}" type="datetime1">
               <a:rPr lang="ko-KR" altLang="en-US" smtClean="0"/>
-              <a:t>2018-04-06</a:t>
+              <a:t>2018-04-08</a:t>
             </a:fld>
             <a:endParaRPr lang="ko-KR" altLang="en-US"/>
           </a:p>
@@ -4285,7 +4370,7 @@
           <a:p>
             <a:fld id="{9A286DBF-DB43-470A-A903-26374CB6EF47}" type="datetime1">
               <a:rPr lang="ko-KR" altLang="en-US" smtClean="0"/>
-              <a:t>2018-04-06</a:t>
+              <a:t>2018-04-08</a:t>
             </a:fld>
             <a:endParaRPr lang="ko-KR" altLang="en-US"/>
           </a:p>
@@ -4884,7 +4969,7 @@
           <a:p>
             <a:fld id="{32C03489-23FC-4021-B9AB-958EFB3C0FE7}" type="datetime1">
               <a:rPr lang="ko-KR" altLang="en-US" smtClean="0"/>
-              <a:t>2018-04-06</a:t>
+              <a:t>2018-04-08</a:t>
             </a:fld>
             <a:endParaRPr lang="ko-KR" altLang="en-US"/>
           </a:p>
@@ -5009,12 +5094,6 @@
               </a:rPr>
               <a:t>2.4 Etalons</a:t>
             </a:r>
-            <a:endParaRPr lang="en-US" altLang="ko-KR" sz="2800" dirty="0" smtClean="0">
-              <a:solidFill>
-                <a:schemeClr val="bg1"/>
-              </a:solidFill>
-              <a:latin typeface="Arial" panose="020B0604020202020204" pitchFamily="34" charset="0"/>
-            </a:endParaRPr>
           </a:p>
         </p:txBody>
       </p:sp>
@@ -5035,7 +5114,7 @@
           <a:p>
             <a:fld id="{53646E5C-8775-44A9-9523-40B6CCA06789}" type="datetime1">
               <a:rPr lang="ko-KR" altLang="en-US" smtClean="0"/>
-              <a:t>2018-04-06</a:t>
+              <a:t>2018-04-08</a:t>
             </a:fld>
             <a:endParaRPr lang="ko-KR" altLang="en-US"/>
           </a:p>
@@ -5090,7 +5169,6 @@
               <a:rPr lang="en-US" altLang="ko-KR" sz="2000" dirty="0" smtClean="0"/>
               <a:t>The simplest method of checking the frequency scale of a terahertz spectrometer is to record the frequencies of the peaks and troughs in the transmission spectrum of the etalon and to compare them.</a:t>
             </a:r>
-            <a:endParaRPr lang="en-US" altLang="ko-KR" sz="2000" dirty="0" smtClean="0"/>
           </a:p>
         </p:txBody>
       </p:sp>
@@ -5214,12 +5292,6 @@
               </a:rPr>
               <a:t>2.5 Summary of Frequency Calibration Standards</a:t>
             </a:r>
-            <a:endParaRPr lang="en-US" altLang="ko-KR" sz="2800" dirty="0" smtClean="0">
-              <a:solidFill>
-                <a:schemeClr val="bg1"/>
-              </a:solidFill>
-              <a:latin typeface="Arial" panose="020B0604020202020204" pitchFamily="34" charset="0"/>
-            </a:endParaRPr>
           </a:p>
         </p:txBody>
       </p:sp>
@@ -5240,7 +5312,7 @@
           <a:p>
             <a:fld id="{53646E5C-8775-44A9-9523-40B6CCA06789}" type="datetime1">
               <a:rPr lang="ko-KR" altLang="en-US" smtClean="0"/>
-              <a:t>2018-04-06</a:t>
+              <a:t>2018-04-08</a:t>
             </a:fld>
             <a:endParaRPr lang="ko-KR" altLang="en-US"/>
           </a:p>
@@ -5461,7 +5533,7 @@
           <a:p>
             <a:fld id="{F85A177F-6FD3-496B-8A9C-B332CA04E863}" type="datetime1">
               <a:rPr lang="ko-KR" altLang="en-US" smtClean="0"/>
-              <a:t>2018-04-06</a:t>
+              <a:t>2018-04-08</a:t>
             </a:fld>
             <a:endParaRPr lang="ko-KR" altLang="en-US"/>
           </a:p>
@@ -5586,12 +5658,6 @@
               </a:rPr>
               <a:t>3. Amplitude Linearity Calibration</a:t>
             </a:r>
-            <a:endParaRPr lang="en-US" altLang="ko-KR" sz="2800" dirty="0" smtClean="0">
-              <a:solidFill>
-                <a:schemeClr val="bg1"/>
-              </a:solidFill>
-              <a:latin typeface="Arial" panose="020B0604020202020204" pitchFamily="34" charset="0"/>
-            </a:endParaRPr>
           </a:p>
         </p:txBody>
       </p:sp>
@@ -5612,7 +5678,7 @@
           <a:p>
             <a:fld id="{53646E5C-8775-44A9-9523-40B6CCA06789}" type="datetime1">
               <a:rPr lang="ko-KR" altLang="en-US" smtClean="0"/>
-              <a:t>2018-04-06</a:t>
+              <a:t>2018-04-08</a:t>
             </a:fld>
             <a:endParaRPr lang="ko-KR" altLang="en-US"/>
           </a:p>
@@ -5665,16 +5731,516 @@
           <a:p>
             <a:r>
               <a:rPr lang="en-US" altLang="ko-KR" sz="2000" dirty="0" smtClean="0"/>
-              <a:t>For the purpose of frequency calibration, a solid material must have strong and narrow absorption lines.</a:t>
+              <a:t>The analysis and interpretation of terahertz data assumes that the amplitude response of a terahertz system is linear.</a:t>
             </a:r>
             <a:endParaRPr lang="en-US" altLang="ko-KR" sz="2000" dirty="0" smtClean="0"/>
           </a:p>
         </p:txBody>
       </p:sp>
+      <mc:AlternateContent xmlns:mc="http://schemas.openxmlformats.org/markup-compatibility/2006">
+        <mc:Choice xmlns:a14="http://schemas.microsoft.com/office/drawing/2010/main" Requires="a14">
+          <p:sp>
+            <p:nvSpPr>
+              <p:cNvPr id="4" name="TextBox 3"/>
+              <p:cNvSpPr txBox="1"/>
+              <p:nvPr/>
+            </p:nvSpPr>
+            <p:spPr>
+              <a:xfrm>
+                <a:off x="6533555" y="1957839"/>
+                <a:ext cx="1535036" cy="565604"/>
+              </a:xfrm>
+              <a:prstGeom prst="rect">
+                <a:avLst/>
+              </a:prstGeom>
+              <a:noFill/>
+            </p:spPr>
+            <p:txBody>
+              <a:bodyPr wrap="none" lIns="0" tIns="0" rIns="0" bIns="0" rtlCol="0">
+                <a:spAutoFit/>
+              </a:bodyPr>
+              <a:lstStyle/>
+              <a:p>
+                <a14:m>
+                  <m:oMathPara xmlns:m="http://schemas.openxmlformats.org/officeDocument/2006/math">
+                    <m:oMathParaPr>
+                      <m:jc m:val="centerGroup"/>
+                    </m:oMathParaPr>
+                    <m:oMath xmlns:m="http://schemas.openxmlformats.org/officeDocument/2006/math">
+                      <m:r>
+                        <a:rPr lang="en-US" altLang="ko-KR" b="0" i="1" smtClean="0">
+                          <a:latin typeface="Cambria Math" panose="02040503050406030204" pitchFamily="18" charset="0"/>
+                        </a:rPr>
+                        <m:t>𝑇</m:t>
+                      </m:r>
+                      <m:r>
+                        <a:rPr lang="en-US" altLang="ko-KR" b="0" i="1" smtClean="0">
+                          <a:latin typeface="Cambria Math" panose="02040503050406030204" pitchFamily="18" charset="0"/>
+                        </a:rPr>
+                        <m:t>=</m:t>
+                      </m:r>
+                      <m:f>
+                        <m:fPr>
+                          <m:ctrlPr>
+                            <a:rPr lang="en-US" altLang="ko-KR" b="0" i="1" smtClean="0">
+                              <a:latin typeface="Cambria Math" panose="02040503050406030204" pitchFamily="18" charset="0"/>
+                            </a:rPr>
+                          </m:ctrlPr>
+                        </m:fPr>
+                        <m:num>
+                          <m:r>
+                            <a:rPr lang="en-US" altLang="ko-KR" b="0" i="1" smtClean="0">
+                              <a:latin typeface="Cambria Math" panose="02040503050406030204" pitchFamily="18" charset="0"/>
+                            </a:rPr>
+                            <m:t>𝐸</m:t>
+                          </m:r>
+                        </m:num>
+                        <m:den>
+                          <m:sSub>
+                            <m:sSubPr>
+                              <m:ctrlPr>
+                                <a:rPr lang="en-US" altLang="ko-KR" b="0" i="1" smtClean="0">
+                                  <a:latin typeface="Cambria Math" panose="02040503050406030204" pitchFamily="18" charset="0"/>
+                                </a:rPr>
+                              </m:ctrlPr>
+                            </m:sSubPr>
+                            <m:e>
+                              <m:r>
+                                <a:rPr lang="en-US" altLang="ko-KR" b="0" i="1" smtClean="0">
+                                  <a:latin typeface="Cambria Math" panose="02040503050406030204" pitchFamily="18" charset="0"/>
+                                </a:rPr>
+                                <m:t>𝐸</m:t>
+                              </m:r>
+                            </m:e>
+                            <m:sub>
+                              <m:r>
+                                <a:rPr lang="en-US" altLang="ko-KR" b="0" i="1" smtClean="0">
+                                  <a:latin typeface="Cambria Math" panose="02040503050406030204" pitchFamily="18" charset="0"/>
+                                </a:rPr>
+                                <m:t>0</m:t>
+                              </m:r>
+                            </m:sub>
+                          </m:sSub>
+                        </m:den>
+                      </m:f>
+                      <m:r>
+                        <a:rPr lang="en-US" altLang="ko-KR" b="0" i="1" smtClean="0">
+                          <a:latin typeface="Cambria Math" panose="02040503050406030204" pitchFamily="18" charset="0"/>
+                        </a:rPr>
+                        <m:t>=</m:t>
+                      </m:r>
+                      <m:func>
+                        <m:funcPr>
+                          <m:ctrlPr>
+                            <a:rPr lang="en-US" altLang="ko-KR" b="0" i="1" smtClean="0">
+                              <a:latin typeface="Cambria Math" panose="02040503050406030204" pitchFamily="18" charset="0"/>
+                            </a:rPr>
+                          </m:ctrlPr>
+                        </m:funcPr>
+                        <m:fName>
+                          <m:r>
+                            <m:rPr>
+                              <m:sty m:val="p"/>
+                            </m:rPr>
+                            <a:rPr lang="en-US" altLang="ko-KR" b="0" i="0" smtClean="0">
+                              <a:latin typeface="Cambria Math" panose="02040503050406030204" pitchFamily="18" charset="0"/>
+                            </a:rPr>
+                            <m:t>cos</m:t>
+                          </m:r>
+                        </m:fName>
+                        <m:e>
+                          <m:r>
+                            <a:rPr lang="en-US" altLang="ko-KR" b="0" i="1" smtClean="0">
+                              <a:latin typeface="Cambria Math" panose="02040503050406030204" pitchFamily="18" charset="0"/>
+                            </a:rPr>
+                            <m:t>𝜃</m:t>
+                          </m:r>
+                        </m:e>
+                      </m:func>
+                    </m:oMath>
+                  </m:oMathPara>
+                </a14:m>
+                <a:endParaRPr lang="ko-KR" altLang="en-US" dirty="0"/>
+              </a:p>
+            </p:txBody>
+          </p:sp>
+        </mc:Choice>
+        <mc:Fallback>
+          <p:sp>
+            <p:nvSpPr>
+              <p:cNvPr id="4" name="TextBox 3"/>
+              <p:cNvSpPr txBox="1">
+                <a:spLocks noRot="1" noChangeAspect="1" noMove="1" noResize="1" noEditPoints="1" noAdjustHandles="1" noChangeArrowheads="1" noChangeShapeType="1" noTextEdit="1"/>
+              </p:cNvSpPr>
+              <p:nvPr/>
+            </p:nvSpPr>
+            <p:spPr>
+              <a:xfrm>
+                <a:off x="6533555" y="1957839"/>
+                <a:ext cx="1535036" cy="565604"/>
+              </a:xfrm>
+              <a:prstGeom prst="rect">
+                <a:avLst/>
+              </a:prstGeom>
+              <a:blipFill>
+                <a:blip r:embed="rId3"/>
+                <a:stretch>
+                  <a:fillRect/>
+                </a:stretch>
+              </a:blipFill>
+            </p:spPr>
+            <p:txBody>
+              <a:bodyPr/>
+              <a:lstStyle/>
+              <a:p>
+                <a:r>
+                  <a:rPr lang="ko-KR" altLang="en-US">
+                    <a:noFill/>
+                  </a:rPr>
+                  <a:t> </a:t>
+                </a:r>
+              </a:p>
+            </p:txBody>
+          </p:sp>
+        </mc:Fallback>
+      </mc:AlternateContent>
+      <p:pic>
+        <p:nvPicPr>
+          <p:cNvPr id="5" name="그림 4"/>
+          <p:cNvPicPr>
+            <a:picLocks noChangeAspect="1"/>
+          </p:cNvPicPr>
+          <p:nvPr/>
+        </p:nvPicPr>
+        <p:blipFill>
+          <a:blip r:embed="rId4"/>
+          <a:stretch>
+            <a:fillRect/>
+          </a:stretch>
+        </p:blipFill>
+        <p:spPr>
+          <a:xfrm>
+            <a:off x="2407920" y="1763723"/>
+            <a:ext cx="3519926" cy="2474219"/>
+          </a:xfrm>
+          <a:prstGeom prst="rect">
+            <a:avLst/>
+          </a:prstGeom>
+        </p:spPr>
+      </p:pic>
+      <mc:AlternateContent xmlns:mc="http://schemas.openxmlformats.org/markup-compatibility/2006">
+        <mc:Choice xmlns:a14="http://schemas.microsoft.com/office/drawing/2010/main" Requires="a14">
+          <p:sp>
+            <p:nvSpPr>
+              <p:cNvPr id="6" name="TextBox 5"/>
+              <p:cNvSpPr txBox="1"/>
+              <p:nvPr/>
+            </p:nvSpPr>
+            <p:spPr>
+              <a:xfrm>
+                <a:off x="6595303" y="2723833"/>
+                <a:ext cx="1411540" cy="276999"/>
+              </a:xfrm>
+              <a:prstGeom prst="rect">
+                <a:avLst/>
+              </a:prstGeom>
+              <a:noFill/>
+            </p:spPr>
+            <p:txBody>
+              <a:bodyPr wrap="none" lIns="0" tIns="0" rIns="0" bIns="0" rtlCol="0">
+                <a:spAutoFit/>
+              </a:bodyPr>
+              <a:lstStyle/>
+              <a:p>
+                <a14:m>
+                  <m:oMathPara xmlns:m="http://schemas.openxmlformats.org/officeDocument/2006/math">
+                    <m:oMathParaPr>
+                      <m:jc m:val="centerGroup"/>
+                    </m:oMathParaPr>
+                    <m:oMath xmlns:m="http://schemas.openxmlformats.org/officeDocument/2006/math">
+                      <m:r>
+                        <a:rPr lang="ko-KR" altLang="en-US" i="1" smtClean="0">
+                          <a:latin typeface="Cambria Math" panose="02040503050406030204" pitchFamily="18" charset="0"/>
+                        </a:rPr>
+                        <m:t>∆</m:t>
+                      </m:r>
+                      <m:r>
+                        <a:rPr lang="en-US" altLang="ko-KR" b="0" i="1" smtClean="0">
+                          <a:latin typeface="Cambria Math" panose="02040503050406030204" pitchFamily="18" charset="0"/>
+                        </a:rPr>
+                        <m:t>𝑇</m:t>
+                      </m:r>
+                      <m:r>
+                        <a:rPr lang="en-US" altLang="ko-KR" b="0" i="1" smtClean="0">
+                          <a:latin typeface="Cambria Math" panose="02040503050406030204" pitchFamily="18" charset="0"/>
+                          <a:ea typeface="Cambria Math" panose="02040503050406030204" pitchFamily="18" charset="0"/>
+                        </a:rPr>
+                        <m:t>≈∆</m:t>
+                      </m:r>
+                      <m:r>
+                        <a:rPr lang="en-US" altLang="ko-KR" b="0" i="1" smtClean="0">
+                          <a:latin typeface="Cambria Math" panose="02040503050406030204" pitchFamily="18" charset="0"/>
+                          <a:ea typeface="Cambria Math" panose="02040503050406030204" pitchFamily="18" charset="0"/>
+                        </a:rPr>
+                        <m:t>𝜃</m:t>
+                      </m:r>
+                      <m:func>
+                        <m:funcPr>
+                          <m:ctrlPr>
+                            <a:rPr lang="en-US" altLang="ko-KR" b="0" i="1" smtClean="0">
+                              <a:latin typeface="Cambria Math" panose="02040503050406030204" pitchFamily="18" charset="0"/>
+                              <a:ea typeface="Cambria Math" panose="02040503050406030204" pitchFamily="18" charset="0"/>
+                            </a:rPr>
+                          </m:ctrlPr>
+                        </m:funcPr>
+                        <m:fName>
+                          <m:r>
+                            <m:rPr>
+                              <m:sty m:val="p"/>
+                            </m:rPr>
+                            <a:rPr lang="en-US" altLang="ko-KR" b="0" i="0" smtClean="0">
+                              <a:latin typeface="Cambria Math" panose="02040503050406030204" pitchFamily="18" charset="0"/>
+                              <a:ea typeface="Cambria Math" panose="02040503050406030204" pitchFamily="18" charset="0"/>
+                            </a:rPr>
+                            <m:t>sin</m:t>
+                          </m:r>
+                        </m:fName>
+                        <m:e>
+                          <m:r>
+                            <a:rPr lang="en-US" altLang="ko-KR" b="0" i="1" smtClean="0">
+                              <a:latin typeface="Cambria Math" panose="02040503050406030204" pitchFamily="18" charset="0"/>
+                              <a:ea typeface="Cambria Math" panose="02040503050406030204" pitchFamily="18" charset="0"/>
+                            </a:rPr>
+                            <m:t>𝜃</m:t>
+                          </m:r>
+                        </m:e>
+                      </m:func>
+                    </m:oMath>
+                  </m:oMathPara>
+                </a14:m>
+                <a:endParaRPr lang="ko-KR" altLang="en-US" dirty="0"/>
+              </a:p>
+            </p:txBody>
+          </p:sp>
+        </mc:Choice>
+        <mc:Fallback>
+          <p:sp>
+            <p:nvSpPr>
+              <p:cNvPr id="6" name="TextBox 5"/>
+              <p:cNvSpPr txBox="1">
+                <a:spLocks noRot="1" noChangeAspect="1" noMove="1" noResize="1" noEditPoints="1" noAdjustHandles="1" noChangeArrowheads="1" noChangeShapeType="1" noTextEdit="1"/>
+              </p:cNvSpPr>
+              <p:nvPr/>
+            </p:nvSpPr>
+            <p:spPr>
+              <a:xfrm>
+                <a:off x="6595303" y="2723833"/>
+                <a:ext cx="1411540" cy="276999"/>
+              </a:xfrm>
+              <a:prstGeom prst="rect">
+                <a:avLst/>
+              </a:prstGeom>
+              <a:blipFill>
+                <a:blip r:embed="rId5"/>
+                <a:stretch>
+                  <a:fillRect l="-3896" r="-3030" b="-6667"/>
+                </a:stretch>
+              </a:blipFill>
+            </p:spPr>
+            <p:txBody>
+              <a:bodyPr/>
+              <a:lstStyle/>
+              <a:p>
+                <a:r>
+                  <a:rPr lang="ko-KR" altLang="en-US">
+                    <a:noFill/>
+                  </a:rPr>
+                  <a:t> </a:t>
+                </a:r>
+              </a:p>
+            </p:txBody>
+          </p:sp>
+        </mc:Fallback>
+      </mc:AlternateContent>
+      <mc:AlternateContent xmlns:mc="http://schemas.openxmlformats.org/markup-compatibility/2006">
+        <mc:Choice xmlns:a14="http://schemas.microsoft.com/office/drawing/2010/main" Requires="a14">
+          <p:sp>
+            <p:nvSpPr>
+              <p:cNvPr id="7" name="TextBox 6"/>
+              <p:cNvSpPr txBox="1"/>
+              <p:nvPr/>
+            </p:nvSpPr>
+            <p:spPr>
+              <a:xfrm>
+                <a:off x="6564846" y="3201222"/>
+                <a:ext cx="1441997" cy="520463"/>
+              </a:xfrm>
+              <a:prstGeom prst="rect">
+                <a:avLst/>
+              </a:prstGeom>
+              <a:noFill/>
+            </p:spPr>
+            <p:txBody>
+              <a:bodyPr wrap="none" lIns="0" tIns="0" rIns="0" bIns="0" rtlCol="0">
+                <a:spAutoFit/>
+              </a:bodyPr>
+              <a:lstStyle/>
+              <a:p>
+                <a14:m>
+                  <m:oMathPara xmlns:m="http://schemas.openxmlformats.org/officeDocument/2006/math">
+                    <m:oMathParaPr>
+                      <m:jc m:val="centerGroup"/>
+                    </m:oMathParaPr>
+                    <m:oMath xmlns:m="http://schemas.openxmlformats.org/officeDocument/2006/math">
+                      <m:r>
+                        <a:rPr lang="ko-KR" altLang="en-US" i="1" smtClean="0">
+                          <a:latin typeface="Cambria Math" panose="02040503050406030204" pitchFamily="18" charset="0"/>
+                        </a:rPr>
+                        <m:t>∆</m:t>
+                      </m:r>
+                      <m:r>
+                        <a:rPr lang="en-US" altLang="ko-KR" b="0" i="1" smtClean="0">
+                          <a:latin typeface="Cambria Math" panose="02040503050406030204" pitchFamily="18" charset="0"/>
+                        </a:rPr>
+                        <m:t>𝜃</m:t>
+                      </m:r>
+                      <m:r>
+                        <a:rPr lang="en-US" altLang="ko-KR" b="0" i="1" smtClean="0">
+                          <a:latin typeface="Cambria Math" panose="02040503050406030204" pitchFamily="18" charset="0"/>
+                        </a:rPr>
+                        <m:t>=</m:t>
+                      </m:r>
+                      <m:f>
+                        <m:fPr>
+                          <m:ctrlPr>
+                            <a:rPr lang="en-US" altLang="ko-KR" b="0" i="1" smtClean="0">
+                              <a:latin typeface="Cambria Math" panose="02040503050406030204" pitchFamily="18" charset="0"/>
+                            </a:rPr>
+                          </m:ctrlPr>
+                        </m:fPr>
+                        <m:num>
+                          <m:r>
+                            <a:rPr lang="en-US" altLang="ko-KR" i="1">
+                              <a:latin typeface="Cambria Math" panose="02040503050406030204" pitchFamily="18" charset="0"/>
+                              <a:ea typeface="Cambria Math" panose="02040503050406030204" pitchFamily="18" charset="0"/>
+                            </a:rPr>
+                            <m:t>∆</m:t>
+                          </m:r>
+                          <m:r>
+                            <a:rPr lang="en-US" altLang="ko-KR" b="0" i="1" smtClean="0">
+                              <a:latin typeface="Cambria Math" panose="02040503050406030204" pitchFamily="18" charset="0"/>
+                              <a:ea typeface="Cambria Math" panose="02040503050406030204" pitchFamily="18" charset="0"/>
+                            </a:rPr>
+                            <m:t>𝑇</m:t>
+                          </m:r>
+                        </m:num>
+                        <m:den>
+                          <m:r>
+                            <a:rPr lang="en-US" altLang="ko-KR" b="0" i="1" smtClean="0">
+                              <a:latin typeface="Cambria Math" panose="02040503050406030204" pitchFamily="18" charset="0"/>
+                            </a:rPr>
+                            <m:t>𝑇</m:t>
+                          </m:r>
+                        </m:den>
+                      </m:f>
+                      <m:f>
+                        <m:fPr>
+                          <m:ctrlPr>
+                            <a:rPr lang="en-US" altLang="ko-KR" b="0" i="1" smtClean="0">
+                              <a:latin typeface="Cambria Math" panose="02040503050406030204" pitchFamily="18" charset="0"/>
+                            </a:rPr>
+                          </m:ctrlPr>
+                        </m:fPr>
+                        <m:num>
+                          <m:r>
+                            <a:rPr lang="en-US" altLang="ko-KR" b="0" i="1" smtClean="0">
+                              <a:latin typeface="Cambria Math" panose="02040503050406030204" pitchFamily="18" charset="0"/>
+                            </a:rPr>
+                            <m:t>1</m:t>
+                          </m:r>
+                        </m:num>
+                        <m:den>
+                          <m:func>
+                            <m:funcPr>
+                              <m:ctrlPr>
+                                <a:rPr lang="en-US" altLang="ko-KR" b="0" i="1" smtClean="0">
+                                  <a:latin typeface="Cambria Math" panose="02040503050406030204" pitchFamily="18" charset="0"/>
+                                </a:rPr>
+                              </m:ctrlPr>
+                            </m:funcPr>
+                            <m:fName>
+                              <m:r>
+                                <m:rPr>
+                                  <m:sty m:val="p"/>
+                                </m:rPr>
+                                <a:rPr lang="en-US" altLang="ko-KR" b="0" i="0" smtClean="0">
+                                  <a:latin typeface="Cambria Math" panose="02040503050406030204" pitchFamily="18" charset="0"/>
+                                </a:rPr>
+                                <m:t>tan</m:t>
+                              </m:r>
+                            </m:fName>
+                            <m:e>
+                              <m:r>
+                                <a:rPr lang="en-US" altLang="ko-KR" b="0" i="1" smtClean="0">
+                                  <a:latin typeface="Cambria Math" panose="02040503050406030204" pitchFamily="18" charset="0"/>
+                                </a:rPr>
+                                <m:t>𝜃</m:t>
+                              </m:r>
+                            </m:e>
+                          </m:func>
+                        </m:den>
+                      </m:f>
+                    </m:oMath>
+                  </m:oMathPara>
+                </a14:m>
+                <a:endParaRPr lang="ko-KR" altLang="en-US" dirty="0"/>
+              </a:p>
+            </p:txBody>
+          </p:sp>
+        </mc:Choice>
+        <mc:Fallback>
+          <p:sp>
+            <p:nvSpPr>
+              <p:cNvPr id="7" name="TextBox 6"/>
+              <p:cNvSpPr txBox="1">
+                <a:spLocks noRot="1" noChangeAspect="1" noMove="1" noResize="1" noEditPoints="1" noAdjustHandles="1" noChangeArrowheads="1" noChangeShapeType="1" noTextEdit="1"/>
+              </p:cNvSpPr>
+              <p:nvPr/>
+            </p:nvSpPr>
+            <p:spPr>
+              <a:xfrm>
+                <a:off x="6564846" y="3201222"/>
+                <a:ext cx="1441997" cy="520463"/>
+              </a:xfrm>
+              <a:prstGeom prst="rect">
+                <a:avLst/>
+              </a:prstGeom>
+              <a:blipFill>
+                <a:blip r:embed="rId6"/>
+                <a:stretch>
+                  <a:fillRect/>
+                </a:stretch>
+              </a:blipFill>
+            </p:spPr>
+            <p:txBody>
+              <a:bodyPr/>
+              <a:lstStyle/>
+              <a:p>
+                <a:r>
+                  <a:rPr lang="ko-KR" altLang="en-US">
+                    <a:noFill/>
+                  </a:rPr>
+                  <a:t> </a:t>
+                </a:r>
+              </a:p>
+            </p:txBody>
+          </p:sp>
+        </mc:Fallback>
+      </mc:AlternateContent>
     </p:spTree>
     <p:extLst>
       <p:ext uri="{BB962C8B-B14F-4D97-AF65-F5344CB8AC3E}">
-        <p14:creationId xmlns:p14="http://schemas.microsoft.com/office/powerpoint/2010/main" val="2048375388"/>
+        <p14:creationId xmlns:p14="http://schemas.microsoft.com/office/powerpoint/2010/main" val="1584911976"/>
       </p:ext>
     </p:extLst>
   </p:cSld>
@@ -5758,120 +6324,322 @@
           <a:lstStyle/>
           <a:p>
             <a:pPr algn="ctr"/>
-            <a:endParaRPr lang="en-US" altLang="ko-KR" sz="2800" dirty="0">
-              <a:solidFill>
-                <a:schemeClr val="bg1"/>
-              </a:solidFill>
-              <a:latin typeface="Arial" panose="020B0604020202020204" pitchFamily="34" charset="0"/>
-            </a:endParaRPr>
-          </a:p>
-        </p:txBody>
-      </p:sp>
-      <p:sp>
-        <p:nvSpPr>
-          <p:cNvPr id="2" name="직사각형 1"/>
-          <p:cNvSpPr/>
+            <a:r>
+              <a:rPr lang="en-US" altLang="ko-KR" sz="2800" dirty="0" smtClean="0">
+                <a:solidFill>
+                  <a:schemeClr val="bg1"/>
+                </a:solidFill>
+                <a:latin typeface="Arial" panose="020B0604020202020204" pitchFamily="34" charset="0"/>
+              </a:rPr>
+              <a:t>3. Amplitude Linearity Calibration</a:t>
+            </a:r>
+          </a:p>
+        </p:txBody>
+      </p:sp>
+      <p:sp>
+        <p:nvSpPr>
+          <p:cNvPr id="2" name="날짜 개체 틀 1"/>
+          <p:cNvSpPr>
+            <a:spLocks noGrp="1"/>
+          </p:cNvSpPr>
+          <p:nvPr>
+            <p:ph type="dt" sz="half" idx="10"/>
+          </p:nvPr>
+        </p:nvSpPr>
+        <p:spPr/>
+        <p:txBody>
+          <a:bodyPr/>
+          <a:lstStyle/>
+          <a:p>
+            <a:fld id="{53646E5C-8775-44A9-9523-40B6CCA06789}" type="datetime1">
+              <a:rPr lang="ko-KR" altLang="en-US" smtClean="0"/>
+              <a:t>2018-04-08</a:t>
+            </a:fld>
+            <a:endParaRPr lang="ko-KR" altLang="en-US"/>
+          </a:p>
+        </p:txBody>
+      </p:sp>
+      <p:sp>
+        <p:nvSpPr>
+          <p:cNvPr id="15" name="슬라이드 번호 개체 틀 14"/>
+          <p:cNvSpPr>
+            <a:spLocks noGrp="1"/>
+          </p:cNvSpPr>
+          <p:nvPr>
+            <p:ph type="sldNum" sz="quarter" idx="12"/>
+          </p:nvPr>
+        </p:nvSpPr>
+        <p:spPr/>
+        <p:txBody>
+          <a:bodyPr/>
+          <a:lstStyle/>
+          <a:p>
+            <a:fld id="{8765F8EB-1186-4395-8E70-F957669279DD}" type="slidenum">
+              <a:rPr lang="ko-KR" altLang="en-US" smtClean="0"/>
+              <a:t>14</a:t>
+            </a:fld>
+            <a:endParaRPr lang="ko-KR" altLang="en-US"/>
+          </a:p>
+        </p:txBody>
+      </p:sp>
+      <p:sp>
+        <p:nvSpPr>
+          <p:cNvPr id="18" name="TextBox 17"/>
+          <p:cNvSpPr txBox="1"/>
           <p:nvPr/>
         </p:nvSpPr>
         <p:spPr>
           <a:xfrm>
-            <a:off x="1286256" y="2004529"/>
-            <a:ext cx="6571488" cy="2848942"/>
+            <a:off x="720969" y="914202"/>
+            <a:ext cx="7794381" cy="707886"/>
           </a:xfrm>
           <a:prstGeom prst="rect">
             <a:avLst/>
           </a:prstGeom>
           <a:noFill/>
-          <a:ln w="38100">
-            <a:solidFill>
-              <a:srgbClr val="3333FF"/>
-            </a:solidFill>
-          </a:ln>
         </p:spPr>
-        <p:style>
-          <a:lnRef idx="2">
-            <a:schemeClr val="accent1">
-              <a:shade val="50000"/>
-            </a:schemeClr>
-          </a:lnRef>
-          <a:fillRef idx="1">
-            <a:schemeClr val="accent1"/>
-          </a:fillRef>
-          <a:effectRef idx="0">
-            <a:schemeClr val="accent1"/>
-          </a:effectRef>
-          <a:fontRef idx="minor">
-            <a:schemeClr val="lt1"/>
-          </a:fontRef>
-        </p:style>
-        <p:txBody>
-          <a:bodyPr rtlCol="0" anchor="ctr"/>
-          <a:lstStyle/>
-          <a:p>
-            <a:pPr algn="ctr"/>
-            <a:r>
-              <a:rPr lang="en-US" altLang="ko-KR" sz="3600" dirty="0" smtClean="0">
-                <a:solidFill>
-                  <a:srgbClr val="3333FF"/>
-                </a:solidFill>
-                <a:latin typeface="Arial" panose="020B0604020202020204" pitchFamily="34" charset="0"/>
-              </a:rPr>
-              <a:t>Reflection Standards</a:t>
-            </a:r>
-            <a:endParaRPr lang="ko-KR" altLang="en-US" sz="3600" dirty="0"/>
-          </a:p>
-        </p:txBody>
-      </p:sp>
-      <p:sp>
-        <p:nvSpPr>
-          <p:cNvPr id="3" name="날짜 개체 틀 2"/>
-          <p:cNvSpPr>
-            <a:spLocks noGrp="1"/>
-          </p:cNvSpPr>
-          <p:nvPr>
-            <p:ph type="dt" sz="half" idx="10"/>
-          </p:nvPr>
-        </p:nvSpPr>
-        <p:spPr/>
-        <p:txBody>
-          <a:bodyPr/>
-          <a:lstStyle/>
-          <a:p>
-            <a:fld id="{F85A177F-6FD3-496B-8A9C-B332CA04E863}" type="datetime1">
-              <a:rPr lang="ko-KR" altLang="en-US" smtClean="0"/>
-              <a:t>2018-04-06</a:t>
-            </a:fld>
-            <a:endParaRPr lang="ko-KR" altLang="en-US"/>
-          </a:p>
-        </p:txBody>
-      </p:sp>
-      <p:sp>
-        <p:nvSpPr>
-          <p:cNvPr id="4" name="슬라이드 번호 개체 틀 3"/>
-          <p:cNvSpPr>
-            <a:spLocks noGrp="1"/>
-          </p:cNvSpPr>
-          <p:nvPr>
-            <p:ph type="sldNum" sz="quarter" idx="12"/>
-          </p:nvPr>
-        </p:nvSpPr>
-        <p:spPr/>
-        <p:txBody>
-          <a:bodyPr/>
-          <a:lstStyle/>
-          <a:p>
-            <a:fld id="{8765F8EB-1186-4395-8E70-F957669279DD}" type="slidenum">
-              <a:rPr lang="ko-KR" altLang="en-US" smtClean="0"/>
-              <a:t>14</a:t>
-            </a:fld>
-            <a:endParaRPr lang="ko-KR" altLang="en-US"/>
-          </a:p>
-        </p:txBody>
-      </p:sp>
+        <p:txBody>
+          <a:bodyPr wrap="square" rtlCol="0">
+            <a:spAutoFit/>
+          </a:bodyPr>
+          <a:lstStyle/>
+          <a:p>
+            <a:r>
+              <a:rPr lang="en-US" altLang="ko-KR" sz="2000" dirty="0" smtClean="0"/>
+              <a:t>The analysis and interpretation of terahertz data assumes that the amplitude response of a terahertz system is linear.</a:t>
+            </a:r>
+            <a:endParaRPr lang="en-US" altLang="ko-KR" sz="2000" dirty="0" smtClean="0"/>
+          </a:p>
+        </p:txBody>
+      </p:sp>
+      <p:pic>
+        <p:nvPicPr>
+          <p:cNvPr id="3" name="그림 2"/>
+          <p:cNvPicPr>
+            <a:picLocks noChangeAspect="1"/>
+          </p:cNvPicPr>
+          <p:nvPr/>
+        </p:nvPicPr>
+        <p:blipFill>
+          <a:blip r:embed="rId3"/>
+          <a:stretch>
+            <a:fillRect/>
+          </a:stretch>
+        </p:blipFill>
+        <p:spPr>
+          <a:xfrm>
+            <a:off x="2965857" y="1704109"/>
+            <a:ext cx="3304604" cy="2005358"/>
+          </a:xfrm>
+          <a:prstGeom prst="rect">
+            <a:avLst/>
+          </a:prstGeom>
+        </p:spPr>
+      </p:pic>
+      <mc:AlternateContent xmlns:mc="http://schemas.openxmlformats.org/markup-compatibility/2006">
+        <mc:Choice xmlns:a14="http://schemas.microsoft.com/office/drawing/2010/main" Requires="a14">
+          <p:sp>
+            <p:nvSpPr>
+              <p:cNvPr id="4" name="TextBox 3"/>
+              <p:cNvSpPr txBox="1"/>
+              <p:nvPr/>
+            </p:nvSpPr>
+            <p:spPr>
+              <a:xfrm>
+                <a:off x="3637955" y="3791488"/>
+                <a:ext cx="1960408" cy="565604"/>
+              </a:xfrm>
+              <a:prstGeom prst="rect">
+                <a:avLst/>
+              </a:prstGeom>
+              <a:noFill/>
+            </p:spPr>
+            <p:txBody>
+              <a:bodyPr wrap="none" lIns="0" tIns="0" rIns="0" bIns="0" rtlCol="0">
+                <a:spAutoFit/>
+              </a:bodyPr>
+              <a:lstStyle/>
+              <a:p>
+                <a14:m>
+                  <m:oMathPara xmlns:m="http://schemas.openxmlformats.org/officeDocument/2006/math">
+                    <m:oMathParaPr>
+                      <m:jc m:val="centerGroup"/>
+                    </m:oMathParaPr>
+                    <m:oMath xmlns:m="http://schemas.openxmlformats.org/officeDocument/2006/math">
+                      <m:r>
+                        <a:rPr lang="en-US" altLang="ko-KR" b="0" i="1" smtClean="0">
+                          <a:latin typeface="Cambria Math" panose="02040503050406030204" pitchFamily="18" charset="0"/>
+                        </a:rPr>
+                        <m:t>𝑇</m:t>
+                      </m:r>
+                      <m:r>
+                        <a:rPr lang="en-US" altLang="ko-KR" b="0" i="1" smtClean="0">
+                          <a:latin typeface="Cambria Math" panose="02040503050406030204" pitchFamily="18" charset="0"/>
+                        </a:rPr>
+                        <m:t>=</m:t>
+                      </m:r>
+                      <m:f>
+                        <m:fPr>
+                          <m:ctrlPr>
+                            <a:rPr lang="en-US" altLang="ko-KR" b="0" i="1" smtClean="0">
+                              <a:latin typeface="Cambria Math" panose="02040503050406030204" pitchFamily="18" charset="0"/>
+                            </a:rPr>
+                          </m:ctrlPr>
+                        </m:fPr>
+                        <m:num>
+                          <m:sSub>
+                            <m:sSubPr>
+                              <m:ctrlPr>
+                                <a:rPr lang="en-US" altLang="ko-KR" b="0" i="1" smtClean="0">
+                                  <a:latin typeface="Cambria Math" panose="02040503050406030204" pitchFamily="18" charset="0"/>
+                                </a:rPr>
+                              </m:ctrlPr>
+                            </m:sSubPr>
+                            <m:e>
+                              <m:r>
+                                <a:rPr lang="en-US" altLang="ko-KR" b="0" i="1" smtClean="0">
+                                  <a:latin typeface="Cambria Math" panose="02040503050406030204" pitchFamily="18" charset="0"/>
+                                </a:rPr>
+                                <m:t>𝐸</m:t>
+                              </m:r>
+                            </m:e>
+                            <m:sub>
+                              <m:r>
+                                <a:rPr lang="en-US" altLang="ko-KR" b="0" i="1" smtClean="0">
+                                  <a:latin typeface="Cambria Math" panose="02040503050406030204" pitchFamily="18" charset="0"/>
+                                </a:rPr>
+                                <m:t>𝑁</m:t>
+                              </m:r>
+                            </m:sub>
+                          </m:sSub>
+                        </m:num>
+                        <m:den>
+                          <m:sSub>
+                            <m:sSubPr>
+                              <m:ctrlPr>
+                                <a:rPr lang="en-US" altLang="ko-KR" b="0" i="1" smtClean="0">
+                                  <a:latin typeface="Cambria Math" panose="02040503050406030204" pitchFamily="18" charset="0"/>
+                                </a:rPr>
+                              </m:ctrlPr>
+                            </m:sSubPr>
+                            <m:e>
+                              <m:r>
+                                <a:rPr lang="en-US" altLang="ko-KR" b="0" i="1" smtClean="0">
+                                  <a:latin typeface="Cambria Math" panose="02040503050406030204" pitchFamily="18" charset="0"/>
+                                </a:rPr>
+                                <m:t>𝐸</m:t>
+                              </m:r>
+                            </m:e>
+                            <m:sub>
+                              <m:r>
+                                <a:rPr lang="en-US" altLang="ko-KR" b="0" i="1" smtClean="0">
+                                  <a:latin typeface="Cambria Math" panose="02040503050406030204" pitchFamily="18" charset="0"/>
+                                </a:rPr>
+                                <m:t>0</m:t>
+                              </m:r>
+                            </m:sub>
+                          </m:sSub>
+                        </m:den>
+                      </m:f>
+                      <m:r>
+                        <a:rPr lang="en-US" altLang="ko-KR" b="0" i="1" smtClean="0">
+                          <a:latin typeface="Cambria Math" panose="02040503050406030204" pitchFamily="18" charset="0"/>
+                        </a:rPr>
+                        <m:t>=</m:t>
+                      </m:r>
+                      <m:sSup>
+                        <m:sSupPr>
+                          <m:ctrlPr>
+                            <a:rPr lang="en-US" altLang="ko-KR" b="0" i="1" smtClean="0">
+                              <a:latin typeface="Cambria Math" panose="02040503050406030204" pitchFamily="18" charset="0"/>
+                            </a:rPr>
+                          </m:ctrlPr>
+                        </m:sSupPr>
+                        <m:e>
+                          <m:d>
+                            <m:dPr>
+                              <m:ctrlPr>
+                                <a:rPr lang="en-US" altLang="ko-KR" b="0" i="1" smtClean="0">
+                                  <a:latin typeface="Cambria Math" panose="02040503050406030204" pitchFamily="18" charset="0"/>
+                                </a:rPr>
+                              </m:ctrlPr>
+                            </m:dPr>
+                            <m:e>
+                              <m:r>
+                                <a:rPr lang="en-US" altLang="ko-KR" b="0" i="1" smtClean="0">
+                                  <a:latin typeface="Cambria Math" panose="02040503050406030204" pitchFamily="18" charset="0"/>
+                                </a:rPr>
+                                <m:t>1−</m:t>
+                              </m:r>
+                              <m:r>
+                                <a:rPr lang="en-US" altLang="ko-KR" b="0" i="1" smtClean="0">
+                                  <a:latin typeface="Cambria Math" panose="02040503050406030204" pitchFamily="18" charset="0"/>
+                                </a:rPr>
+                                <m:t>𝑅</m:t>
+                              </m:r>
+                            </m:e>
+                          </m:d>
+                        </m:e>
+                        <m:sup>
+                          <m:r>
+                            <a:rPr lang="en-US" altLang="ko-KR" b="0" i="1" smtClean="0">
+                              <a:latin typeface="Cambria Math" panose="02040503050406030204" pitchFamily="18" charset="0"/>
+                            </a:rPr>
+                            <m:t>𝑁</m:t>
+                          </m:r>
+                        </m:sup>
+                      </m:sSup>
+                    </m:oMath>
+                  </m:oMathPara>
+                </a14:m>
+                <a:endParaRPr lang="ko-KR" altLang="en-US" dirty="0"/>
+              </a:p>
+            </p:txBody>
+          </p:sp>
+        </mc:Choice>
+        <mc:Fallback>
+          <p:sp>
+            <p:nvSpPr>
+              <p:cNvPr id="4" name="TextBox 3"/>
+              <p:cNvSpPr txBox="1">
+                <a:spLocks noRot="1" noChangeAspect="1" noMove="1" noResize="1" noEditPoints="1" noAdjustHandles="1" noChangeArrowheads="1" noChangeShapeType="1" noTextEdit="1"/>
+              </p:cNvSpPr>
+              <p:nvPr/>
+            </p:nvSpPr>
+            <p:spPr>
+              <a:xfrm>
+                <a:off x="3637955" y="3791488"/>
+                <a:ext cx="1960408" cy="565604"/>
+              </a:xfrm>
+              <a:prstGeom prst="rect">
+                <a:avLst/>
+              </a:prstGeom>
+              <a:blipFill>
+                <a:blip r:embed="rId4"/>
+                <a:stretch>
+                  <a:fillRect/>
+                </a:stretch>
+              </a:blipFill>
+            </p:spPr>
+            <p:txBody>
+              <a:bodyPr/>
+              <a:lstStyle/>
+              <a:p>
+                <a:r>
+                  <a:rPr lang="ko-KR" altLang="en-US">
+                    <a:noFill/>
+                  </a:rPr>
+                  <a:t> </a:t>
+                </a:r>
+              </a:p>
+            </p:txBody>
+          </p:sp>
+        </mc:Fallback>
+      </mc:AlternateContent>
     </p:spTree>
     <p:extLst>
       <p:ext uri="{BB962C8B-B14F-4D97-AF65-F5344CB8AC3E}">
-        <p14:creationId xmlns:p14="http://schemas.microsoft.com/office/powerpoint/2010/main" val="1308665809"/>
+        <p14:creationId xmlns:p14="http://schemas.microsoft.com/office/powerpoint/2010/main" val="2048375388"/>
       </p:ext>
     </p:extLst>
   </p:cSld>
@@ -5955,25 +6723,7 @@
           <a:lstStyle/>
           <a:p>
             <a:pPr algn="ctr"/>
-            <a:r>
-              <a:rPr lang="en-US" altLang="ko-KR" sz="2800" dirty="0">
-                <a:solidFill>
-                  <a:schemeClr val="bg1"/>
-                </a:solidFill>
-                <a:latin typeface="Arial" panose="020B0604020202020204" pitchFamily="34" charset="0"/>
-              </a:rPr>
-              <a:t>4</a:t>
-            </a:r>
-            <a:r>
-              <a:rPr lang="en-US" altLang="ko-KR" sz="2800" dirty="0" smtClean="0">
-                <a:solidFill>
-                  <a:schemeClr val="bg1"/>
-                </a:solidFill>
-                <a:latin typeface="Arial" panose="020B0604020202020204" pitchFamily="34" charset="0"/>
-              </a:rPr>
-              <a:t>. Reflection Standards</a:t>
-            </a:r>
-            <a:endParaRPr lang="en-US" altLang="ko-KR" sz="2800" dirty="0" smtClean="0">
+            <a:endParaRPr lang="en-US" altLang="ko-KR" sz="2800" dirty="0">
               <a:solidFill>
                 <a:schemeClr val="bg1"/>
               </a:solidFill>
@@ -5984,84 +6734,109 @@
       </p:sp>
       <p:sp>
         <p:nvSpPr>
-          <p:cNvPr id="2" name="날짜 개체 틀 1"/>
-          <p:cNvSpPr>
-            <a:spLocks noGrp="1"/>
-          </p:cNvSpPr>
-          <p:nvPr>
-            <p:ph type="dt" sz="half" idx="10"/>
-          </p:nvPr>
-        </p:nvSpPr>
-        <p:spPr/>
-        <p:txBody>
-          <a:bodyPr/>
-          <a:lstStyle/>
-          <a:p>
-            <a:fld id="{53646E5C-8775-44A9-9523-40B6CCA06789}" type="datetime1">
-              <a:rPr lang="ko-KR" altLang="en-US" smtClean="0"/>
-              <a:t>2018-04-06</a:t>
-            </a:fld>
-            <a:endParaRPr lang="ko-KR" altLang="en-US"/>
-          </a:p>
-        </p:txBody>
-      </p:sp>
-      <p:sp>
-        <p:nvSpPr>
-          <p:cNvPr id="15" name="슬라이드 번호 개체 틀 14"/>
-          <p:cNvSpPr>
-            <a:spLocks noGrp="1"/>
-          </p:cNvSpPr>
-          <p:nvPr>
-            <p:ph type="sldNum" sz="quarter" idx="12"/>
-          </p:nvPr>
-        </p:nvSpPr>
-        <p:spPr/>
-        <p:txBody>
-          <a:bodyPr/>
-          <a:lstStyle/>
-          <a:p>
-            <a:fld id="{8765F8EB-1186-4395-8E70-F957669279DD}" type="slidenum">
-              <a:rPr lang="ko-KR" altLang="en-US" smtClean="0"/>
-              <a:t>15</a:t>
-            </a:fld>
-            <a:endParaRPr lang="ko-KR" altLang="en-US"/>
-          </a:p>
-        </p:txBody>
-      </p:sp>
-      <p:sp>
-        <p:nvSpPr>
-          <p:cNvPr id="18" name="TextBox 17"/>
-          <p:cNvSpPr txBox="1"/>
+          <p:cNvPr id="2" name="직사각형 1"/>
+          <p:cNvSpPr/>
           <p:nvPr/>
         </p:nvSpPr>
         <p:spPr>
           <a:xfrm>
-            <a:off x="720969" y="914202"/>
-            <a:ext cx="7794381" cy="707886"/>
+            <a:off x="1286256" y="2004529"/>
+            <a:ext cx="6571488" cy="2848942"/>
           </a:xfrm>
           <a:prstGeom prst="rect">
             <a:avLst/>
           </a:prstGeom>
           <a:noFill/>
+          <a:ln w="38100">
+            <a:solidFill>
+              <a:srgbClr val="3333FF"/>
+            </a:solidFill>
+          </a:ln>
         </p:spPr>
-        <p:txBody>
-          <a:bodyPr wrap="square" rtlCol="0">
-            <a:spAutoFit/>
-          </a:bodyPr>
-          <a:lstStyle/>
-          <a:p>
-            <a:r>
-              <a:rPr lang="en-US" altLang="ko-KR" sz="2000" dirty="0" smtClean="0"/>
-              <a:t>For the purpose of frequency calibration, a solid material must have strong and narrow absorption lines.</a:t>
-            </a:r>
-            <a:endParaRPr lang="en-US" altLang="ko-KR" sz="2000" dirty="0" smtClean="0"/>
+        <p:style>
+          <a:lnRef idx="2">
+            <a:schemeClr val="accent1">
+              <a:shade val="50000"/>
+            </a:schemeClr>
+          </a:lnRef>
+          <a:fillRef idx="1">
+            <a:schemeClr val="accent1"/>
+          </a:fillRef>
+          <a:effectRef idx="0">
+            <a:schemeClr val="accent1"/>
+          </a:effectRef>
+          <a:fontRef idx="minor">
+            <a:schemeClr val="lt1"/>
+          </a:fontRef>
+        </p:style>
+        <p:txBody>
+          <a:bodyPr rtlCol="0" anchor="ctr"/>
+          <a:lstStyle/>
+          <a:p>
+            <a:pPr algn="ctr"/>
+            <a:r>
+              <a:rPr lang="en-US" altLang="ko-KR" sz="3600" dirty="0" smtClean="0">
+                <a:solidFill>
+                  <a:srgbClr val="3333FF"/>
+                </a:solidFill>
+                <a:latin typeface="Arial" panose="020B0604020202020204" pitchFamily="34" charset="0"/>
+              </a:rPr>
+              <a:t>Reflection Standards</a:t>
+            </a:r>
+            <a:endParaRPr lang="ko-KR" altLang="en-US" sz="3600" dirty="0"/>
+          </a:p>
+        </p:txBody>
+      </p:sp>
+      <p:sp>
+        <p:nvSpPr>
+          <p:cNvPr id="3" name="날짜 개체 틀 2"/>
+          <p:cNvSpPr>
+            <a:spLocks noGrp="1"/>
+          </p:cNvSpPr>
+          <p:nvPr>
+            <p:ph type="dt" sz="half" idx="10"/>
+          </p:nvPr>
+        </p:nvSpPr>
+        <p:spPr/>
+        <p:txBody>
+          <a:bodyPr/>
+          <a:lstStyle/>
+          <a:p>
+            <a:fld id="{F85A177F-6FD3-496B-8A9C-B332CA04E863}" type="datetime1">
+              <a:rPr lang="ko-KR" altLang="en-US" smtClean="0"/>
+              <a:t>2018-04-08</a:t>
+            </a:fld>
+            <a:endParaRPr lang="ko-KR" altLang="en-US"/>
+          </a:p>
+        </p:txBody>
+      </p:sp>
+      <p:sp>
+        <p:nvSpPr>
+          <p:cNvPr id="4" name="슬라이드 번호 개체 틀 3"/>
+          <p:cNvSpPr>
+            <a:spLocks noGrp="1"/>
+          </p:cNvSpPr>
+          <p:nvPr>
+            <p:ph type="sldNum" sz="quarter" idx="12"/>
+          </p:nvPr>
+        </p:nvSpPr>
+        <p:spPr/>
+        <p:txBody>
+          <a:bodyPr/>
+          <a:lstStyle/>
+          <a:p>
+            <a:fld id="{8765F8EB-1186-4395-8E70-F957669279DD}" type="slidenum">
+              <a:rPr lang="ko-KR" altLang="en-US" smtClean="0"/>
+              <a:t>15</a:t>
+            </a:fld>
+            <a:endParaRPr lang="ko-KR" altLang="en-US"/>
           </a:p>
         </p:txBody>
       </p:sp>
     </p:spTree>
     <p:extLst>
       <p:ext uri="{BB962C8B-B14F-4D97-AF65-F5344CB8AC3E}">
-        <p14:creationId xmlns:p14="http://schemas.microsoft.com/office/powerpoint/2010/main" val="2056348740"/>
+        <p14:creationId xmlns:p14="http://schemas.microsoft.com/office/powerpoint/2010/main" val="1308665809"/>
       </p:ext>
     </p:extLst>
   </p:cSld>
@@ -6146,6 +6921,226 @@
           <a:p>
             <a:pPr algn="ctr"/>
             <a:r>
+              <a:rPr lang="en-US" altLang="ko-KR" sz="2800" dirty="0">
+                <a:solidFill>
+                  <a:schemeClr val="bg1"/>
+                </a:solidFill>
+                <a:latin typeface="Arial" panose="020B0604020202020204" pitchFamily="34" charset="0"/>
+              </a:rPr>
+              <a:t>4</a:t>
+            </a:r>
+            <a:r>
+              <a:rPr lang="en-US" altLang="ko-KR" sz="2800" dirty="0" smtClean="0">
+                <a:solidFill>
+                  <a:schemeClr val="bg1"/>
+                </a:solidFill>
+                <a:latin typeface="Arial" panose="020B0604020202020204" pitchFamily="34" charset="0"/>
+              </a:rPr>
+              <a:t>. Reflection Standards</a:t>
+            </a:r>
+          </a:p>
+        </p:txBody>
+      </p:sp>
+      <p:sp>
+        <p:nvSpPr>
+          <p:cNvPr id="2" name="날짜 개체 틀 1"/>
+          <p:cNvSpPr>
+            <a:spLocks noGrp="1"/>
+          </p:cNvSpPr>
+          <p:nvPr>
+            <p:ph type="dt" sz="half" idx="10"/>
+          </p:nvPr>
+        </p:nvSpPr>
+        <p:spPr/>
+        <p:txBody>
+          <a:bodyPr/>
+          <a:lstStyle/>
+          <a:p>
+            <a:fld id="{53646E5C-8775-44A9-9523-40B6CCA06789}" type="datetime1">
+              <a:rPr lang="ko-KR" altLang="en-US" smtClean="0"/>
+              <a:t>2018-04-08</a:t>
+            </a:fld>
+            <a:endParaRPr lang="ko-KR" altLang="en-US"/>
+          </a:p>
+        </p:txBody>
+      </p:sp>
+      <p:sp>
+        <p:nvSpPr>
+          <p:cNvPr id="15" name="슬라이드 번호 개체 틀 14"/>
+          <p:cNvSpPr>
+            <a:spLocks noGrp="1"/>
+          </p:cNvSpPr>
+          <p:nvPr>
+            <p:ph type="sldNum" sz="quarter" idx="12"/>
+          </p:nvPr>
+        </p:nvSpPr>
+        <p:spPr/>
+        <p:txBody>
+          <a:bodyPr/>
+          <a:lstStyle/>
+          <a:p>
+            <a:fld id="{8765F8EB-1186-4395-8E70-F957669279DD}" type="slidenum">
+              <a:rPr lang="ko-KR" altLang="en-US" smtClean="0"/>
+              <a:t>16</a:t>
+            </a:fld>
+            <a:endParaRPr lang="ko-KR" altLang="en-US"/>
+          </a:p>
+        </p:txBody>
+      </p:sp>
+      <p:sp>
+        <p:nvSpPr>
+          <p:cNvPr id="18" name="TextBox 17"/>
+          <p:cNvSpPr txBox="1"/>
+          <p:nvPr/>
+        </p:nvSpPr>
+        <p:spPr>
+          <a:xfrm>
+            <a:off x="720969" y="914202"/>
+            <a:ext cx="7794381" cy="707886"/>
+          </a:xfrm>
+          <a:prstGeom prst="rect">
+            <a:avLst/>
+          </a:prstGeom>
+          <a:noFill/>
+        </p:spPr>
+        <p:txBody>
+          <a:bodyPr wrap="square" rtlCol="0">
+            <a:spAutoFit/>
+          </a:bodyPr>
+          <a:lstStyle/>
+          <a:p>
+            <a:r>
+              <a:rPr lang="en-US" altLang="ko-KR" sz="2000" dirty="0" smtClean="0"/>
+              <a:t>It is desirable that a reflection standard be totally reflective.</a:t>
+            </a:r>
+          </a:p>
+          <a:p>
+            <a:r>
+              <a:rPr lang="en-US" altLang="ko-KR" sz="2000" dirty="0" smtClean="0">
+                <a:sym typeface="Wingdings" panose="05000000000000000000" pitchFamily="2" charset="2"/>
+              </a:rPr>
+              <a:t> </a:t>
+            </a:r>
+            <a:r>
+              <a:rPr lang="en-US" altLang="ko-KR" sz="2000" dirty="0" smtClean="0"/>
+              <a:t>reflectivity = 1</a:t>
+            </a:r>
+            <a:endParaRPr lang="en-US" altLang="ko-KR" sz="2000" dirty="0" smtClean="0"/>
+          </a:p>
+        </p:txBody>
+      </p:sp>
+      <p:pic>
+        <p:nvPicPr>
+          <p:cNvPr id="3" name="그림 2"/>
+          <p:cNvPicPr>
+            <a:picLocks noChangeAspect="1"/>
+          </p:cNvPicPr>
+          <p:nvPr/>
+        </p:nvPicPr>
+        <p:blipFill>
+          <a:blip r:embed="rId3"/>
+          <a:stretch>
+            <a:fillRect/>
+          </a:stretch>
+        </p:blipFill>
+        <p:spPr>
+          <a:xfrm>
+            <a:off x="1201594" y="2219831"/>
+            <a:ext cx="6833129" cy="2608838"/>
+          </a:xfrm>
+          <a:prstGeom prst="rect">
+            <a:avLst/>
+          </a:prstGeom>
+        </p:spPr>
+      </p:pic>
+    </p:spTree>
+    <p:extLst>
+      <p:ext uri="{BB962C8B-B14F-4D97-AF65-F5344CB8AC3E}">
+        <p14:creationId xmlns:p14="http://schemas.microsoft.com/office/powerpoint/2010/main" val="2056348740"/>
+      </p:ext>
+    </p:extLst>
+  </p:cSld>
+  <p:clrMapOvr>
+    <a:masterClrMapping/>
+  </p:clrMapOvr>
+  <p:timing>
+    <p:tnLst>
+      <p:par>
+        <p:cTn id="1" dur="indefinite" restart="never" nodeType="tmRoot"/>
+      </p:par>
+    </p:tnLst>
+  </p:timing>
+</p:sld>
+</file>
+
+<file path=ppt/slides/slide17.xml><?xml version="1.0" encoding="utf-8"?>
+<p:sld xmlns:a="http://schemas.openxmlformats.org/drawingml/2006/main" xmlns:r="http://schemas.openxmlformats.org/officeDocument/2006/relationships" xmlns:p="http://schemas.openxmlformats.org/presentationml/2006/main">
+  <p:cSld>
+    <p:spTree>
+      <p:nvGrpSpPr>
+        <p:cNvPr id="1" name=""/>
+        <p:cNvGrpSpPr/>
+        <p:nvPr/>
+      </p:nvGrpSpPr>
+      <p:grpSpPr>
+        <a:xfrm>
+          <a:off x="0" y="0"/>
+          <a:ext cx="0" cy="0"/>
+          <a:chOff x="0" y="0"/>
+          <a:chExt cx="0" cy="0"/>
+        </a:xfrm>
+      </p:grpSpPr>
+      <p:sp>
+        <p:nvSpPr>
+          <p:cNvPr id="6199" name="Rectangle 55"/>
+          <p:cNvSpPr>
+            <a:spLocks noChangeArrowheads="1"/>
+          </p:cNvSpPr>
+          <p:nvPr/>
+        </p:nvSpPr>
+        <p:spPr bwMode="auto">
+          <a:xfrm>
+            <a:off x="0" y="0"/>
+            <a:ext cx="9144000" cy="692150"/>
+          </a:xfrm>
+          <a:prstGeom prst="rect">
+            <a:avLst/>
+          </a:prstGeom>
+          <a:solidFill>
+            <a:srgbClr val="3333FF"/>
+          </a:solidFill>
+          <a:ln>
+            <a:noFill/>
+          </a:ln>
+          <a:effectLst/>
+          <a:extLst>
+            <a:ext uri="{91240B29-F687-4F45-9708-019B960494DF}">
+              <a14:hiddenLine xmlns:a14="http://schemas.microsoft.com/office/drawing/2010/main" w="9525">
+                <a:solidFill>
+                  <a:schemeClr val="tx1"/>
+                </a:solidFill>
+                <a:miter lim="800000"/>
+                <a:headEnd/>
+                <a:tailEnd/>
+              </a14:hiddenLine>
+            </a:ext>
+            <a:ext uri="{AF507438-7753-43E0-B8FC-AC1667EBCBE1}">
+              <a14:hiddenEffects xmlns:a14="http://schemas.microsoft.com/office/drawing/2010/main">
+                <a:effectLst>
+                  <a:outerShdw dist="35921" dir="2700000" algn="ctr" rotWithShape="0">
+                    <a:schemeClr val="bg2"/>
+                  </a:outerShdw>
+                </a:effectLst>
+              </a14:hiddenEffects>
+            </a:ext>
+          </a:extLst>
+        </p:spPr>
+        <p:txBody>
+          <a:bodyPr wrap="none" anchor="ctr"/>
+          <a:lstStyle/>
+          <a:p>
+            <a:pPr algn="ctr"/>
+            <a:r>
               <a:rPr lang="en-US" altLang="ko-KR" sz="2800" dirty="0" smtClean="0">
                 <a:solidFill>
                   <a:schemeClr val="bg1"/>
@@ -6279,10 +7274,6 @@
               </a:rPr>
               <a:t>, Vol. 16, 2014, pp. 1995-2000.</a:t>
             </a:r>
-            <a:endParaRPr lang="en-US" altLang="ko-KR" dirty="0" smtClean="0">
-              <a:latin typeface="Times New Roman" panose="02020603050405020304" pitchFamily="18" charset="0"/>
-              <a:cs typeface="Times New Roman" panose="02020603050405020304" pitchFamily="18" charset="0"/>
-            </a:endParaRPr>
           </a:p>
         </p:txBody>
       </p:sp>
@@ -6303,7 +7294,7 @@
           <a:p>
             <a:fld id="{6509A91F-0059-474E-BAEC-65E67593FE25}" type="datetime1">
               <a:rPr lang="ko-KR" altLang="en-US" smtClean="0"/>
-              <a:t>2018-04-06</a:t>
+              <a:t>2018-04-08</a:t>
             </a:fld>
             <a:endParaRPr lang="ko-KR" altLang="en-US"/>
           </a:p>
@@ -6326,7 +7317,7 @@
           <a:p>
             <a:fld id="{8765F8EB-1186-4395-8E70-F957669279DD}" type="slidenum">
               <a:rPr lang="ko-KR" altLang="en-US" smtClean="0"/>
-              <a:t>16</a:t>
+              <a:t>17</a:t>
             </a:fld>
             <a:endParaRPr lang="ko-KR" altLang="en-US"/>
           </a:p>
@@ -6606,7 +7597,7 @@
           <a:p>
             <a:fld id="{D71C2118-E1AA-468B-9259-8864ED518988}" type="datetime1">
               <a:rPr lang="ko-KR" altLang="en-US" smtClean="0"/>
-              <a:t>2018-04-06</a:t>
+              <a:t>2018-04-08</a:t>
             </a:fld>
             <a:endParaRPr lang="ko-KR" altLang="en-US"/>
           </a:p>
@@ -6815,7 +7806,7 @@
           <a:p>
             <a:fld id="{F85A177F-6FD3-496B-8A9C-B332CA04E863}" type="datetime1">
               <a:rPr lang="ko-KR" altLang="en-US" smtClean="0"/>
-              <a:t>2018-04-06</a:t>
+              <a:t>2018-04-08</a:t>
             </a:fld>
             <a:endParaRPr lang="ko-KR" altLang="en-US"/>
           </a:p>
@@ -6960,7 +7951,7 @@
           <a:p>
             <a:fld id="{53646E5C-8775-44A9-9523-40B6CCA06789}" type="datetime1">
               <a:rPr lang="ko-KR" altLang="en-US" smtClean="0"/>
-              <a:t>2018-04-06</a:t>
+              <a:t>2018-04-08</a:t>
             </a:fld>
             <a:endParaRPr lang="ko-KR" altLang="en-US"/>
           </a:p>
@@ -7238,7 +8229,7 @@
           <a:p>
             <a:fld id="{F85A177F-6FD3-496B-8A9C-B332CA04E863}" type="datetime1">
               <a:rPr lang="ko-KR" altLang="en-US" smtClean="0"/>
-              <a:t>2018-04-06</a:t>
+              <a:t>2018-04-08</a:t>
             </a:fld>
             <a:endParaRPr lang="ko-KR" altLang="en-US"/>
           </a:p>
@@ -7383,7 +8374,7 @@
           <a:p>
             <a:fld id="{53646E5C-8775-44A9-9523-40B6CCA06789}" type="datetime1">
               <a:rPr lang="ko-KR" altLang="en-US" smtClean="0"/>
-              <a:t>2018-04-06</a:t>
+              <a:t>2018-04-08</a:t>
             </a:fld>
             <a:endParaRPr lang="ko-KR" altLang="en-US"/>
           </a:p>
@@ -7438,7 +8429,6 @@
               <a:rPr lang="en-US" altLang="ko-KR" sz="2000" dirty="0" smtClean="0"/>
               <a:t>The most commonly used means of frequency verification in the terahertz band is atmospheric water vapor.</a:t>
             </a:r>
-            <a:endParaRPr lang="en-US" altLang="ko-KR" sz="2000" dirty="0" smtClean="0"/>
           </a:p>
         </p:txBody>
       </p:sp>
@@ -7770,7 +8760,7 @@
           <a:p>
             <a:fld id="{53646E5C-8775-44A9-9523-40B6CCA06789}" type="datetime1">
               <a:rPr lang="ko-KR" altLang="en-US" smtClean="0"/>
-              <a:t>2018-04-06</a:t>
+              <a:t>2018-04-08</a:t>
             </a:fld>
             <a:endParaRPr lang="ko-KR" altLang="en-US"/>
           </a:p>
@@ -7825,7 +8815,6 @@
               <a:rPr lang="en-US" altLang="ko-KR" sz="2000" dirty="0" smtClean="0"/>
               <a:t>Linear gas molecules have pure rotational spectra consisting of a frequency comb of nearly equally spaced lines with a distinctive amplitude envelope.</a:t>
             </a:r>
-            <a:endParaRPr lang="en-US" altLang="ko-KR" sz="2000" dirty="0" smtClean="0"/>
           </a:p>
         </p:txBody>
       </p:sp>
@@ -8148,12 +9137,6 @@
               </a:rPr>
               <a:t>2.2 Solids</a:t>
             </a:r>
-            <a:endParaRPr lang="en-US" altLang="ko-KR" sz="2800" dirty="0" smtClean="0">
-              <a:solidFill>
-                <a:schemeClr val="bg1"/>
-              </a:solidFill>
-              <a:latin typeface="Arial" panose="020B0604020202020204" pitchFamily="34" charset="0"/>
-            </a:endParaRPr>
           </a:p>
         </p:txBody>
       </p:sp>
@@ -8174,7 +9157,7 @@
           <a:p>
             <a:fld id="{53646E5C-8775-44A9-9523-40B6CCA06789}" type="datetime1">
               <a:rPr lang="ko-KR" altLang="en-US" smtClean="0"/>
-              <a:t>2018-04-06</a:t>
+              <a:t>2018-04-08</a:t>
             </a:fld>
             <a:endParaRPr lang="ko-KR" altLang="en-US"/>
           </a:p>
@@ -8229,7 +9212,6 @@
               <a:rPr lang="en-US" altLang="ko-KR" sz="2000" dirty="0" smtClean="0"/>
               <a:t>For the purpose of frequency calibration, a solid material must have strong and narrow absorption lines.</a:t>
             </a:r>
-            <a:endParaRPr lang="en-US" altLang="ko-KR" sz="2000" dirty="0" smtClean="0"/>
           </a:p>
         </p:txBody>
       </p:sp>
@@ -8291,7 +9273,6 @@
               <a:rPr lang="en-US" altLang="ko-KR" sz="2000" dirty="0" smtClean="0"/>
               <a:t> materials have much broader and shallower peaks.</a:t>
             </a:r>
-            <a:endParaRPr lang="en-US" altLang="ko-KR" sz="2000" dirty="0" smtClean="0"/>
           </a:p>
         </p:txBody>
       </p:sp>
@@ -8462,7 +9443,6 @@
               <a:rPr lang="en-US" altLang="ko-KR" sz="2000" dirty="0" smtClean="0"/>
               <a:t>Solid crystalline materials must be judged poorly suited to the purpose.</a:t>
             </a:r>
-            <a:endParaRPr lang="en-US" altLang="ko-KR" sz="2000" dirty="0" smtClean="0"/>
           </a:p>
         </p:txBody>
       </p:sp>
@@ -8562,12 +9542,6 @@
               </a:rPr>
               <a:t>2.3 Resonant Mesh Filters</a:t>
             </a:r>
-            <a:endParaRPr lang="en-US" altLang="ko-KR" sz="2800" dirty="0" smtClean="0">
-              <a:solidFill>
-                <a:schemeClr val="bg1"/>
-              </a:solidFill>
-              <a:latin typeface="Arial" panose="020B0604020202020204" pitchFamily="34" charset="0"/>
-            </a:endParaRPr>
           </a:p>
         </p:txBody>
       </p:sp>
@@ -8588,7 +9562,7 @@
           <a:p>
             <a:fld id="{53646E5C-8775-44A9-9523-40B6CCA06789}" type="datetime1">
               <a:rPr lang="ko-KR" altLang="en-US" smtClean="0"/>
-              <a:t>2018-04-06</a:t>
+              <a:t>2018-04-08</a:t>
             </a:fld>
             <a:endParaRPr lang="ko-KR" altLang="en-US"/>
           </a:p>
@@ -8659,7 +9633,6 @@
               <a:rPr lang="en-US" altLang="ko-KR" sz="2000" dirty="0" smtClean="0"/>
               <a:t> filters are robust, stable, convenient to use, and can be fabricated as calibration sets offering a number of frequencies over the desired range.</a:t>
             </a:r>
-            <a:endParaRPr lang="en-US" altLang="ko-KR" sz="2000" dirty="0" smtClean="0"/>
           </a:p>
         </p:txBody>
       </p:sp>
@@ -8735,8 +9708,8 @@
           </a:prstGeom>
         </p:spPr>
       </p:pic>
-      <mc:AlternateContent xmlns:mc="http://schemas.openxmlformats.org/markup-compatibility/2006">
-        <mc:Choice xmlns:a14="http://schemas.microsoft.com/office/drawing/2010/main" Requires="a14">
+      <mc:AlternateContent xmlns:mc="http://schemas.openxmlformats.org/markup-compatibility/2006" xmlns:a14="http://schemas.microsoft.com/office/drawing/2010/main">
+        <mc:Choice Requires="a14">
           <p:sp>
             <p:nvSpPr>
               <p:cNvPr id="6" name="TextBox 5"/>
@@ -8759,6 +9732,7 @@
               </a:bodyPr>
               <a:lstStyle/>
               <a:p>
+                <a:pPr/>
                 <a14:m>
                   <m:oMathPara xmlns:m="http://schemas.openxmlformats.org/officeDocument/2006/math">
                     <m:oMathParaPr>
@@ -8822,7 +9796,7 @@
             </p:txBody>
           </p:sp>
         </mc:Choice>
-        <mc:Fallback>
+        <mc:Fallback xmlns="">
           <p:sp>
             <p:nvSpPr>
               <p:cNvPr id="6" name="TextBox 5"/>

--- a/Terahertz Metrology/Ch6/Terahertz Metrology_Ch6.pptx
+++ b/Terahertz Metrology/Ch6/Terahertz Metrology_Ch6.pptx
@@ -5,7 +5,7 @@
     <p:sldMasterId id="2147483660" r:id="rId1"/>
   </p:sldMasterIdLst>
   <p:notesMasterIdLst>
-    <p:notesMasterId r:id="rId19"/>
+    <p:notesMasterId r:id="rId20"/>
   </p:notesMasterIdLst>
   <p:sldIdLst>
     <p:sldId id="258" r:id="rId2"/>
@@ -22,9 +22,10 @@
     <p:sldId id="284" r:id="rId13"/>
     <p:sldId id="288" r:id="rId14"/>
     <p:sldId id="285" r:id="rId15"/>
-    <p:sldId id="286" r:id="rId16"/>
-    <p:sldId id="287" r:id="rId17"/>
-    <p:sldId id="275" r:id="rId18"/>
+    <p:sldId id="289" r:id="rId16"/>
+    <p:sldId id="286" r:id="rId17"/>
+    <p:sldId id="287" r:id="rId18"/>
+    <p:sldId id="275" r:id="rId19"/>
   </p:sldIdLst>
   <p:sldSz cx="9144000" cy="6858000" type="screen4x3"/>
   <p:notesSz cx="6735763" cy="9866313"/>
@@ -213,7 +214,7 @@
           <a:p>
             <a:fld id="{A9D6DECA-6E4E-4D09-9277-E151A2E3F74C}" type="datetimeFigureOut">
               <a:rPr lang="ko-KR" altLang="en-US" smtClean="0"/>
-              <a:t>2018-04-08</a:t>
+              <a:t>2018-04-09</a:t>
             </a:fld>
             <a:endParaRPr lang="ko-KR" altLang="en-US"/>
           </a:p>
@@ -1059,7 +1060,7 @@
     </p:spTree>
     <p:extLst>
       <p:ext uri="{BB962C8B-B14F-4D97-AF65-F5344CB8AC3E}">
-        <p14:creationId xmlns:p14="http://schemas.microsoft.com/office/powerpoint/2010/main" val="13874112"/>
+        <p14:creationId xmlns:p14="http://schemas.microsoft.com/office/powerpoint/2010/main" val="3716831077"/>
       </p:ext>
     </p:extLst>
   </p:cSld>
@@ -1143,7 +1144,7 @@
     </p:spTree>
     <p:extLst>
       <p:ext uri="{BB962C8B-B14F-4D97-AF65-F5344CB8AC3E}">
-        <p14:creationId xmlns:p14="http://schemas.microsoft.com/office/powerpoint/2010/main" val="2991191560"/>
+        <p14:creationId xmlns:p14="http://schemas.microsoft.com/office/powerpoint/2010/main" val="13874112"/>
       </p:ext>
     </p:extLst>
   </p:cSld>
@@ -1219,6 +1220,90 @@
             <a:fld id="{6D0ABE42-EEBB-47F0-BC6E-2BB25FA03CFE}" type="slidenum">
               <a:rPr lang="ko-KR" altLang="en-US" smtClean="0"/>
               <a:t>17</a:t>
+            </a:fld>
+            <a:endParaRPr lang="ko-KR" altLang="en-US"/>
+          </a:p>
+        </p:txBody>
+      </p:sp>
+    </p:spTree>
+    <p:extLst>
+      <p:ext uri="{BB962C8B-B14F-4D97-AF65-F5344CB8AC3E}">
+        <p14:creationId xmlns:p14="http://schemas.microsoft.com/office/powerpoint/2010/main" val="2991191560"/>
+      </p:ext>
+    </p:extLst>
+  </p:cSld>
+  <p:clrMapOvr>
+    <a:masterClrMapping/>
+  </p:clrMapOvr>
+</p:notes>
+</file>
+
+<file path=ppt/notesSlides/notesSlide18.xml><?xml version="1.0" encoding="utf-8"?>
+<p:notes xmlns:a="http://schemas.openxmlformats.org/drawingml/2006/main" xmlns:r="http://schemas.openxmlformats.org/officeDocument/2006/relationships" xmlns:p="http://schemas.openxmlformats.org/presentationml/2006/main">
+  <p:cSld>
+    <p:spTree>
+      <p:nvGrpSpPr>
+        <p:cNvPr id="1" name=""/>
+        <p:cNvGrpSpPr/>
+        <p:nvPr/>
+      </p:nvGrpSpPr>
+      <p:grpSpPr>
+        <a:xfrm>
+          <a:off x="0" y="0"/>
+          <a:ext cx="0" cy="0"/>
+          <a:chOff x="0" y="0"/>
+          <a:chExt cx="0" cy="0"/>
+        </a:xfrm>
+      </p:grpSpPr>
+      <p:sp>
+        <p:nvSpPr>
+          <p:cNvPr id="2" name="슬라이드 이미지 개체 틀 1"/>
+          <p:cNvSpPr>
+            <a:spLocks noGrp="1" noRot="1" noChangeAspect="1"/>
+          </p:cNvSpPr>
+          <p:nvPr>
+            <p:ph type="sldImg"/>
+          </p:nvPr>
+        </p:nvSpPr>
+        <p:spPr/>
+      </p:sp>
+      <p:sp>
+        <p:nvSpPr>
+          <p:cNvPr id="3" name="슬라이드 노트 개체 틀 2"/>
+          <p:cNvSpPr>
+            <a:spLocks noGrp="1"/>
+          </p:cNvSpPr>
+          <p:nvPr>
+            <p:ph type="body" idx="1"/>
+          </p:nvPr>
+        </p:nvSpPr>
+        <p:spPr/>
+        <p:txBody>
+          <a:bodyPr/>
+          <a:lstStyle/>
+          <a:p>
+            <a:endParaRPr lang="ko-KR" altLang="en-US"/>
+          </a:p>
+        </p:txBody>
+      </p:sp>
+      <p:sp>
+        <p:nvSpPr>
+          <p:cNvPr id="4" name="슬라이드 번호 개체 틀 3"/>
+          <p:cNvSpPr>
+            <a:spLocks noGrp="1"/>
+          </p:cNvSpPr>
+          <p:nvPr>
+            <p:ph type="sldNum" sz="quarter" idx="10"/>
+          </p:nvPr>
+        </p:nvSpPr>
+        <p:spPr/>
+        <p:txBody>
+          <a:bodyPr/>
+          <a:lstStyle/>
+          <a:p>
+            <a:fld id="{6D0ABE42-EEBB-47F0-BC6E-2BB25FA03CFE}" type="slidenum">
+              <a:rPr lang="ko-KR" altLang="en-US" smtClean="0"/>
+              <a:t>18</a:t>
             </a:fld>
             <a:endParaRPr lang="ko-KR" altLang="en-US"/>
           </a:p>
@@ -2040,7 +2125,7 @@
           <a:p>
             <a:fld id="{78E89258-A40F-4400-BA1A-638141289729}" type="datetime1">
               <a:rPr lang="ko-KR" altLang="en-US" smtClean="0"/>
-              <a:t>2018-04-08</a:t>
+              <a:t>2018-04-09</a:t>
             </a:fld>
             <a:endParaRPr lang="ko-KR" altLang="en-US"/>
           </a:p>
@@ -2217,7 +2302,7 @@
           <a:p>
             <a:fld id="{CD116CEF-802E-43F7-8932-78519DF2A264}" type="datetime1">
               <a:rPr lang="ko-KR" altLang="en-US" smtClean="0"/>
-              <a:t>2018-04-08</a:t>
+              <a:t>2018-04-09</a:t>
             </a:fld>
             <a:endParaRPr lang="ko-KR" altLang="en-US"/>
           </a:p>
@@ -2397,7 +2482,7 @@
           <a:p>
             <a:fld id="{EFD9D7C3-1982-427D-BFA7-1AF9687AAB0F}" type="datetime1">
               <a:rPr lang="ko-KR" altLang="en-US" smtClean="0"/>
-              <a:t>2018-04-08</a:t>
+              <a:t>2018-04-09</a:t>
             </a:fld>
             <a:endParaRPr lang="ko-KR" altLang="en-US"/>
           </a:p>
@@ -2567,7 +2652,7 @@
           <a:p>
             <a:fld id="{EDD93E7F-B437-40E5-8ACB-B79696783EFA}" type="datetime1">
               <a:rPr lang="ko-KR" altLang="en-US" smtClean="0"/>
-              <a:t>2018-04-08</a:t>
+              <a:t>2018-04-09</a:t>
             </a:fld>
             <a:endParaRPr lang="ko-KR" altLang="en-US"/>
           </a:p>
@@ -2811,7 +2896,7 @@
           <a:p>
             <a:fld id="{DB249950-0BD4-4F6E-BE3F-CB53B7E2FD06}" type="datetime1">
               <a:rPr lang="ko-KR" altLang="en-US" smtClean="0"/>
-              <a:t>2018-04-08</a:t>
+              <a:t>2018-04-09</a:t>
             </a:fld>
             <a:endParaRPr lang="ko-KR" altLang="en-US"/>
           </a:p>
@@ -3043,7 +3128,7 @@
           <a:p>
             <a:fld id="{7B016D7E-32C0-4DB3-B6B3-0506A62840FB}" type="datetime1">
               <a:rPr lang="ko-KR" altLang="en-US" smtClean="0"/>
-              <a:t>2018-04-08</a:t>
+              <a:t>2018-04-09</a:t>
             </a:fld>
             <a:endParaRPr lang="ko-KR" altLang="en-US"/>
           </a:p>
@@ -3410,7 +3495,7 @@
           <a:p>
             <a:fld id="{B246672D-B3FD-4B2E-92C0-4A80DA670927}" type="datetime1">
               <a:rPr lang="ko-KR" altLang="en-US" smtClean="0"/>
-              <a:t>2018-04-08</a:t>
+              <a:t>2018-04-09</a:t>
             </a:fld>
             <a:endParaRPr lang="ko-KR" altLang="en-US"/>
           </a:p>
@@ -3528,7 +3613,7 @@
           <a:p>
             <a:fld id="{9B9B7D2E-B202-4D7A-9519-0C490A04EB9C}" type="datetime1">
               <a:rPr lang="ko-KR" altLang="en-US" smtClean="0"/>
-              <a:t>2018-04-08</a:t>
+              <a:t>2018-04-09</a:t>
             </a:fld>
             <a:endParaRPr lang="ko-KR" altLang="en-US"/>
           </a:p>
@@ -3623,7 +3708,7 @@
           <a:p>
             <a:fld id="{12FB9327-987E-47D6-AE2D-63CED8A79494}" type="datetime1">
               <a:rPr lang="ko-KR" altLang="en-US" smtClean="0"/>
-              <a:t>2018-04-08</a:t>
+              <a:t>2018-04-09</a:t>
             </a:fld>
             <a:endParaRPr lang="ko-KR" altLang="en-US"/>
           </a:p>
@@ -3900,7 +3985,7 @@
           <a:p>
             <a:fld id="{D8D87011-7294-4632-A156-4F695AB9E41C}" type="datetime1">
               <a:rPr lang="ko-KR" altLang="en-US" smtClean="0"/>
-              <a:t>2018-04-08</a:t>
+              <a:t>2018-04-09</a:t>
             </a:fld>
             <a:endParaRPr lang="ko-KR" altLang="en-US"/>
           </a:p>
@@ -4157,7 +4242,7 @@
           <a:p>
             <a:fld id="{1BDC7FDB-72DE-4D65-AF4F-510496DAF70F}" type="datetime1">
               <a:rPr lang="ko-KR" altLang="en-US" smtClean="0"/>
-              <a:t>2018-04-08</a:t>
+              <a:t>2018-04-09</a:t>
             </a:fld>
             <a:endParaRPr lang="ko-KR" altLang="en-US"/>
           </a:p>
@@ -4370,7 +4455,7 @@
           <a:p>
             <a:fld id="{9A286DBF-DB43-470A-A903-26374CB6EF47}" type="datetime1">
               <a:rPr lang="ko-KR" altLang="en-US" smtClean="0"/>
-              <a:t>2018-04-08</a:t>
+              <a:t>2018-04-09</a:t>
             </a:fld>
             <a:endParaRPr lang="ko-KR" altLang="en-US"/>
           </a:p>
@@ -4969,7 +5054,7 @@
           <a:p>
             <a:fld id="{32C03489-23FC-4021-B9AB-958EFB3C0FE7}" type="datetime1">
               <a:rPr lang="ko-KR" altLang="en-US" smtClean="0"/>
-              <a:t>2018-04-08</a:t>
+              <a:t>2018-04-09</a:t>
             </a:fld>
             <a:endParaRPr lang="ko-KR" altLang="en-US"/>
           </a:p>
@@ -5114,7 +5199,7 @@
           <a:p>
             <a:fld id="{53646E5C-8775-44A9-9523-40B6CCA06789}" type="datetime1">
               <a:rPr lang="ko-KR" altLang="en-US" smtClean="0"/>
-              <a:t>2018-04-08</a:t>
+              <a:t>2018-04-09</a:t>
             </a:fld>
             <a:endParaRPr lang="ko-KR" altLang="en-US"/>
           </a:p>
@@ -5312,7 +5397,7 @@
           <a:p>
             <a:fld id="{53646E5C-8775-44A9-9523-40B6CCA06789}" type="datetime1">
               <a:rPr lang="ko-KR" altLang="en-US" smtClean="0"/>
-              <a:t>2018-04-08</a:t>
+              <a:t>2018-04-09</a:t>
             </a:fld>
             <a:endParaRPr lang="ko-KR" altLang="en-US"/>
           </a:p>
@@ -5533,7 +5618,7 @@
           <a:p>
             <a:fld id="{F85A177F-6FD3-496B-8A9C-B332CA04E863}" type="datetime1">
               <a:rPr lang="ko-KR" altLang="en-US" smtClean="0"/>
-              <a:t>2018-04-08</a:t>
+              <a:t>2018-04-09</a:t>
             </a:fld>
             <a:endParaRPr lang="ko-KR" altLang="en-US"/>
           </a:p>
@@ -5678,7 +5763,7 @@
           <a:p>
             <a:fld id="{53646E5C-8775-44A9-9523-40B6CCA06789}" type="datetime1">
               <a:rPr lang="ko-KR" altLang="en-US" smtClean="0"/>
-              <a:t>2018-04-08</a:t>
+              <a:t>2018-04-09</a:t>
             </a:fld>
             <a:endParaRPr lang="ko-KR" altLang="en-US"/>
           </a:p>
@@ -5733,12 +5818,11 @@
               <a:rPr lang="en-US" altLang="ko-KR" sz="2000" dirty="0" smtClean="0"/>
               <a:t>The analysis and interpretation of terahertz data assumes that the amplitude response of a terahertz system is linear.</a:t>
             </a:r>
-            <a:endParaRPr lang="en-US" altLang="ko-KR" sz="2000" dirty="0" smtClean="0"/>
-          </a:p>
-        </p:txBody>
-      </p:sp>
-      <mc:AlternateContent xmlns:mc="http://schemas.openxmlformats.org/markup-compatibility/2006">
-        <mc:Choice xmlns:a14="http://schemas.microsoft.com/office/drawing/2010/main" Requires="a14">
+          </a:p>
+        </p:txBody>
+      </p:sp>
+      <mc:AlternateContent xmlns:mc="http://schemas.openxmlformats.org/markup-compatibility/2006" xmlns:a14="http://schemas.microsoft.com/office/drawing/2010/main">
+        <mc:Choice Requires="a14">
           <p:sp>
             <p:nvSpPr>
               <p:cNvPr id="4" name="TextBox 3"/>
@@ -5761,6 +5845,7 @@
               </a:bodyPr>
               <a:lstStyle/>
               <a:p>
+                <a:pPr/>
                 <a14:m>
                   <m:oMathPara xmlns:m="http://schemas.openxmlformats.org/officeDocument/2006/math">
                     <m:oMathParaPr>
@@ -5865,7 +5950,7 @@
             </p:txBody>
           </p:sp>
         </mc:Choice>
-        <mc:Fallback>
+        <mc:Fallback xmlns="">
           <p:sp>
             <p:nvSpPr>
               <p:cNvPr id="4" name="TextBox 3"/>
@@ -5928,8 +6013,8 @@
           </a:prstGeom>
         </p:spPr>
       </p:pic>
-      <mc:AlternateContent xmlns:mc="http://schemas.openxmlformats.org/markup-compatibility/2006">
-        <mc:Choice xmlns:a14="http://schemas.microsoft.com/office/drawing/2010/main" Requires="a14">
+      <mc:AlternateContent xmlns:mc="http://schemas.openxmlformats.org/markup-compatibility/2006" xmlns:a14="http://schemas.microsoft.com/office/drawing/2010/main">
+        <mc:Choice Requires="a14">
           <p:sp>
             <p:nvSpPr>
               <p:cNvPr id="6" name="TextBox 5"/>
@@ -5952,6 +6037,7 @@
               </a:bodyPr>
               <a:lstStyle/>
               <a:p>
+                <a:pPr/>
                 <a14:m>
                   <m:oMathPara xmlns:m="http://schemas.openxmlformats.org/officeDocument/2006/math">
                     <m:oMathParaPr>
@@ -6023,7 +6109,7 @@
             </p:txBody>
           </p:sp>
         </mc:Choice>
-        <mc:Fallback>
+        <mc:Fallback xmlns="">
           <p:sp>
             <p:nvSpPr>
               <p:cNvPr id="6" name="TextBox 5"/>
@@ -6062,8 +6148,8 @@
           </p:sp>
         </mc:Fallback>
       </mc:AlternateContent>
-      <mc:AlternateContent xmlns:mc="http://schemas.openxmlformats.org/markup-compatibility/2006">
-        <mc:Choice xmlns:a14="http://schemas.microsoft.com/office/drawing/2010/main" Requires="a14">
+      <mc:AlternateContent xmlns:mc="http://schemas.openxmlformats.org/markup-compatibility/2006" xmlns:a14="http://schemas.microsoft.com/office/drawing/2010/main">
+        <mc:Choice Requires="a14">
           <p:sp>
             <p:nvSpPr>
               <p:cNvPr id="7" name="TextBox 6"/>
@@ -6086,6 +6172,7 @@
               </a:bodyPr>
               <a:lstStyle/>
               <a:p>
+                <a:pPr/>
                 <a14:m>
                   <m:oMathPara xmlns:m="http://schemas.openxmlformats.org/officeDocument/2006/math">
                     <m:oMathParaPr>
@@ -6198,7 +6285,7 @@
             </p:txBody>
           </p:sp>
         </mc:Choice>
-        <mc:Fallback>
+        <mc:Fallback xmlns="">
           <p:sp>
             <p:nvSpPr>
               <p:cNvPr id="7" name="TextBox 6"/>
@@ -6353,7 +6440,7 @@
           <a:p>
             <a:fld id="{53646E5C-8775-44A9-9523-40B6CCA06789}" type="datetime1">
               <a:rPr lang="ko-KR" altLang="en-US" smtClean="0"/>
-              <a:t>2018-04-08</a:t>
+              <a:t>2018-04-09</a:t>
             </a:fld>
             <a:endParaRPr lang="ko-KR" altLang="en-US"/>
           </a:p>
@@ -6391,7 +6478,7 @@
         <p:spPr>
           <a:xfrm>
             <a:off x="720969" y="914202"/>
-            <a:ext cx="7794381" cy="707886"/>
+            <a:ext cx="7794381" cy="1323439"/>
           </a:xfrm>
           <a:prstGeom prst="rect">
             <a:avLst/>
@@ -6406,7 +6493,45 @@
           <a:p>
             <a:r>
               <a:rPr lang="en-US" altLang="ko-KR" sz="2000" dirty="0" smtClean="0"/>
-              <a:t>The analysis and interpretation of terahertz data assumes that the amplitude response of a terahertz system is linear.</a:t>
+              <a:t>High-resistivity silicon has negligible absorption and dispersion in the terahertz band.</a:t>
+            </a:r>
+          </a:p>
+          <a:p>
+            <a:r>
+              <a:rPr lang="en-US" altLang="ko-KR" sz="2000" dirty="0" smtClean="0">
+                <a:sym typeface="Wingdings" panose="05000000000000000000" pitchFamily="2" charset="2"/>
+              </a:rPr>
+              <a:t> Transmission loss through a silicon plate is </a:t>
+            </a:r>
+            <a:r>
+              <a:rPr lang="en-US" altLang="ko-KR" sz="2000" dirty="0" smtClean="0">
+                <a:solidFill>
+                  <a:srgbClr val="3333FF"/>
+                </a:solidFill>
+                <a:sym typeface="Wingdings" panose="05000000000000000000" pitchFamily="2" charset="2"/>
+              </a:rPr>
+              <a:t>frequency-independent</a:t>
+            </a:r>
+            <a:r>
+              <a:rPr lang="en-US" altLang="ko-KR" sz="2000" dirty="0" smtClean="0">
+                <a:sym typeface="Wingdings" panose="05000000000000000000" pitchFamily="2" charset="2"/>
+              </a:rPr>
+              <a:t> and </a:t>
+            </a:r>
+            <a:r>
+              <a:rPr lang="en-US" altLang="ko-KR" sz="2000" dirty="0" smtClean="0">
+                <a:solidFill>
+                  <a:srgbClr val="3333FF"/>
+                </a:solidFill>
+                <a:sym typeface="Wingdings" panose="05000000000000000000" pitchFamily="2" charset="2"/>
+              </a:rPr>
+              <a:t>due solely to Fresnel reflection</a:t>
+            </a:r>
+            <a:r>
+              <a:rPr lang="en-US" altLang="ko-KR" sz="2000" dirty="0" smtClean="0">
+                <a:sym typeface="Wingdings" panose="05000000000000000000" pitchFamily="2" charset="2"/>
+              </a:rPr>
+              <a:t>.</a:t>
             </a:r>
             <a:endParaRPr lang="en-US" altLang="ko-KR" sz="2000" dirty="0" smtClean="0"/>
           </a:p>
@@ -6428,7 +6553,7 @@
         </p:blipFill>
         <p:spPr>
           <a:xfrm>
-            <a:off x="2965857" y="1704109"/>
+            <a:off x="2965857" y="2459693"/>
             <a:ext cx="3304604" cy="2005358"/>
           </a:xfrm>
           <a:prstGeom prst="rect">
@@ -6446,7 +6571,7 @@
             </p:nvSpPr>
             <p:spPr>
               <a:xfrm>
-                <a:off x="3637955" y="3791488"/>
+                <a:off x="3637955" y="4547072"/>
                 <a:ext cx="1960408" cy="565604"/>
               </a:xfrm>
               <a:prstGeom prst="rect">
@@ -6460,6 +6585,7 @@
               </a:bodyPr>
               <a:lstStyle/>
               <a:p>
+                <a:pPr/>
                 <a14:m>
                   <m:oMathPara xmlns:m="http://schemas.openxmlformats.org/officeDocument/2006/math">
                     <m:oMathParaPr>
@@ -6608,13 +6734,13 @@
             </p:nvSpPr>
             <p:spPr>
               <a:xfrm>
-                <a:off x="3637955" y="3791488"/>
+                <a:off x="3637955" y="4547072"/>
                 <a:ext cx="1960408" cy="565604"/>
               </a:xfrm>
               <a:prstGeom prst="rect">
                 <a:avLst/>
               </a:prstGeom>
-              <a:blipFill>
+              <a:blipFill rotWithShape="0">
                 <a:blip r:embed="rId4"/>
                 <a:stretch>
                   <a:fillRect/>
@@ -6723,120 +6849,150 @@
           <a:lstStyle/>
           <a:p>
             <a:pPr algn="ctr"/>
-            <a:endParaRPr lang="en-US" altLang="ko-KR" sz="2800" dirty="0">
-              <a:solidFill>
-                <a:schemeClr val="bg1"/>
-              </a:solidFill>
-              <a:latin typeface="Arial" panose="020B0604020202020204" pitchFamily="34" charset="0"/>
-            </a:endParaRPr>
-          </a:p>
-        </p:txBody>
-      </p:sp>
-      <p:sp>
-        <p:nvSpPr>
-          <p:cNvPr id="2" name="직사각형 1"/>
-          <p:cNvSpPr/>
+            <a:r>
+              <a:rPr lang="en-US" altLang="ko-KR" sz="2800" dirty="0" smtClean="0">
+                <a:solidFill>
+                  <a:schemeClr val="bg1"/>
+                </a:solidFill>
+                <a:latin typeface="Arial" panose="020B0604020202020204" pitchFamily="34" charset="0"/>
+              </a:rPr>
+              <a:t>3. Amplitude Linearity Calibration</a:t>
+            </a:r>
+          </a:p>
+        </p:txBody>
+      </p:sp>
+      <p:sp>
+        <p:nvSpPr>
+          <p:cNvPr id="2" name="날짜 개체 틀 1"/>
+          <p:cNvSpPr>
+            <a:spLocks noGrp="1"/>
+          </p:cNvSpPr>
+          <p:nvPr>
+            <p:ph type="dt" sz="half" idx="10"/>
+          </p:nvPr>
+        </p:nvSpPr>
+        <p:spPr/>
+        <p:txBody>
+          <a:bodyPr/>
+          <a:lstStyle/>
+          <a:p>
+            <a:fld id="{53646E5C-8775-44A9-9523-40B6CCA06789}" type="datetime1">
+              <a:rPr lang="ko-KR" altLang="en-US" smtClean="0"/>
+              <a:t>2018-04-09</a:t>
+            </a:fld>
+            <a:endParaRPr lang="ko-KR" altLang="en-US"/>
+          </a:p>
+        </p:txBody>
+      </p:sp>
+      <p:sp>
+        <p:nvSpPr>
+          <p:cNvPr id="15" name="슬라이드 번호 개체 틀 14"/>
+          <p:cNvSpPr>
+            <a:spLocks noGrp="1"/>
+          </p:cNvSpPr>
+          <p:nvPr>
+            <p:ph type="sldNum" sz="quarter" idx="12"/>
+          </p:nvPr>
+        </p:nvSpPr>
+        <p:spPr/>
+        <p:txBody>
+          <a:bodyPr/>
+          <a:lstStyle/>
+          <a:p>
+            <a:fld id="{8765F8EB-1186-4395-8E70-F957669279DD}" type="slidenum">
+              <a:rPr lang="ko-KR" altLang="en-US" smtClean="0"/>
+              <a:t>15</a:t>
+            </a:fld>
+            <a:endParaRPr lang="ko-KR" altLang="en-US"/>
+          </a:p>
+        </p:txBody>
+      </p:sp>
+      <p:sp>
+        <p:nvSpPr>
+          <p:cNvPr id="18" name="TextBox 17"/>
+          <p:cNvSpPr txBox="1"/>
           <p:nvPr/>
         </p:nvSpPr>
         <p:spPr>
           <a:xfrm>
-            <a:off x="1286256" y="2004529"/>
-            <a:ext cx="6571488" cy="2848942"/>
+            <a:off x="720969" y="914202"/>
+            <a:ext cx="7794381" cy="1015663"/>
           </a:xfrm>
           <a:prstGeom prst="rect">
             <a:avLst/>
           </a:prstGeom>
           <a:noFill/>
-          <a:ln w="38100">
-            <a:solidFill>
-              <a:srgbClr val="3333FF"/>
-            </a:solidFill>
-          </a:ln>
         </p:spPr>
-        <p:style>
-          <a:lnRef idx="2">
-            <a:schemeClr val="accent1">
-              <a:shade val="50000"/>
-            </a:schemeClr>
-          </a:lnRef>
-          <a:fillRef idx="1">
-            <a:schemeClr val="accent1"/>
-          </a:fillRef>
-          <a:effectRef idx="0">
-            <a:schemeClr val="accent1"/>
-          </a:effectRef>
-          <a:fontRef idx="minor">
-            <a:schemeClr val="lt1"/>
-          </a:fontRef>
-        </p:style>
-        <p:txBody>
-          <a:bodyPr rtlCol="0" anchor="ctr"/>
-          <a:lstStyle/>
-          <a:p>
-            <a:pPr algn="ctr"/>
-            <a:r>
-              <a:rPr lang="en-US" altLang="ko-KR" sz="3600" dirty="0" smtClean="0">
-                <a:solidFill>
-                  <a:srgbClr val="3333FF"/>
-                </a:solidFill>
-                <a:latin typeface="Arial" panose="020B0604020202020204" pitchFamily="34" charset="0"/>
-              </a:rPr>
-              <a:t>Reflection Standards</a:t>
-            </a:r>
-            <a:endParaRPr lang="ko-KR" altLang="en-US" sz="3600" dirty="0"/>
-          </a:p>
-        </p:txBody>
-      </p:sp>
-      <p:sp>
-        <p:nvSpPr>
-          <p:cNvPr id="3" name="날짜 개체 틀 2"/>
-          <p:cNvSpPr>
-            <a:spLocks noGrp="1"/>
-          </p:cNvSpPr>
-          <p:nvPr>
-            <p:ph type="dt" sz="half" idx="10"/>
-          </p:nvPr>
-        </p:nvSpPr>
-        <p:spPr/>
-        <p:txBody>
-          <a:bodyPr/>
-          <a:lstStyle/>
-          <a:p>
-            <a:fld id="{F85A177F-6FD3-496B-8A9C-B332CA04E863}" type="datetime1">
-              <a:rPr lang="ko-KR" altLang="en-US" smtClean="0"/>
-              <a:t>2018-04-08</a:t>
-            </a:fld>
-            <a:endParaRPr lang="ko-KR" altLang="en-US"/>
-          </a:p>
-        </p:txBody>
-      </p:sp>
-      <p:sp>
-        <p:nvSpPr>
-          <p:cNvPr id="4" name="슬라이드 번호 개체 틀 3"/>
-          <p:cNvSpPr>
-            <a:spLocks noGrp="1"/>
-          </p:cNvSpPr>
-          <p:nvPr>
-            <p:ph type="sldNum" sz="quarter" idx="12"/>
-          </p:nvPr>
-        </p:nvSpPr>
-        <p:spPr/>
-        <p:txBody>
-          <a:bodyPr/>
-          <a:lstStyle/>
-          <a:p>
-            <a:fld id="{8765F8EB-1186-4395-8E70-F957669279DD}" type="slidenum">
-              <a:rPr lang="ko-KR" altLang="en-US" smtClean="0"/>
-              <a:t>15</a:t>
-            </a:fld>
-            <a:endParaRPr lang="ko-KR" altLang="en-US"/>
-          </a:p>
-        </p:txBody>
-      </p:sp>
+        <p:txBody>
+          <a:bodyPr wrap="square" rtlCol="0">
+            <a:spAutoFit/>
+          </a:bodyPr>
+          <a:lstStyle/>
+          <a:p>
+            <a:r>
+              <a:rPr lang="en-US" altLang="ko-KR" sz="2000" dirty="0" smtClean="0"/>
+              <a:t>Verify the linearity of the time-domain signal by plotting the amplitude of th</a:t>
+            </a:r>
+            <a:r>
+              <a:rPr lang="en-US" altLang="ko-KR" sz="2000" dirty="0" smtClean="0"/>
+              <a:t>e maximum of the peak against the number of silicon plates in the beam path.</a:t>
+            </a:r>
+            <a:endParaRPr lang="en-US" altLang="ko-KR" sz="2000" dirty="0" smtClean="0"/>
+          </a:p>
+        </p:txBody>
+      </p:sp>
+      <p:pic>
+        <p:nvPicPr>
+          <p:cNvPr id="5" name="그림 4"/>
+          <p:cNvPicPr>
+            <a:picLocks noChangeAspect="1"/>
+          </p:cNvPicPr>
+          <p:nvPr/>
+        </p:nvPicPr>
+        <p:blipFill>
+          <a:blip r:embed="rId3"/>
+          <a:stretch>
+            <a:fillRect/>
+          </a:stretch>
+        </p:blipFill>
+        <p:spPr>
+          <a:xfrm>
+            <a:off x="246183" y="2679317"/>
+            <a:ext cx="4139730" cy="2520000"/>
+          </a:xfrm>
+          <a:prstGeom prst="rect">
+            <a:avLst/>
+          </a:prstGeom>
+        </p:spPr>
+      </p:pic>
+      <p:pic>
+        <p:nvPicPr>
+          <p:cNvPr id="6" name="그림 5"/>
+          <p:cNvPicPr>
+            <a:picLocks noChangeAspect="1"/>
+          </p:cNvPicPr>
+          <p:nvPr/>
+        </p:nvPicPr>
+        <p:blipFill>
+          <a:blip r:embed="rId4"/>
+          <a:stretch>
+            <a:fillRect/>
+          </a:stretch>
+        </p:blipFill>
+        <p:spPr>
+          <a:xfrm>
+            <a:off x="4783013" y="2679317"/>
+            <a:ext cx="4144770" cy="2520000"/>
+          </a:xfrm>
+          <a:prstGeom prst="rect">
+            <a:avLst/>
+          </a:prstGeom>
+        </p:spPr>
+      </p:pic>
     </p:spTree>
     <p:extLst>
       <p:ext uri="{BB962C8B-B14F-4D97-AF65-F5344CB8AC3E}">
-        <p14:creationId xmlns:p14="http://schemas.microsoft.com/office/powerpoint/2010/main" val="1308665809"/>
+        <p14:creationId xmlns:p14="http://schemas.microsoft.com/office/powerpoint/2010/main" val="1223418354"/>
       </p:ext>
     </p:extLst>
   </p:cSld>
@@ -6920,6 +7076,203 @@
           <a:lstStyle/>
           <a:p>
             <a:pPr algn="ctr"/>
+            <a:endParaRPr lang="en-US" altLang="ko-KR" sz="2800" dirty="0">
+              <a:solidFill>
+                <a:schemeClr val="bg1"/>
+              </a:solidFill>
+              <a:latin typeface="Arial" panose="020B0604020202020204" pitchFamily="34" charset="0"/>
+            </a:endParaRPr>
+          </a:p>
+        </p:txBody>
+      </p:sp>
+      <p:sp>
+        <p:nvSpPr>
+          <p:cNvPr id="2" name="직사각형 1"/>
+          <p:cNvSpPr/>
+          <p:nvPr/>
+        </p:nvSpPr>
+        <p:spPr>
+          <a:xfrm>
+            <a:off x="1286256" y="2004529"/>
+            <a:ext cx="6571488" cy="2848942"/>
+          </a:xfrm>
+          <a:prstGeom prst="rect">
+            <a:avLst/>
+          </a:prstGeom>
+          <a:noFill/>
+          <a:ln w="38100">
+            <a:solidFill>
+              <a:srgbClr val="3333FF"/>
+            </a:solidFill>
+          </a:ln>
+        </p:spPr>
+        <p:style>
+          <a:lnRef idx="2">
+            <a:schemeClr val="accent1">
+              <a:shade val="50000"/>
+            </a:schemeClr>
+          </a:lnRef>
+          <a:fillRef idx="1">
+            <a:schemeClr val="accent1"/>
+          </a:fillRef>
+          <a:effectRef idx="0">
+            <a:schemeClr val="accent1"/>
+          </a:effectRef>
+          <a:fontRef idx="minor">
+            <a:schemeClr val="lt1"/>
+          </a:fontRef>
+        </p:style>
+        <p:txBody>
+          <a:bodyPr rtlCol="0" anchor="ctr"/>
+          <a:lstStyle/>
+          <a:p>
+            <a:pPr algn="ctr"/>
+            <a:r>
+              <a:rPr lang="en-US" altLang="ko-KR" sz="3600" dirty="0" smtClean="0">
+                <a:solidFill>
+                  <a:srgbClr val="3333FF"/>
+                </a:solidFill>
+                <a:latin typeface="Arial" panose="020B0604020202020204" pitchFamily="34" charset="0"/>
+              </a:rPr>
+              <a:t>Reflection Standards</a:t>
+            </a:r>
+            <a:endParaRPr lang="ko-KR" altLang="en-US" sz="3600" dirty="0"/>
+          </a:p>
+        </p:txBody>
+      </p:sp>
+      <p:sp>
+        <p:nvSpPr>
+          <p:cNvPr id="3" name="날짜 개체 틀 2"/>
+          <p:cNvSpPr>
+            <a:spLocks noGrp="1"/>
+          </p:cNvSpPr>
+          <p:nvPr>
+            <p:ph type="dt" sz="half" idx="10"/>
+          </p:nvPr>
+        </p:nvSpPr>
+        <p:spPr/>
+        <p:txBody>
+          <a:bodyPr/>
+          <a:lstStyle/>
+          <a:p>
+            <a:fld id="{F85A177F-6FD3-496B-8A9C-B332CA04E863}" type="datetime1">
+              <a:rPr lang="ko-KR" altLang="en-US" smtClean="0"/>
+              <a:t>2018-04-09</a:t>
+            </a:fld>
+            <a:endParaRPr lang="ko-KR" altLang="en-US"/>
+          </a:p>
+        </p:txBody>
+      </p:sp>
+      <p:sp>
+        <p:nvSpPr>
+          <p:cNvPr id="4" name="슬라이드 번호 개체 틀 3"/>
+          <p:cNvSpPr>
+            <a:spLocks noGrp="1"/>
+          </p:cNvSpPr>
+          <p:nvPr>
+            <p:ph type="sldNum" sz="quarter" idx="12"/>
+          </p:nvPr>
+        </p:nvSpPr>
+        <p:spPr/>
+        <p:txBody>
+          <a:bodyPr/>
+          <a:lstStyle/>
+          <a:p>
+            <a:fld id="{8765F8EB-1186-4395-8E70-F957669279DD}" type="slidenum">
+              <a:rPr lang="ko-KR" altLang="en-US" smtClean="0"/>
+              <a:t>16</a:t>
+            </a:fld>
+            <a:endParaRPr lang="ko-KR" altLang="en-US"/>
+          </a:p>
+        </p:txBody>
+      </p:sp>
+    </p:spTree>
+    <p:extLst>
+      <p:ext uri="{BB962C8B-B14F-4D97-AF65-F5344CB8AC3E}">
+        <p14:creationId xmlns:p14="http://schemas.microsoft.com/office/powerpoint/2010/main" val="1308665809"/>
+      </p:ext>
+    </p:extLst>
+  </p:cSld>
+  <p:clrMapOvr>
+    <a:masterClrMapping/>
+  </p:clrMapOvr>
+  <p:timing>
+    <p:tnLst>
+      <p:par>
+        <p:cTn id="1" dur="indefinite" restart="never" nodeType="tmRoot"/>
+      </p:par>
+    </p:tnLst>
+  </p:timing>
+</p:sld>
+</file>
+
+<file path=ppt/slides/slide17.xml><?xml version="1.0" encoding="utf-8"?>
+<p:sld xmlns:a="http://schemas.openxmlformats.org/drawingml/2006/main" xmlns:r="http://schemas.openxmlformats.org/officeDocument/2006/relationships" xmlns:p="http://schemas.openxmlformats.org/presentationml/2006/main">
+  <p:cSld>
+    <p:spTree>
+      <p:nvGrpSpPr>
+        <p:cNvPr id="1" name=""/>
+        <p:cNvGrpSpPr/>
+        <p:nvPr/>
+      </p:nvGrpSpPr>
+      <p:grpSpPr>
+        <a:xfrm>
+          <a:off x="0" y="0"/>
+          <a:ext cx="0" cy="0"/>
+          <a:chOff x="0" y="0"/>
+          <a:chExt cx="0" cy="0"/>
+        </a:xfrm>
+      </p:grpSpPr>
+      <p:sp>
+        <p:nvSpPr>
+          <p:cNvPr id="6199" name="Rectangle 55"/>
+          <p:cNvSpPr>
+            <a:spLocks noChangeArrowheads="1"/>
+          </p:cNvSpPr>
+          <p:nvPr/>
+        </p:nvSpPr>
+        <p:spPr bwMode="auto">
+          <a:xfrm>
+            <a:off x="0" y="0"/>
+            <a:ext cx="9144000" cy="692150"/>
+          </a:xfrm>
+          <a:prstGeom prst="rect">
+            <a:avLst/>
+          </a:prstGeom>
+          <a:solidFill>
+            <a:srgbClr val="3333FF"/>
+          </a:solidFill>
+          <a:ln>
+            <a:noFill/>
+          </a:ln>
+          <a:effectLst/>
+          <a:extLst>
+            <a:ext uri="{91240B29-F687-4F45-9708-019B960494DF}">
+              <a14:hiddenLine xmlns:a14="http://schemas.microsoft.com/office/drawing/2010/main" w="9525">
+                <a:solidFill>
+                  <a:schemeClr val="tx1"/>
+                </a:solidFill>
+                <a:miter lim="800000"/>
+                <a:headEnd/>
+                <a:tailEnd/>
+              </a14:hiddenLine>
+            </a:ext>
+            <a:ext uri="{AF507438-7753-43E0-B8FC-AC1667EBCBE1}">
+              <a14:hiddenEffects xmlns:a14="http://schemas.microsoft.com/office/drawing/2010/main">
+                <a:effectLst>
+                  <a:outerShdw dist="35921" dir="2700000" algn="ctr" rotWithShape="0">
+                    <a:schemeClr val="bg2"/>
+                  </a:outerShdw>
+                </a:effectLst>
+              </a14:hiddenEffects>
+            </a:ext>
+          </a:extLst>
+        </p:spPr>
+        <p:txBody>
+          <a:bodyPr wrap="none" anchor="ctr"/>
+          <a:lstStyle/>
+          <a:p>
+            <a:pPr algn="ctr"/>
             <a:r>
               <a:rPr lang="en-US" altLang="ko-KR" sz="2800" dirty="0">
                 <a:solidFill>
@@ -6958,7 +7311,7 @@
           <a:p>
             <a:fld id="{53646E5C-8775-44A9-9523-40B6CCA06789}" type="datetime1">
               <a:rPr lang="ko-KR" altLang="en-US" smtClean="0"/>
-              <a:t>2018-04-08</a:t>
+              <a:t>2018-04-09</a:t>
             </a:fld>
             <a:endParaRPr lang="ko-KR" altLang="en-US"/>
           </a:p>
@@ -6981,7 +7334,7 @@
           <a:p>
             <a:fld id="{8765F8EB-1186-4395-8E70-F957669279DD}" type="slidenum">
               <a:rPr lang="ko-KR" altLang="en-US" smtClean="0"/>
-              <a:t>16</a:t>
+              <a:t>17</a:t>
             </a:fld>
             <a:endParaRPr lang="ko-KR" altLang="en-US"/>
           </a:p>
@@ -7025,7 +7378,6 @@
               <a:rPr lang="en-US" altLang="ko-KR" sz="2000" dirty="0" smtClean="0"/>
               <a:t>reflectivity = 1</a:t>
             </a:r>
-            <a:endParaRPr lang="en-US" altLang="ko-KR" sz="2000" dirty="0" smtClean="0"/>
           </a:p>
         </p:txBody>
       </p:sp>
@@ -7073,7 +7425,7 @@
 </p:sld>
 </file>
 
-<file path=ppt/slides/slide17.xml><?xml version="1.0" encoding="utf-8"?>
+<file path=ppt/slides/slide18.xml><?xml version="1.0" encoding="utf-8"?>
 <p:sld xmlns:a="http://schemas.openxmlformats.org/drawingml/2006/main" xmlns:r="http://schemas.openxmlformats.org/officeDocument/2006/relationships" xmlns:p="http://schemas.openxmlformats.org/presentationml/2006/main">
   <p:cSld>
     <p:spTree>
@@ -7294,7 +7646,7 @@
           <a:p>
             <a:fld id="{6509A91F-0059-474E-BAEC-65E67593FE25}" type="datetime1">
               <a:rPr lang="ko-KR" altLang="en-US" smtClean="0"/>
-              <a:t>2018-04-08</a:t>
+              <a:t>2018-04-09</a:t>
             </a:fld>
             <a:endParaRPr lang="ko-KR" altLang="en-US"/>
           </a:p>
@@ -7317,7 +7669,7 @@
           <a:p>
             <a:fld id="{8765F8EB-1186-4395-8E70-F957669279DD}" type="slidenum">
               <a:rPr lang="ko-KR" altLang="en-US" smtClean="0"/>
-              <a:t>17</a:t>
+              <a:t>18</a:t>
             </a:fld>
             <a:endParaRPr lang="ko-KR" altLang="en-US"/>
           </a:p>
@@ -7597,7 +7949,7 @@
           <a:p>
             <a:fld id="{D71C2118-E1AA-468B-9259-8864ED518988}" type="datetime1">
               <a:rPr lang="ko-KR" altLang="en-US" smtClean="0"/>
-              <a:t>2018-04-08</a:t>
+              <a:t>2018-04-09</a:t>
             </a:fld>
             <a:endParaRPr lang="ko-KR" altLang="en-US"/>
           </a:p>
@@ -7806,7 +8158,7 @@
           <a:p>
             <a:fld id="{F85A177F-6FD3-496B-8A9C-B332CA04E863}" type="datetime1">
               <a:rPr lang="ko-KR" altLang="en-US" smtClean="0"/>
-              <a:t>2018-04-08</a:t>
+              <a:t>2018-04-09</a:t>
             </a:fld>
             <a:endParaRPr lang="ko-KR" altLang="en-US"/>
           </a:p>
@@ -7951,7 +8303,7 @@
           <a:p>
             <a:fld id="{53646E5C-8775-44A9-9523-40B6CCA06789}" type="datetime1">
               <a:rPr lang="ko-KR" altLang="en-US" smtClean="0"/>
-              <a:t>2018-04-08</a:t>
+              <a:t>2018-04-09</a:t>
             </a:fld>
             <a:endParaRPr lang="ko-KR" altLang="en-US"/>
           </a:p>
@@ -8229,7 +8581,7 @@
           <a:p>
             <a:fld id="{F85A177F-6FD3-496B-8A9C-B332CA04E863}" type="datetime1">
               <a:rPr lang="ko-KR" altLang="en-US" smtClean="0"/>
-              <a:t>2018-04-08</a:t>
+              <a:t>2018-04-09</a:t>
             </a:fld>
             <a:endParaRPr lang="ko-KR" altLang="en-US"/>
           </a:p>
@@ -8374,7 +8726,7 @@
           <a:p>
             <a:fld id="{53646E5C-8775-44A9-9523-40B6CCA06789}" type="datetime1">
               <a:rPr lang="ko-KR" altLang="en-US" smtClean="0"/>
-              <a:t>2018-04-08</a:t>
+              <a:t>2018-04-09</a:t>
             </a:fld>
             <a:endParaRPr lang="ko-KR" altLang="en-US"/>
           </a:p>
@@ -8760,7 +9112,7 @@
           <a:p>
             <a:fld id="{53646E5C-8775-44A9-9523-40B6CCA06789}" type="datetime1">
               <a:rPr lang="ko-KR" altLang="en-US" smtClean="0"/>
-              <a:t>2018-04-08</a:t>
+              <a:t>2018-04-09</a:t>
             </a:fld>
             <a:endParaRPr lang="ko-KR" altLang="en-US"/>
           </a:p>
@@ -9157,7 +9509,7 @@
           <a:p>
             <a:fld id="{53646E5C-8775-44A9-9523-40B6CCA06789}" type="datetime1">
               <a:rPr lang="ko-KR" altLang="en-US" smtClean="0"/>
-              <a:t>2018-04-08</a:t>
+              <a:t>2018-04-09</a:t>
             </a:fld>
             <a:endParaRPr lang="ko-KR" altLang="en-US"/>
           </a:p>
@@ -9562,7 +9914,7 @@
           <a:p>
             <a:fld id="{53646E5C-8775-44A9-9523-40B6CCA06789}" type="datetime1">
               <a:rPr lang="ko-KR" altLang="en-US" smtClean="0"/>
-              <a:t>2018-04-08</a:t>
+              <a:t>2018-04-09</a:t>
             </a:fld>
             <a:endParaRPr lang="ko-KR" altLang="en-US"/>
           </a:p>
